--- a/pages/weboldal/ppt/project_game.pptx
+++ b/pages/weboldal/ppt/project_game.pptx
@@ -8,35 +8,36 @@
     <p:sldMasterId id="2147483686" r:id="rId4"/>
     <p:sldMasterId id="2147483705" r:id="rId5"/>
     <p:sldMasterId id="2147483707" r:id="rId6"/>
+    <p:sldMasterId id="2147483748" r:id="rId7"/>
   </p:sldMasterIdLst>
   <p:sldIdLst>
-    <p:sldId id="256" r:id="rId7"/>
-    <p:sldId id="257" r:id="rId8"/>
-    <p:sldId id="263" r:id="rId9"/>
-    <p:sldId id="283" r:id="rId10"/>
-    <p:sldId id="258" r:id="rId11"/>
-    <p:sldId id="264" r:id="rId12"/>
-    <p:sldId id="265" r:id="rId13"/>
-    <p:sldId id="259" r:id="rId14"/>
-    <p:sldId id="260" r:id="rId15"/>
-    <p:sldId id="279" r:id="rId16"/>
-    <p:sldId id="284" r:id="rId17"/>
-    <p:sldId id="285" r:id="rId18"/>
-    <p:sldId id="286" r:id="rId19"/>
-    <p:sldId id="287" r:id="rId20"/>
-    <p:sldId id="288" r:id="rId21"/>
-    <p:sldId id="289" r:id="rId22"/>
-    <p:sldId id="261" r:id="rId23"/>
-    <p:sldId id="266" r:id="rId24"/>
-    <p:sldId id="267" r:id="rId25"/>
-    <p:sldId id="271" r:id="rId26"/>
-    <p:sldId id="272" r:id="rId27"/>
-    <p:sldId id="273" r:id="rId28"/>
-    <p:sldId id="274" r:id="rId29"/>
-    <p:sldId id="275" r:id="rId30"/>
-    <p:sldId id="262" r:id="rId31"/>
-    <p:sldId id="281" r:id="rId32"/>
-    <p:sldId id="282" r:id="rId33"/>
+    <p:sldId id="256" r:id="rId8"/>
+    <p:sldId id="257" r:id="rId9"/>
+    <p:sldId id="263" r:id="rId10"/>
+    <p:sldId id="283" r:id="rId11"/>
+    <p:sldId id="258" r:id="rId12"/>
+    <p:sldId id="264" r:id="rId13"/>
+    <p:sldId id="265" r:id="rId14"/>
+    <p:sldId id="259" r:id="rId15"/>
+    <p:sldId id="260" r:id="rId16"/>
+    <p:sldId id="279" r:id="rId17"/>
+    <p:sldId id="284" r:id="rId18"/>
+    <p:sldId id="285" r:id="rId19"/>
+    <p:sldId id="286" r:id="rId20"/>
+    <p:sldId id="287" r:id="rId21"/>
+    <p:sldId id="288" r:id="rId22"/>
+    <p:sldId id="289" r:id="rId23"/>
+    <p:sldId id="261" r:id="rId24"/>
+    <p:sldId id="266" r:id="rId25"/>
+    <p:sldId id="267" r:id="rId26"/>
+    <p:sldId id="271" r:id="rId27"/>
+    <p:sldId id="272" r:id="rId28"/>
+    <p:sldId id="273" r:id="rId29"/>
+    <p:sldId id="274" r:id="rId30"/>
+    <p:sldId id="275" r:id="rId31"/>
+    <p:sldId id="262" r:id="rId32"/>
+    <p:sldId id="281" r:id="rId33"/>
+    <p:sldId id="282" r:id="rId34"/>
   </p:sldIdLst>
   <p:sldSz cx="12192000" cy="6858000"/>
   <p:notesSz cx="6858000" cy="9144000"/>
@@ -5210,7 +5211,7 @@
           <a:p>
             <a:fld id="{9E255AD8-65B3-4006-AEB5-E49A2474B8DB}" type="datetimeFigureOut">
               <a:rPr lang="hu-HU" smtClean="0"/>
-              <a:t>2024. 01. 14.</a:t>
+              <a:t>2024.01.15.</a:t>
             </a:fld>
             <a:endParaRPr lang="hu-HU"/>
           </a:p>
@@ -5622,7 +5623,7 @@
           <a:p>
             <a:fld id="{9E255AD8-65B3-4006-AEB5-E49A2474B8DB}" type="datetimeFigureOut">
               <a:rPr lang="hu-HU" smtClean="0"/>
-              <a:t>2024. 01. 14.</a:t>
+              <a:t>2024.01.15.</a:t>
             </a:fld>
             <a:endParaRPr lang="hu-HU"/>
           </a:p>
@@ -10398,7 +10399,7 @@
           <a:p>
             <a:fld id="{9E255AD8-65B3-4006-AEB5-E49A2474B8DB}" type="datetimeFigureOut">
               <a:rPr lang="hu-HU" smtClean="0"/>
-              <a:t>2024. 01. 14.</a:t>
+              <a:t>2024.01.15.</a:t>
             </a:fld>
             <a:endParaRPr lang="hu-HU"/>
           </a:p>
@@ -10810,7 +10811,7 @@
           <a:p>
             <a:fld id="{9E255AD8-65B3-4006-AEB5-E49A2474B8DB}" type="datetimeFigureOut">
               <a:rPr lang="hu-HU" smtClean="0"/>
-              <a:t>2024. 01. 14.</a:t>
+              <a:t>2024.01.15.</a:t>
             </a:fld>
             <a:endParaRPr lang="hu-HU"/>
           </a:p>
@@ -11504,7 +11505,7 @@
           <a:p>
             <a:fld id="{9E255AD8-65B3-4006-AEB5-E49A2474B8DB}" type="datetimeFigureOut">
               <a:rPr lang="hu-HU" smtClean="0"/>
-              <a:t>2024. 01. 14.</a:t>
+              <a:t>2024.01.15.</a:t>
             </a:fld>
             <a:endParaRPr lang="hu-HU"/>
           </a:p>
@@ -11916,7 +11917,7 @@
           <a:p>
             <a:fld id="{9E255AD8-65B3-4006-AEB5-E49A2474B8DB}" type="datetimeFigureOut">
               <a:rPr lang="hu-HU" smtClean="0"/>
-              <a:t>2024. 01. 14.</a:t>
+              <a:t>2024.01.15.</a:t>
             </a:fld>
             <a:endParaRPr lang="hu-HU"/>
           </a:p>
@@ -28543,7 +28544,7 @@
           <a:p>
             <a:fld id="{9E255AD8-65B3-4006-AEB5-E49A2474B8DB}" type="datetimeFigureOut">
               <a:rPr lang="hu-HU" smtClean="0"/>
-              <a:t>2024. 01. 14.</a:t>
+              <a:t>2024.01.15.</a:t>
             </a:fld>
             <a:endParaRPr lang="hu-HU"/>
           </a:p>
@@ -28955,7 +28956,7 @@
           <a:p>
             <a:fld id="{9E255AD8-65B3-4006-AEB5-E49A2474B8DB}" type="datetimeFigureOut">
               <a:rPr lang="hu-HU" smtClean="0"/>
-              <a:t>2024. 01. 14.</a:t>
+              <a:t>2024.01.15.</a:t>
             </a:fld>
             <a:endParaRPr lang="hu-HU"/>
           </a:p>
@@ -29088,6 +29089,1057 @@
 </p:sldLayout>
 </file>
 
+<file path=ppt/slideLayouts/slideLayout46.xml><?xml version="1.0" encoding="utf-8"?>
+<p:sldLayout xmlns:a="http://schemas.openxmlformats.org/drawingml/2006/main" xmlns:r="http://schemas.openxmlformats.org/officeDocument/2006/relationships" xmlns:p="http://schemas.openxmlformats.org/presentationml/2006/main" type="title" preserve="1">
+  <p:cSld name="Címdia">
+    <p:bg>
+      <p:bgRef idx="1003">
+        <a:schemeClr val="bg2"/>
+      </p:bgRef>
+    </p:bg>
+    <p:spTree>
+      <p:nvGrpSpPr>
+        <p:cNvPr id="1" name=""/>
+        <p:cNvGrpSpPr/>
+        <p:nvPr/>
+      </p:nvGrpSpPr>
+      <p:grpSpPr>
+        <a:xfrm>
+          <a:off x="0" y="0"/>
+          <a:ext cx="0" cy="0"/>
+          <a:chOff x="0" y="0"/>
+          <a:chExt cx="0" cy="0"/>
+        </a:xfrm>
+      </p:grpSpPr>
+      <p:pic>
+        <p:nvPicPr>
+          <p:cNvPr id="7" name="Picture 6" descr="Celestia-R1---OverlayTitleHD.png"/>
+          <p:cNvPicPr>
+            <a:picLocks noChangeAspect="1"/>
+          </p:cNvPicPr>
+          <p:nvPr/>
+        </p:nvPicPr>
+        <p:blipFill>
+          <a:blip r:embed="rId2">
+            <a:extLst>
+              <a:ext uri="{28A0092B-C50C-407E-A947-70E740481C1C}">
+                <a14:useLocalDpi xmlns:a14="http://schemas.microsoft.com/office/drawing/2010/main" val="0"/>
+              </a:ext>
+            </a:extLst>
+          </a:blip>
+          <a:stretch>
+            <a:fillRect/>
+          </a:stretch>
+        </p:blipFill>
+        <p:spPr>
+          <a:xfrm>
+            <a:off x="0" y="0"/>
+            <a:ext cx="12188825" cy="6856214"/>
+          </a:xfrm>
+          <a:prstGeom prst="rect">
+            <a:avLst/>
+          </a:prstGeom>
+        </p:spPr>
+      </p:pic>
+      <p:sp>
+        <p:nvSpPr>
+          <p:cNvPr id="2" name="Title 1"/>
+          <p:cNvSpPr>
+            <a:spLocks noGrp="1"/>
+          </p:cNvSpPr>
+          <p:nvPr>
+            <p:ph type="ctrTitle"/>
+          </p:nvPr>
+        </p:nvSpPr>
+        <p:spPr>
+          <a:xfrm>
+            <a:off x="3962399" y="1964267"/>
+            <a:ext cx="7197726" cy="2421464"/>
+          </a:xfrm>
+        </p:spPr>
+        <p:txBody>
+          <a:bodyPr anchor="b">
+            <a:normAutofit/>
+          </a:bodyPr>
+          <a:lstStyle>
+            <a:lvl1pPr algn="r">
+              <a:defRPr sz="4800">
+                <a:effectLst/>
+              </a:defRPr>
+            </a:lvl1pPr>
+          </a:lstStyle>
+          <a:p>
+            <a:r>
+              <a:rPr lang="hu-HU"/>
+              <a:t>Mintacím szerkesztése</a:t>
+            </a:r>
+            <a:endParaRPr lang="en-US" dirty="0"/>
+          </a:p>
+        </p:txBody>
+      </p:sp>
+      <p:sp>
+        <p:nvSpPr>
+          <p:cNvPr id="3" name="Subtitle 2"/>
+          <p:cNvSpPr>
+            <a:spLocks noGrp="1"/>
+          </p:cNvSpPr>
+          <p:nvPr>
+            <p:ph type="subTitle" idx="1"/>
+          </p:nvPr>
+        </p:nvSpPr>
+        <p:spPr>
+          <a:xfrm>
+            <a:off x="3962399" y="4385732"/>
+            <a:ext cx="7197726" cy="1405467"/>
+          </a:xfrm>
+        </p:spPr>
+        <p:txBody>
+          <a:bodyPr anchor="t">
+            <a:normAutofit/>
+          </a:bodyPr>
+          <a:lstStyle>
+            <a:lvl1pPr marL="0" indent="0" algn="r">
+              <a:buNone/>
+              <a:defRPr sz="1800" cap="all">
+                <a:solidFill>
+                  <a:schemeClr val="tx1"/>
+                </a:solidFill>
+              </a:defRPr>
+            </a:lvl1pPr>
+            <a:lvl2pPr marL="457200" indent="0" algn="ctr">
+              <a:buNone/>
+              <a:defRPr>
+                <a:solidFill>
+                  <a:schemeClr val="tx1">
+                    <a:tint val="75000"/>
+                  </a:schemeClr>
+                </a:solidFill>
+              </a:defRPr>
+            </a:lvl2pPr>
+            <a:lvl3pPr marL="914400" indent="0" algn="ctr">
+              <a:buNone/>
+              <a:defRPr>
+                <a:solidFill>
+                  <a:schemeClr val="tx1">
+                    <a:tint val="75000"/>
+                  </a:schemeClr>
+                </a:solidFill>
+              </a:defRPr>
+            </a:lvl3pPr>
+            <a:lvl4pPr marL="1371600" indent="0" algn="ctr">
+              <a:buNone/>
+              <a:defRPr>
+                <a:solidFill>
+                  <a:schemeClr val="tx1">
+                    <a:tint val="75000"/>
+                  </a:schemeClr>
+                </a:solidFill>
+              </a:defRPr>
+            </a:lvl4pPr>
+            <a:lvl5pPr marL="1828800" indent="0" algn="ctr">
+              <a:buNone/>
+              <a:defRPr>
+                <a:solidFill>
+                  <a:schemeClr val="tx1">
+                    <a:tint val="75000"/>
+                  </a:schemeClr>
+                </a:solidFill>
+              </a:defRPr>
+            </a:lvl5pPr>
+            <a:lvl6pPr marL="2286000" indent="0" algn="ctr">
+              <a:buNone/>
+              <a:defRPr>
+                <a:solidFill>
+                  <a:schemeClr val="tx1">
+                    <a:tint val="75000"/>
+                  </a:schemeClr>
+                </a:solidFill>
+              </a:defRPr>
+            </a:lvl6pPr>
+            <a:lvl7pPr marL="2743200" indent="0" algn="ctr">
+              <a:buNone/>
+              <a:defRPr>
+                <a:solidFill>
+                  <a:schemeClr val="tx1">
+                    <a:tint val="75000"/>
+                  </a:schemeClr>
+                </a:solidFill>
+              </a:defRPr>
+            </a:lvl7pPr>
+            <a:lvl8pPr marL="3200400" indent="0" algn="ctr">
+              <a:buNone/>
+              <a:defRPr>
+                <a:solidFill>
+                  <a:schemeClr val="tx1">
+                    <a:tint val="75000"/>
+                  </a:schemeClr>
+                </a:solidFill>
+              </a:defRPr>
+            </a:lvl8pPr>
+            <a:lvl9pPr marL="3657600" indent="0" algn="ctr">
+              <a:buNone/>
+              <a:defRPr>
+                <a:solidFill>
+                  <a:schemeClr val="tx1">
+                    <a:tint val="75000"/>
+                  </a:schemeClr>
+                </a:solidFill>
+              </a:defRPr>
+            </a:lvl9pPr>
+          </a:lstStyle>
+          <a:p>
+            <a:r>
+              <a:rPr lang="hu-HU"/>
+              <a:t>Kattintson ide az alcím mintájának szerkesztéséhez</a:t>
+            </a:r>
+            <a:endParaRPr lang="en-US" dirty="0"/>
+          </a:p>
+        </p:txBody>
+      </p:sp>
+      <p:sp>
+        <p:nvSpPr>
+          <p:cNvPr id="4" name="Date Placeholder 3"/>
+          <p:cNvSpPr>
+            <a:spLocks noGrp="1"/>
+          </p:cNvSpPr>
+          <p:nvPr>
+            <p:ph type="dt" sz="half" idx="10"/>
+          </p:nvPr>
+        </p:nvSpPr>
+        <p:spPr>
+          <a:xfrm>
+            <a:off x="8932558" y="5870575"/>
+            <a:ext cx="1600200" cy="377825"/>
+          </a:xfrm>
+        </p:spPr>
+        <p:txBody>
+          <a:bodyPr/>
+          <a:lstStyle/>
+          <a:p>
+            <a:fld id="{B61BEF0D-F0BB-DE4B-95CE-6DB70DBA9567}" type="datetimeFigureOut">
+              <a:rPr lang="en-US" smtClean="0"/>
+              <a:pPr/>
+              <a:t>1/15/2024</a:t>
+            </a:fld>
+            <a:endParaRPr lang="en-US" dirty="0"/>
+          </a:p>
+        </p:txBody>
+      </p:sp>
+      <p:sp>
+        <p:nvSpPr>
+          <p:cNvPr id="5" name="Footer Placeholder 4"/>
+          <p:cNvSpPr>
+            <a:spLocks noGrp="1"/>
+          </p:cNvSpPr>
+          <p:nvPr>
+            <p:ph type="ftr" sz="quarter" idx="11"/>
+          </p:nvPr>
+        </p:nvSpPr>
+        <p:spPr>
+          <a:xfrm>
+            <a:off x="3962399" y="5870575"/>
+            <a:ext cx="4893958" cy="377825"/>
+          </a:xfrm>
+        </p:spPr>
+        <p:txBody>
+          <a:bodyPr/>
+          <a:lstStyle/>
+          <a:p>
+            <a:endParaRPr lang="en-US" dirty="0"/>
+          </a:p>
+        </p:txBody>
+      </p:sp>
+      <p:sp>
+        <p:nvSpPr>
+          <p:cNvPr id="6" name="Slide Number Placeholder 5"/>
+          <p:cNvSpPr>
+            <a:spLocks noGrp="1"/>
+          </p:cNvSpPr>
+          <p:nvPr>
+            <p:ph type="sldNum" sz="quarter" idx="12"/>
+          </p:nvPr>
+        </p:nvSpPr>
+        <p:spPr>
+          <a:xfrm>
+            <a:off x="10608958" y="5870575"/>
+            <a:ext cx="551167" cy="377825"/>
+          </a:xfrm>
+        </p:spPr>
+        <p:txBody>
+          <a:bodyPr/>
+          <a:lstStyle/>
+          <a:p>
+            <a:fld id="{D57F1E4F-1CFF-5643-939E-217C01CDF565}" type="slidenum">
+              <a:rPr lang="en-US" smtClean="0"/>
+              <a:pPr/>
+              <a:t>‹#›</a:t>
+            </a:fld>
+            <a:endParaRPr lang="en-US" dirty="0"/>
+          </a:p>
+        </p:txBody>
+      </p:sp>
+    </p:spTree>
+    <p:extLst>
+      <p:ext uri="{BB962C8B-B14F-4D97-AF65-F5344CB8AC3E}">
+        <p14:creationId xmlns:p14="http://schemas.microsoft.com/office/powerpoint/2010/main" val="3021102603"/>
+      </p:ext>
+    </p:extLst>
+  </p:cSld>
+  <p:clrMapOvr>
+    <a:overrideClrMapping bg1="dk1" tx1="lt1" bg2="dk2" tx2="lt2" accent1="accent1" accent2="accent2" accent3="accent3" accent4="accent4" accent5="accent5" accent6="accent6" hlink="hlink" folHlink="folHlink"/>
+  </p:clrMapOvr>
+  <p:hf sldNum="0" hdr="0" ftr="0" dt="0"/>
+</p:sldLayout>
+</file>
+
+<file path=ppt/slideLayouts/slideLayout47.xml><?xml version="1.0" encoding="utf-8"?>
+<p:sldLayout xmlns:a="http://schemas.openxmlformats.org/drawingml/2006/main" xmlns:r="http://schemas.openxmlformats.org/officeDocument/2006/relationships" xmlns:p="http://schemas.openxmlformats.org/presentationml/2006/main" type="obj" preserve="1">
+  <p:cSld name="Cím és tartalom">
+    <p:spTree>
+      <p:nvGrpSpPr>
+        <p:cNvPr id="1" name=""/>
+        <p:cNvGrpSpPr/>
+        <p:nvPr/>
+      </p:nvGrpSpPr>
+      <p:grpSpPr>
+        <a:xfrm>
+          <a:off x="0" y="0"/>
+          <a:ext cx="0" cy="0"/>
+          <a:chOff x="0" y="0"/>
+          <a:chExt cx="0" cy="0"/>
+        </a:xfrm>
+      </p:grpSpPr>
+      <p:pic>
+        <p:nvPicPr>
+          <p:cNvPr id="7" name="Picture 6" descr="Celestia-R1---OverlayContentHD.png"/>
+          <p:cNvPicPr>
+            <a:picLocks noChangeAspect="1"/>
+          </p:cNvPicPr>
+          <p:nvPr/>
+        </p:nvPicPr>
+        <p:blipFill>
+          <a:blip r:embed="rId2">
+            <a:extLst>
+              <a:ext uri="{28A0092B-C50C-407E-A947-70E740481C1C}">
+                <a14:useLocalDpi xmlns:a14="http://schemas.microsoft.com/office/drawing/2010/main" val="0"/>
+              </a:ext>
+            </a:extLst>
+          </a:blip>
+          <a:stretch>
+            <a:fillRect/>
+          </a:stretch>
+        </p:blipFill>
+        <p:spPr>
+          <a:xfrm>
+            <a:off x="0" y="0"/>
+            <a:ext cx="12188825" cy="6856214"/>
+          </a:xfrm>
+          <a:prstGeom prst="rect">
+            <a:avLst/>
+          </a:prstGeom>
+        </p:spPr>
+      </p:pic>
+      <p:sp>
+        <p:nvSpPr>
+          <p:cNvPr id="2" name="Title 1"/>
+          <p:cNvSpPr>
+            <a:spLocks noGrp="1"/>
+          </p:cNvSpPr>
+          <p:nvPr>
+            <p:ph type="title"/>
+          </p:nvPr>
+        </p:nvSpPr>
+        <p:spPr/>
+        <p:txBody>
+          <a:bodyPr/>
+          <a:lstStyle/>
+          <a:p>
+            <a:r>
+              <a:rPr lang="hu-HU"/>
+              <a:t>Mintacím szerkesztése</a:t>
+            </a:r>
+            <a:endParaRPr lang="en-US" dirty="0"/>
+          </a:p>
+        </p:txBody>
+      </p:sp>
+      <p:sp>
+        <p:nvSpPr>
+          <p:cNvPr id="3" name="Content Placeholder 2"/>
+          <p:cNvSpPr>
+            <a:spLocks noGrp="1"/>
+          </p:cNvSpPr>
+          <p:nvPr>
+            <p:ph idx="1"/>
+          </p:nvPr>
+        </p:nvSpPr>
+        <p:spPr/>
+        <p:txBody>
+          <a:bodyPr anchor="ctr"/>
+          <a:lstStyle/>
+          <a:p>
+            <a:pPr lvl="0"/>
+            <a:r>
+              <a:rPr lang="hu-HU"/>
+              <a:t>Mintaszöveg szerkesztése</a:t>
+            </a:r>
+          </a:p>
+          <a:p>
+            <a:pPr lvl="1"/>
+            <a:r>
+              <a:rPr lang="hu-HU"/>
+              <a:t>Második szint</a:t>
+            </a:r>
+          </a:p>
+          <a:p>
+            <a:pPr lvl="2"/>
+            <a:r>
+              <a:rPr lang="hu-HU"/>
+              <a:t>Harmadik szint</a:t>
+            </a:r>
+          </a:p>
+          <a:p>
+            <a:pPr lvl="3"/>
+            <a:r>
+              <a:rPr lang="hu-HU"/>
+              <a:t>Negyedik szint</a:t>
+            </a:r>
+          </a:p>
+          <a:p>
+            <a:pPr lvl="4"/>
+            <a:r>
+              <a:rPr lang="hu-HU"/>
+              <a:t>Ötödik szint</a:t>
+            </a:r>
+            <a:endParaRPr lang="en-US" dirty="0"/>
+          </a:p>
+        </p:txBody>
+      </p:sp>
+      <p:sp>
+        <p:nvSpPr>
+          <p:cNvPr id="4" name="Date Placeholder 3"/>
+          <p:cNvSpPr>
+            <a:spLocks noGrp="1"/>
+          </p:cNvSpPr>
+          <p:nvPr>
+            <p:ph type="dt" sz="half" idx="10"/>
+          </p:nvPr>
+        </p:nvSpPr>
+        <p:spPr/>
+        <p:txBody>
+          <a:bodyPr/>
+          <a:lstStyle/>
+          <a:p>
+            <a:fld id="{9E255AD8-65B3-4006-AEB5-E49A2474B8DB}" type="datetimeFigureOut">
+              <a:rPr lang="hu-HU" smtClean="0"/>
+              <a:t>2024.01.15.</a:t>
+            </a:fld>
+            <a:endParaRPr lang="hu-HU"/>
+          </a:p>
+        </p:txBody>
+      </p:sp>
+      <p:sp>
+        <p:nvSpPr>
+          <p:cNvPr id="5" name="Footer Placeholder 4"/>
+          <p:cNvSpPr>
+            <a:spLocks noGrp="1"/>
+          </p:cNvSpPr>
+          <p:nvPr>
+            <p:ph type="ftr" sz="quarter" idx="11"/>
+          </p:nvPr>
+        </p:nvSpPr>
+        <p:spPr/>
+        <p:txBody>
+          <a:bodyPr/>
+          <a:lstStyle/>
+          <a:p>
+            <a:endParaRPr lang="hu-HU"/>
+          </a:p>
+        </p:txBody>
+      </p:sp>
+      <p:sp>
+        <p:nvSpPr>
+          <p:cNvPr id="6" name="Slide Number Placeholder 5"/>
+          <p:cNvSpPr>
+            <a:spLocks noGrp="1"/>
+          </p:cNvSpPr>
+          <p:nvPr>
+            <p:ph type="sldNum" sz="quarter" idx="12"/>
+          </p:nvPr>
+        </p:nvSpPr>
+        <p:spPr/>
+        <p:txBody>
+          <a:bodyPr/>
+          <a:lstStyle/>
+          <a:p>
+            <a:fld id="{ACB1CFE5-F1D5-421B-8A49-698F6360C030}" type="slidenum">
+              <a:rPr lang="hu-HU" smtClean="0"/>
+              <a:t>‹#›</a:t>
+            </a:fld>
+            <a:endParaRPr lang="hu-HU"/>
+          </a:p>
+        </p:txBody>
+      </p:sp>
+    </p:spTree>
+    <p:extLst>
+      <p:ext uri="{BB962C8B-B14F-4D97-AF65-F5344CB8AC3E}">
+        <p14:creationId xmlns:p14="http://schemas.microsoft.com/office/powerpoint/2010/main" val="4294146200"/>
+      </p:ext>
+    </p:extLst>
+  </p:cSld>
+  <p:clrMapOvr>
+    <a:masterClrMapping/>
+  </p:clrMapOvr>
+</p:sldLayout>
+</file>
+
+<file path=ppt/slideLayouts/slideLayout48.xml><?xml version="1.0" encoding="utf-8"?>
+<p:sldLayout xmlns:a="http://schemas.openxmlformats.org/drawingml/2006/main" xmlns:r="http://schemas.openxmlformats.org/officeDocument/2006/relationships" xmlns:p="http://schemas.openxmlformats.org/presentationml/2006/main" type="secHead" preserve="1">
+  <p:cSld name="Szakaszfejléc">
+    <p:spTree>
+      <p:nvGrpSpPr>
+        <p:cNvPr id="1" name=""/>
+        <p:cNvGrpSpPr/>
+        <p:nvPr/>
+      </p:nvGrpSpPr>
+      <p:grpSpPr>
+        <a:xfrm>
+          <a:off x="0" y="0"/>
+          <a:ext cx="0" cy="0"/>
+          <a:chOff x="0" y="0"/>
+          <a:chExt cx="0" cy="0"/>
+        </a:xfrm>
+      </p:grpSpPr>
+      <p:pic>
+        <p:nvPicPr>
+          <p:cNvPr id="7" name="Picture 6" descr="Celestia-R1---OverlayContentHD.png"/>
+          <p:cNvPicPr>
+            <a:picLocks noChangeAspect="1"/>
+          </p:cNvPicPr>
+          <p:nvPr/>
+        </p:nvPicPr>
+        <p:blipFill>
+          <a:blip r:embed="rId2">
+            <a:extLst>
+              <a:ext uri="{28A0092B-C50C-407E-A947-70E740481C1C}">
+                <a14:useLocalDpi xmlns:a14="http://schemas.microsoft.com/office/drawing/2010/main" val="0"/>
+              </a:ext>
+            </a:extLst>
+          </a:blip>
+          <a:stretch>
+            <a:fillRect/>
+          </a:stretch>
+        </p:blipFill>
+        <p:spPr>
+          <a:xfrm>
+            <a:off x="0" y="0"/>
+            <a:ext cx="12188825" cy="6856214"/>
+          </a:xfrm>
+          <a:prstGeom prst="rect">
+            <a:avLst/>
+          </a:prstGeom>
+        </p:spPr>
+      </p:pic>
+      <p:sp>
+        <p:nvSpPr>
+          <p:cNvPr id="2" name="Title 1"/>
+          <p:cNvSpPr>
+            <a:spLocks noGrp="1"/>
+          </p:cNvSpPr>
+          <p:nvPr>
+            <p:ph type="title"/>
+          </p:nvPr>
+        </p:nvSpPr>
+        <p:spPr>
+          <a:xfrm>
+            <a:off x="685800" y="3308581"/>
+            <a:ext cx="10131427" cy="1468800"/>
+          </a:xfrm>
+        </p:spPr>
+        <p:txBody>
+          <a:bodyPr anchor="b"/>
+          <a:lstStyle>
+            <a:lvl1pPr algn="l">
+              <a:defRPr sz="4000" b="0" cap="all"/>
+            </a:lvl1pPr>
+          </a:lstStyle>
+          <a:p>
+            <a:r>
+              <a:rPr lang="hu-HU"/>
+              <a:t>Mintacím szerkesztése</a:t>
+            </a:r>
+            <a:endParaRPr lang="en-US" dirty="0"/>
+          </a:p>
+        </p:txBody>
+      </p:sp>
+      <p:sp>
+        <p:nvSpPr>
+          <p:cNvPr id="3" name="Text Placeholder 2"/>
+          <p:cNvSpPr>
+            <a:spLocks noGrp="1"/>
+          </p:cNvSpPr>
+          <p:nvPr>
+            <p:ph type="body" idx="1"/>
+          </p:nvPr>
+        </p:nvSpPr>
+        <p:spPr>
+          <a:xfrm>
+            <a:off x="685799" y="4777381"/>
+            <a:ext cx="10131428" cy="860400"/>
+          </a:xfrm>
+        </p:spPr>
+        <p:txBody>
+          <a:bodyPr anchor="t">
+            <a:normAutofit/>
+          </a:bodyPr>
+          <a:lstStyle>
+            <a:lvl1pPr marL="0" indent="0" algn="l">
+              <a:buNone/>
+              <a:defRPr sz="2000" cap="all">
+                <a:solidFill>
+                  <a:schemeClr val="tx1"/>
+                </a:solidFill>
+              </a:defRPr>
+            </a:lvl1pPr>
+            <a:lvl2pPr marL="457200" indent="0">
+              <a:buNone/>
+              <a:defRPr sz="1800">
+                <a:solidFill>
+                  <a:schemeClr val="tx1">
+                    <a:tint val="75000"/>
+                  </a:schemeClr>
+                </a:solidFill>
+              </a:defRPr>
+            </a:lvl2pPr>
+            <a:lvl3pPr marL="914400" indent="0">
+              <a:buNone/>
+              <a:defRPr sz="1600">
+                <a:solidFill>
+                  <a:schemeClr val="tx1">
+                    <a:tint val="75000"/>
+                  </a:schemeClr>
+                </a:solidFill>
+              </a:defRPr>
+            </a:lvl3pPr>
+            <a:lvl4pPr marL="1371600" indent="0">
+              <a:buNone/>
+              <a:defRPr sz="1400">
+                <a:solidFill>
+                  <a:schemeClr val="tx1">
+                    <a:tint val="75000"/>
+                  </a:schemeClr>
+                </a:solidFill>
+              </a:defRPr>
+            </a:lvl4pPr>
+            <a:lvl5pPr marL="1828800" indent="0">
+              <a:buNone/>
+              <a:defRPr sz="1400">
+                <a:solidFill>
+                  <a:schemeClr val="tx1">
+                    <a:tint val="75000"/>
+                  </a:schemeClr>
+                </a:solidFill>
+              </a:defRPr>
+            </a:lvl5pPr>
+            <a:lvl6pPr marL="2286000" indent="0">
+              <a:buNone/>
+              <a:defRPr sz="1400">
+                <a:solidFill>
+                  <a:schemeClr val="tx1">
+                    <a:tint val="75000"/>
+                  </a:schemeClr>
+                </a:solidFill>
+              </a:defRPr>
+            </a:lvl6pPr>
+            <a:lvl7pPr marL="2743200" indent="0">
+              <a:buNone/>
+              <a:defRPr sz="1400">
+                <a:solidFill>
+                  <a:schemeClr val="tx1">
+                    <a:tint val="75000"/>
+                  </a:schemeClr>
+                </a:solidFill>
+              </a:defRPr>
+            </a:lvl7pPr>
+            <a:lvl8pPr marL="3200400" indent="0">
+              <a:buNone/>
+              <a:defRPr sz="1400">
+                <a:solidFill>
+                  <a:schemeClr val="tx1">
+                    <a:tint val="75000"/>
+                  </a:schemeClr>
+                </a:solidFill>
+              </a:defRPr>
+            </a:lvl8pPr>
+            <a:lvl9pPr marL="3657600" indent="0">
+              <a:buNone/>
+              <a:defRPr sz="1400">
+                <a:solidFill>
+                  <a:schemeClr val="tx1">
+                    <a:tint val="75000"/>
+                  </a:schemeClr>
+                </a:solidFill>
+              </a:defRPr>
+            </a:lvl9pPr>
+          </a:lstStyle>
+          <a:p>
+            <a:pPr lvl="0"/>
+            <a:r>
+              <a:rPr lang="hu-HU"/>
+              <a:t>Mintaszöveg szerkesztése</a:t>
+            </a:r>
+          </a:p>
+        </p:txBody>
+      </p:sp>
+      <p:sp>
+        <p:nvSpPr>
+          <p:cNvPr id="4" name="Date Placeholder 3"/>
+          <p:cNvSpPr>
+            <a:spLocks noGrp="1"/>
+          </p:cNvSpPr>
+          <p:nvPr>
+            <p:ph type="dt" sz="half" idx="10"/>
+          </p:nvPr>
+        </p:nvSpPr>
+        <p:spPr/>
+        <p:txBody>
+          <a:bodyPr/>
+          <a:lstStyle/>
+          <a:p>
+            <a:fld id="{B61BEF0D-F0BB-DE4B-95CE-6DB70DBA9567}" type="datetimeFigureOut">
+              <a:rPr lang="en-US" smtClean="0"/>
+              <a:pPr/>
+              <a:t>1/15/2024</a:t>
+            </a:fld>
+            <a:endParaRPr lang="en-US" dirty="0"/>
+          </a:p>
+        </p:txBody>
+      </p:sp>
+      <p:sp>
+        <p:nvSpPr>
+          <p:cNvPr id="5" name="Footer Placeholder 4"/>
+          <p:cNvSpPr>
+            <a:spLocks noGrp="1"/>
+          </p:cNvSpPr>
+          <p:nvPr>
+            <p:ph type="ftr" sz="quarter" idx="11"/>
+          </p:nvPr>
+        </p:nvSpPr>
+        <p:spPr/>
+        <p:txBody>
+          <a:bodyPr/>
+          <a:lstStyle/>
+          <a:p>
+            <a:endParaRPr lang="en-US" dirty="0"/>
+          </a:p>
+        </p:txBody>
+      </p:sp>
+      <p:sp>
+        <p:nvSpPr>
+          <p:cNvPr id="6" name="Slide Number Placeholder 5"/>
+          <p:cNvSpPr>
+            <a:spLocks noGrp="1"/>
+          </p:cNvSpPr>
+          <p:nvPr>
+            <p:ph type="sldNum" sz="quarter" idx="12"/>
+          </p:nvPr>
+        </p:nvSpPr>
+        <p:spPr/>
+        <p:txBody>
+          <a:bodyPr/>
+          <a:lstStyle/>
+          <a:p>
+            <a:fld id="{D57F1E4F-1CFF-5643-939E-217C01CDF565}" type="slidenum">
+              <a:rPr lang="en-US" smtClean="0"/>
+              <a:pPr/>
+              <a:t>‹#›</a:t>
+            </a:fld>
+            <a:endParaRPr lang="en-US" dirty="0"/>
+          </a:p>
+        </p:txBody>
+      </p:sp>
+    </p:spTree>
+    <p:extLst>
+      <p:ext uri="{BB962C8B-B14F-4D97-AF65-F5344CB8AC3E}">
+        <p14:creationId xmlns:p14="http://schemas.microsoft.com/office/powerpoint/2010/main" val="1062241113"/>
+      </p:ext>
+    </p:extLst>
+  </p:cSld>
+  <p:clrMapOvr>
+    <a:masterClrMapping/>
+  </p:clrMapOvr>
+  <p:hf sldNum="0" hdr="0" ftr="0" dt="0"/>
+</p:sldLayout>
+</file>
+
+<file path=ppt/slideLayouts/slideLayout49.xml><?xml version="1.0" encoding="utf-8"?>
+<p:sldLayout xmlns:a="http://schemas.openxmlformats.org/drawingml/2006/main" xmlns:r="http://schemas.openxmlformats.org/officeDocument/2006/relationships" xmlns:p="http://schemas.openxmlformats.org/presentationml/2006/main" type="twoObj" preserve="1">
+  <p:cSld name="2 tartalomrész">
+    <p:spTree>
+      <p:nvGrpSpPr>
+        <p:cNvPr id="1" name=""/>
+        <p:cNvGrpSpPr/>
+        <p:nvPr/>
+      </p:nvGrpSpPr>
+      <p:grpSpPr>
+        <a:xfrm>
+          <a:off x="0" y="0"/>
+          <a:ext cx="0" cy="0"/>
+          <a:chOff x="0" y="0"/>
+          <a:chExt cx="0" cy="0"/>
+        </a:xfrm>
+      </p:grpSpPr>
+      <p:pic>
+        <p:nvPicPr>
+          <p:cNvPr id="8" name="Picture 7" descr="Celestia-R1---OverlayContentHD.png"/>
+          <p:cNvPicPr>
+            <a:picLocks noChangeAspect="1"/>
+          </p:cNvPicPr>
+          <p:nvPr/>
+        </p:nvPicPr>
+        <p:blipFill>
+          <a:blip r:embed="rId2">
+            <a:extLst>
+              <a:ext uri="{28A0092B-C50C-407E-A947-70E740481C1C}">
+                <a14:useLocalDpi xmlns:a14="http://schemas.microsoft.com/office/drawing/2010/main" val="0"/>
+              </a:ext>
+            </a:extLst>
+          </a:blip>
+          <a:stretch>
+            <a:fillRect/>
+          </a:stretch>
+        </p:blipFill>
+        <p:spPr>
+          <a:xfrm>
+            <a:off x="0" y="0"/>
+            <a:ext cx="12188825" cy="6856214"/>
+          </a:xfrm>
+          <a:prstGeom prst="rect">
+            <a:avLst/>
+          </a:prstGeom>
+        </p:spPr>
+      </p:pic>
+      <p:sp>
+        <p:nvSpPr>
+          <p:cNvPr id="2" name="Title 1"/>
+          <p:cNvSpPr>
+            <a:spLocks noGrp="1"/>
+          </p:cNvSpPr>
+          <p:nvPr>
+            <p:ph type="title"/>
+          </p:nvPr>
+        </p:nvSpPr>
+        <p:spPr/>
+        <p:txBody>
+          <a:bodyPr/>
+          <a:lstStyle/>
+          <a:p>
+            <a:r>
+              <a:rPr lang="hu-HU"/>
+              <a:t>Mintacím szerkesztése</a:t>
+            </a:r>
+            <a:endParaRPr lang="en-US" dirty="0"/>
+          </a:p>
+        </p:txBody>
+      </p:sp>
+      <p:sp>
+        <p:nvSpPr>
+          <p:cNvPr id="3" name="Content Placeholder 2"/>
+          <p:cNvSpPr>
+            <a:spLocks noGrp="1"/>
+          </p:cNvSpPr>
+          <p:nvPr>
+            <p:ph sz="half" idx="1"/>
+          </p:nvPr>
+        </p:nvSpPr>
+        <p:spPr>
+          <a:xfrm>
+            <a:off x="685802" y="2142067"/>
+            <a:ext cx="4995334" cy="3649134"/>
+          </a:xfrm>
+        </p:spPr>
+        <p:txBody>
+          <a:bodyPr>
+            <a:normAutofit/>
+          </a:bodyPr>
+          <a:lstStyle/>
+          <a:p>
+            <a:pPr lvl="0"/>
+            <a:r>
+              <a:rPr lang="hu-HU"/>
+              <a:t>Mintaszöveg szerkesztése</a:t>
+            </a:r>
+          </a:p>
+          <a:p>
+            <a:pPr lvl="1"/>
+            <a:r>
+              <a:rPr lang="hu-HU"/>
+              <a:t>Második szint</a:t>
+            </a:r>
+          </a:p>
+          <a:p>
+            <a:pPr lvl="2"/>
+            <a:r>
+              <a:rPr lang="hu-HU"/>
+              <a:t>Harmadik szint</a:t>
+            </a:r>
+          </a:p>
+          <a:p>
+            <a:pPr lvl="3"/>
+            <a:r>
+              <a:rPr lang="hu-HU"/>
+              <a:t>Negyedik szint</a:t>
+            </a:r>
+          </a:p>
+          <a:p>
+            <a:pPr lvl="4"/>
+            <a:r>
+              <a:rPr lang="hu-HU"/>
+              <a:t>Ötödik szint</a:t>
+            </a:r>
+            <a:endParaRPr lang="en-US" dirty="0"/>
+          </a:p>
+        </p:txBody>
+      </p:sp>
+      <p:sp>
+        <p:nvSpPr>
+          <p:cNvPr id="4" name="Content Placeholder 3"/>
+          <p:cNvSpPr>
+            <a:spLocks noGrp="1"/>
+          </p:cNvSpPr>
+          <p:nvPr>
+            <p:ph sz="half" idx="2"/>
+          </p:nvPr>
+        </p:nvSpPr>
+        <p:spPr>
+          <a:xfrm>
+            <a:off x="5821895" y="2142067"/>
+            <a:ext cx="4995332" cy="3649133"/>
+          </a:xfrm>
+        </p:spPr>
+        <p:txBody>
+          <a:bodyPr>
+            <a:normAutofit/>
+          </a:bodyPr>
+          <a:lstStyle/>
+          <a:p>
+            <a:pPr lvl="0"/>
+            <a:r>
+              <a:rPr lang="hu-HU"/>
+              <a:t>Mintaszöveg szerkesztése</a:t>
+            </a:r>
+          </a:p>
+          <a:p>
+            <a:pPr lvl="1"/>
+            <a:r>
+              <a:rPr lang="hu-HU"/>
+              <a:t>Második szint</a:t>
+            </a:r>
+          </a:p>
+          <a:p>
+            <a:pPr lvl="2"/>
+            <a:r>
+              <a:rPr lang="hu-HU"/>
+              <a:t>Harmadik szint</a:t>
+            </a:r>
+          </a:p>
+          <a:p>
+            <a:pPr lvl="3"/>
+            <a:r>
+              <a:rPr lang="hu-HU"/>
+              <a:t>Negyedik szint</a:t>
+            </a:r>
+          </a:p>
+          <a:p>
+            <a:pPr lvl="4"/>
+            <a:r>
+              <a:rPr lang="hu-HU"/>
+              <a:t>Ötödik szint</a:t>
+            </a:r>
+            <a:endParaRPr lang="en-US" dirty="0"/>
+          </a:p>
+        </p:txBody>
+      </p:sp>
+      <p:sp>
+        <p:nvSpPr>
+          <p:cNvPr id="5" name="Date Placeholder 4"/>
+          <p:cNvSpPr>
+            <a:spLocks noGrp="1"/>
+          </p:cNvSpPr>
+          <p:nvPr>
+            <p:ph type="dt" sz="half" idx="10"/>
+          </p:nvPr>
+        </p:nvSpPr>
+        <p:spPr/>
+        <p:txBody>
+          <a:bodyPr/>
+          <a:lstStyle/>
+          <a:p>
+            <a:fld id="{B61BEF0D-F0BB-DE4B-95CE-6DB70DBA9567}" type="datetimeFigureOut">
+              <a:rPr lang="en-US" smtClean="0"/>
+              <a:pPr/>
+              <a:t>1/15/2024</a:t>
+            </a:fld>
+            <a:endParaRPr lang="en-US" dirty="0"/>
+          </a:p>
+        </p:txBody>
+      </p:sp>
+      <p:sp>
+        <p:nvSpPr>
+          <p:cNvPr id="6" name="Footer Placeholder 5"/>
+          <p:cNvSpPr>
+            <a:spLocks noGrp="1"/>
+          </p:cNvSpPr>
+          <p:nvPr>
+            <p:ph type="ftr" sz="quarter" idx="11"/>
+          </p:nvPr>
+        </p:nvSpPr>
+        <p:spPr/>
+        <p:txBody>
+          <a:bodyPr/>
+          <a:lstStyle/>
+          <a:p>
+            <a:endParaRPr lang="en-US" dirty="0"/>
+          </a:p>
+        </p:txBody>
+      </p:sp>
+      <p:sp>
+        <p:nvSpPr>
+          <p:cNvPr id="7" name="Slide Number Placeholder 6"/>
+          <p:cNvSpPr>
+            <a:spLocks noGrp="1"/>
+          </p:cNvSpPr>
+          <p:nvPr>
+            <p:ph type="sldNum" sz="quarter" idx="12"/>
+          </p:nvPr>
+        </p:nvSpPr>
+        <p:spPr/>
+        <p:txBody>
+          <a:bodyPr/>
+          <a:lstStyle/>
+          <a:p>
+            <a:fld id="{D57F1E4F-1CFF-5643-939E-217C01CDF565}" type="slidenum">
+              <a:rPr lang="en-US" smtClean="0"/>
+              <a:pPr/>
+              <a:t>‹#›</a:t>
+            </a:fld>
+            <a:endParaRPr lang="en-US" dirty="0"/>
+          </a:p>
+        </p:txBody>
+      </p:sp>
+    </p:spTree>
+    <p:extLst>
+      <p:ext uri="{BB962C8B-B14F-4D97-AF65-F5344CB8AC3E}">
+        <p14:creationId xmlns:p14="http://schemas.microsoft.com/office/powerpoint/2010/main" val="1973748938"/>
+      </p:ext>
+    </p:extLst>
+  </p:cSld>
+  <p:clrMapOvr>
+    <a:masterClrMapping/>
+  </p:clrMapOvr>
+  <p:hf sldNum="0" hdr="0" ftr="0" dt="0"/>
+</p:sldLayout>
+</file>
+
 <file path=ppt/slideLayouts/slideLayout5.xml><?xml version="1.0" encoding="utf-8"?>
 <p:sldLayout xmlns:a="http://schemas.openxmlformats.org/drawingml/2006/main" xmlns:r="http://schemas.openxmlformats.org/officeDocument/2006/relationships" xmlns:p="http://schemas.openxmlformats.org/presentationml/2006/main" matchingName="QUOTE">
   <p:cSld name="QUOTE">
@@ -29631,6 +30683,3299 @@
 </p:sldLayout>
 </file>
 
+<file path=ppt/slideLayouts/slideLayout50.xml><?xml version="1.0" encoding="utf-8"?>
+<p:sldLayout xmlns:a="http://schemas.openxmlformats.org/drawingml/2006/main" xmlns:r="http://schemas.openxmlformats.org/officeDocument/2006/relationships" xmlns:p="http://schemas.openxmlformats.org/presentationml/2006/main" type="twoTxTwoObj" preserve="1">
+  <p:cSld name="Összehasonlítás">
+    <p:spTree>
+      <p:nvGrpSpPr>
+        <p:cNvPr id="1" name=""/>
+        <p:cNvGrpSpPr/>
+        <p:nvPr/>
+      </p:nvGrpSpPr>
+      <p:grpSpPr>
+        <a:xfrm>
+          <a:off x="0" y="0"/>
+          <a:ext cx="0" cy="0"/>
+          <a:chOff x="0" y="0"/>
+          <a:chExt cx="0" cy="0"/>
+        </a:xfrm>
+      </p:grpSpPr>
+      <p:sp>
+        <p:nvSpPr>
+          <p:cNvPr id="2" name="Title 1"/>
+          <p:cNvSpPr>
+            <a:spLocks noGrp="1"/>
+          </p:cNvSpPr>
+          <p:nvPr>
+            <p:ph type="title"/>
+          </p:nvPr>
+        </p:nvSpPr>
+        <p:spPr/>
+        <p:txBody>
+          <a:bodyPr/>
+          <a:lstStyle>
+            <a:lvl1pPr>
+              <a:defRPr/>
+            </a:lvl1pPr>
+          </a:lstStyle>
+          <a:p>
+            <a:r>
+              <a:rPr lang="hu-HU"/>
+              <a:t>Mintacím szerkesztése</a:t>
+            </a:r>
+            <a:endParaRPr lang="en-US" dirty="0"/>
+          </a:p>
+        </p:txBody>
+      </p:sp>
+      <p:sp>
+        <p:nvSpPr>
+          <p:cNvPr id="3" name="Text Placeholder 2"/>
+          <p:cNvSpPr>
+            <a:spLocks noGrp="1"/>
+          </p:cNvSpPr>
+          <p:nvPr>
+            <p:ph type="body" idx="1"/>
+          </p:nvPr>
+        </p:nvSpPr>
+        <p:spPr>
+          <a:xfrm>
+            <a:off x="973670" y="2218267"/>
+            <a:ext cx="4709054" cy="576262"/>
+          </a:xfrm>
+        </p:spPr>
+        <p:txBody>
+          <a:bodyPr anchor="b">
+            <a:noAutofit/>
+          </a:bodyPr>
+          <a:lstStyle>
+            <a:lvl1pPr marL="0" indent="0">
+              <a:buNone/>
+              <a:defRPr sz="2800" b="0"/>
+            </a:lvl1pPr>
+            <a:lvl2pPr marL="457200" indent="0">
+              <a:buNone/>
+              <a:defRPr sz="2000" b="1"/>
+            </a:lvl2pPr>
+            <a:lvl3pPr marL="914400" indent="0">
+              <a:buNone/>
+              <a:defRPr sz="1800" b="1"/>
+            </a:lvl3pPr>
+            <a:lvl4pPr marL="1371600" indent="0">
+              <a:buNone/>
+              <a:defRPr sz="1600" b="1"/>
+            </a:lvl4pPr>
+            <a:lvl5pPr marL="1828800" indent="0">
+              <a:buNone/>
+              <a:defRPr sz="1600" b="1"/>
+            </a:lvl5pPr>
+            <a:lvl6pPr marL="2286000" indent="0">
+              <a:buNone/>
+              <a:defRPr sz="1600" b="1"/>
+            </a:lvl6pPr>
+            <a:lvl7pPr marL="2743200" indent="0">
+              <a:buNone/>
+              <a:defRPr sz="1600" b="1"/>
+            </a:lvl7pPr>
+            <a:lvl8pPr marL="3200400" indent="0">
+              <a:buNone/>
+              <a:defRPr sz="1600" b="1"/>
+            </a:lvl8pPr>
+            <a:lvl9pPr marL="3657600" indent="0">
+              <a:buNone/>
+              <a:defRPr sz="1600" b="1"/>
+            </a:lvl9pPr>
+          </a:lstStyle>
+          <a:p>
+            <a:pPr lvl="0"/>
+            <a:r>
+              <a:rPr lang="hu-HU"/>
+              <a:t>Mintaszöveg szerkesztése</a:t>
+            </a:r>
+          </a:p>
+        </p:txBody>
+      </p:sp>
+      <p:sp>
+        <p:nvSpPr>
+          <p:cNvPr id="4" name="Content Placeholder 3"/>
+          <p:cNvSpPr>
+            <a:spLocks noGrp="1"/>
+          </p:cNvSpPr>
+          <p:nvPr>
+            <p:ph sz="half" idx="2"/>
+          </p:nvPr>
+        </p:nvSpPr>
+        <p:spPr>
+          <a:xfrm>
+            <a:off x="685801" y="2870201"/>
+            <a:ext cx="4996923" cy="2920998"/>
+          </a:xfrm>
+        </p:spPr>
+        <p:txBody>
+          <a:bodyPr anchor="t">
+            <a:normAutofit/>
+          </a:bodyPr>
+          <a:lstStyle/>
+          <a:p>
+            <a:pPr lvl="0"/>
+            <a:r>
+              <a:rPr lang="hu-HU"/>
+              <a:t>Mintaszöveg szerkesztése</a:t>
+            </a:r>
+          </a:p>
+          <a:p>
+            <a:pPr lvl="1"/>
+            <a:r>
+              <a:rPr lang="hu-HU"/>
+              <a:t>Második szint</a:t>
+            </a:r>
+          </a:p>
+          <a:p>
+            <a:pPr lvl="2"/>
+            <a:r>
+              <a:rPr lang="hu-HU"/>
+              <a:t>Harmadik szint</a:t>
+            </a:r>
+          </a:p>
+          <a:p>
+            <a:pPr lvl="3"/>
+            <a:r>
+              <a:rPr lang="hu-HU"/>
+              <a:t>Negyedik szint</a:t>
+            </a:r>
+          </a:p>
+          <a:p>
+            <a:pPr lvl="4"/>
+            <a:r>
+              <a:rPr lang="hu-HU"/>
+              <a:t>Ötödik szint</a:t>
+            </a:r>
+            <a:endParaRPr lang="en-US" dirty="0"/>
+          </a:p>
+        </p:txBody>
+      </p:sp>
+      <p:sp>
+        <p:nvSpPr>
+          <p:cNvPr id="5" name="Text Placeholder 4"/>
+          <p:cNvSpPr>
+            <a:spLocks noGrp="1"/>
+          </p:cNvSpPr>
+          <p:nvPr>
+            <p:ph type="body" sz="quarter" idx="3"/>
+          </p:nvPr>
+        </p:nvSpPr>
+        <p:spPr>
+          <a:xfrm>
+            <a:off x="6096003" y="2226734"/>
+            <a:ext cx="4722813" cy="576262"/>
+          </a:xfrm>
+        </p:spPr>
+        <p:txBody>
+          <a:bodyPr anchor="b">
+            <a:noAutofit/>
+          </a:bodyPr>
+          <a:lstStyle>
+            <a:lvl1pPr marL="0" indent="0">
+              <a:buNone/>
+              <a:defRPr sz="2800" b="0"/>
+            </a:lvl1pPr>
+            <a:lvl2pPr marL="457200" indent="0">
+              <a:buNone/>
+              <a:defRPr sz="2000" b="1"/>
+            </a:lvl2pPr>
+            <a:lvl3pPr marL="914400" indent="0">
+              <a:buNone/>
+              <a:defRPr sz="1800" b="1"/>
+            </a:lvl3pPr>
+            <a:lvl4pPr marL="1371600" indent="0">
+              <a:buNone/>
+              <a:defRPr sz="1600" b="1"/>
+            </a:lvl4pPr>
+            <a:lvl5pPr marL="1828800" indent="0">
+              <a:buNone/>
+              <a:defRPr sz="1600" b="1"/>
+            </a:lvl5pPr>
+            <a:lvl6pPr marL="2286000" indent="0">
+              <a:buNone/>
+              <a:defRPr sz="1600" b="1"/>
+            </a:lvl6pPr>
+            <a:lvl7pPr marL="2743200" indent="0">
+              <a:buNone/>
+              <a:defRPr sz="1600" b="1"/>
+            </a:lvl7pPr>
+            <a:lvl8pPr marL="3200400" indent="0">
+              <a:buNone/>
+              <a:defRPr sz="1600" b="1"/>
+            </a:lvl8pPr>
+            <a:lvl9pPr marL="3657600" indent="0">
+              <a:buNone/>
+              <a:defRPr sz="1600" b="1"/>
+            </a:lvl9pPr>
+          </a:lstStyle>
+          <a:p>
+            <a:pPr lvl="0"/>
+            <a:r>
+              <a:rPr lang="hu-HU"/>
+              <a:t>Mintaszöveg szerkesztése</a:t>
+            </a:r>
+          </a:p>
+        </p:txBody>
+      </p:sp>
+      <p:sp>
+        <p:nvSpPr>
+          <p:cNvPr id="6" name="Content Placeholder 5"/>
+          <p:cNvSpPr>
+            <a:spLocks noGrp="1"/>
+          </p:cNvSpPr>
+          <p:nvPr>
+            <p:ph sz="quarter" idx="4"/>
+          </p:nvPr>
+        </p:nvSpPr>
+        <p:spPr>
+          <a:xfrm>
+            <a:off x="5823483" y="2870201"/>
+            <a:ext cx="4995334" cy="2920998"/>
+          </a:xfrm>
+        </p:spPr>
+        <p:txBody>
+          <a:bodyPr anchor="t">
+            <a:normAutofit/>
+          </a:bodyPr>
+          <a:lstStyle/>
+          <a:p>
+            <a:pPr lvl="0"/>
+            <a:r>
+              <a:rPr lang="hu-HU"/>
+              <a:t>Mintaszöveg szerkesztése</a:t>
+            </a:r>
+          </a:p>
+          <a:p>
+            <a:pPr lvl="1"/>
+            <a:r>
+              <a:rPr lang="hu-HU"/>
+              <a:t>Második szint</a:t>
+            </a:r>
+          </a:p>
+          <a:p>
+            <a:pPr lvl="2"/>
+            <a:r>
+              <a:rPr lang="hu-HU"/>
+              <a:t>Harmadik szint</a:t>
+            </a:r>
+          </a:p>
+          <a:p>
+            <a:pPr lvl="3"/>
+            <a:r>
+              <a:rPr lang="hu-HU"/>
+              <a:t>Negyedik szint</a:t>
+            </a:r>
+          </a:p>
+          <a:p>
+            <a:pPr lvl="4"/>
+            <a:r>
+              <a:rPr lang="hu-HU"/>
+              <a:t>Ötödik szint</a:t>
+            </a:r>
+            <a:endParaRPr lang="en-US" dirty="0"/>
+          </a:p>
+        </p:txBody>
+      </p:sp>
+      <p:sp>
+        <p:nvSpPr>
+          <p:cNvPr id="7" name="Date Placeholder 6"/>
+          <p:cNvSpPr>
+            <a:spLocks noGrp="1"/>
+          </p:cNvSpPr>
+          <p:nvPr>
+            <p:ph type="dt" sz="half" idx="10"/>
+          </p:nvPr>
+        </p:nvSpPr>
+        <p:spPr/>
+        <p:txBody>
+          <a:bodyPr/>
+          <a:lstStyle/>
+          <a:p>
+            <a:fld id="{9E255AD8-65B3-4006-AEB5-E49A2474B8DB}" type="datetimeFigureOut">
+              <a:rPr lang="hu-HU" smtClean="0"/>
+              <a:t>2024.01.15.</a:t>
+            </a:fld>
+            <a:endParaRPr lang="hu-HU"/>
+          </a:p>
+        </p:txBody>
+      </p:sp>
+      <p:sp>
+        <p:nvSpPr>
+          <p:cNvPr id="8" name="Footer Placeholder 7"/>
+          <p:cNvSpPr>
+            <a:spLocks noGrp="1"/>
+          </p:cNvSpPr>
+          <p:nvPr>
+            <p:ph type="ftr" sz="quarter" idx="11"/>
+          </p:nvPr>
+        </p:nvSpPr>
+        <p:spPr/>
+        <p:txBody>
+          <a:bodyPr/>
+          <a:lstStyle/>
+          <a:p>
+            <a:endParaRPr lang="hu-HU"/>
+          </a:p>
+        </p:txBody>
+      </p:sp>
+      <p:sp>
+        <p:nvSpPr>
+          <p:cNvPr id="9" name="Slide Number Placeholder 8"/>
+          <p:cNvSpPr>
+            <a:spLocks noGrp="1"/>
+          </p:cNvSpPr>
+          <p:nvPr>
+            <p:ph type="sldNum" sz="quarter" idx="12"/>
+          </p:nvPr>
+        </p:nvSpPr>
+        <p:spPr/>
+        <p:txBody>
+          <a:bodyPr/>
+          <a:lstStyle/>
+          <a:p>
+            <a:fld id="{ACB1CFE5-F1D5-421B-8A49-698F6360C030}" type="slidenum">
+              <a:rPr lang="hu-HU" smtClean="0"/>
+              <a:t>‹#›</a:t>
+            </a:fld>
+            <a:endParaRPr lang="hu-HU"/>
+          </a:p>
+        </p:txBody>
+      </p:sp>
+    </p:spTree>
+    <p:extLst>
+      <p:ext uri="{BB962C8B-B14F-4D97-AF65-F5344CB8AC3E}">
+        <p14:creationId xmlns:p14="http://schemas.microsoft.com/office/powerpoint/2010/main" val="3917229000"/>
+      </p:ext>
+    </p:extLst>
+  </p:cSld>
+  <p:clrMapOvr>
+    <a:masterClrMapping/>
+  </p:clrMapOvr>
+</p:sldLayout>
+</file>
+
+<file path=ppt/slideLayouts/slideLayout51.xml><?xml version="1.0" encoding="utf-8"?>
+<p:sldLayout xmlns:a="http://schemas.openxmlformats.org/drawingml/2006/main" xmlns:r="http://schemas.openxmlformats.org/officeDocument/2006/relationships" xmlns:p="http://schemas.openxmlformats.org/presentationml/2006/main" type="titleOnly" preserve="1">
+  <p:cSld name="Csak cím">
+    <p:spTree>
+      <p:nvGrpSpPr>
+        <p:cNvPr id="1" name=""/>
+        <p:cNvGrpSpPr/>
+        <p:nvPr/>
+      </p:nvGrpSpPr>
+      <p:grpSpPr>
+        <a:xfrm>
+          <a:off x="0" y="0"/>
+          <a:ext cx="0" cy="0"/>
+          <a:chOff x="0" y="0"/>
+          <a:chExt cx="0" cy="0"/>
+        </a:xfrm>
+      </p:grpSpPr>
+      <p:pic>
+        <p:nvPicPr>
+          <p:cNvPr id="6" name="Picture 5" descr="Celestia-R1---OverlayContentHD.png"/>
+          <p:cNvPicPr>
+            <a:picLocks noChangeAspect="1"/>
+          </p:cNvPicPr>
+          <p:nvPr/>
+        </p:nvPicPr>
+        <p:blipFill>
+          <a:blip r:embed="rId2">
+            <a:extLst>
+              <a:ext uri="{28A0092B-C50C-407E-A947-70E740481C1C}">
+                <a14:useLocalDpi xmlns:a14="http://schemas.microsoft.com/office/drawing/2010/main" val="0"/>
+              </a:ext>
+            </a:extLst>
+          </a:blip>
+          <a:stretch>
+            <a:fillRect/>
+          </a:stretch>
+        </p:blipFill>
+        <p:spPr>
+          <a:xfrm>
+            <a:off x="0" y="0"/>
+            <a:ext cx="12188825" cy="6856214"/>
+          </a:xfrm>
+          <a:prstGeom prst="rect">
+            <a:avLst/>
+          </a:prstGeom>
+        </p:spPr>
+      </p:pic>
+      <p:sp>
+        <p:nvSpPr>
+          <p:cNvPr id="2" name="Title 1"/>
+          <p:cNvSpPr>
+            <a:spLocks noGrp="1"/>
+          </p:cNvSpPr>
+          <p:nvPr>
+            <p:ph type="title"/>
+          </p:nvPr>
+        </p:nvSpPr>
+        <p:spPr/>
+        <p:txBody>
+          <a:bodyPr/>
+          <a:lstStyle/>
+          <a:p>
+            <a:r>
+              <a:rPr lang="hu-HU"/>
+              <a:t>Mintacím szerkesztése</a:t>
+            </a:r>
+            <a:endParaRPr lang="en-US" dirty="0"/>
+          </a:p>
+        </p:txBody>
+      </p:sp>
+      <p:sp>
+        <p:nvSpPr>
+          <p:cNvPr id="3" name="Date Placeholder 2"/>
+          <p:cNvSpPr>
+            <a:spLocks noGrp="1"/>
+          </p:cNvSpPr>
+          <p:nvPr>
+            <p:ph type="dt" sz="half" idx="10"/>
+          </p:nvPr>
+        </p:nvSpPr>
+        <p:spPr/>
+        <p:txBody>
+          <a:bodyPr/>
+          <a:lstStyle/>
+          <a:p>
+            <a:fld id="{B61BEF0D-F0BB-DE4B-95CE-6DB70DBA9567}" type="datetimeFigureOut">
+              <a:rPr lang="en-US" smtClean="0"/>
+              <a:pPr/>
+              <a:t>1/15/2024</a:t>
+            </a:fld>
+            <a:endParaRPr lang="en-US" dirty="0"/>
+          </a:p>
+        </p:txBody>
+      </p:sp>
+      <p:sp>
+        <p:nvSpPr>
+          <p:cNvPr id="4" name="Footer Placeholder 3"/>
+          <p:cNvSpPr>
+            <a:spLocks noGrp="1"/>
+          </p:cNvSpPr>
+          <p:nvPr>
+            <p:ph type="ftr" sz="quarter" idx="11"/>
+          </p:nvPr>
+        </p:nvSpPr>
+        <p:spPr/>
+        <p:txBody>
+          <a:bodyPr/>
+          <a:lstStyle/>
+          <a:p>
+            <a:endParaRPr lang="en-US" dirty="0"/>
+          </a:p>
+        </p:txBody>
+      </p:sp>
+      <p:sp>
+        <p:nvSpPr>
+          <p:cNvPr id="5" name="Slide Number Placeholder 4"/>
+          <p:cNvSpPr>
+            <a:spLocks noGrp="1"/>
+          </p:cNvSpPr>
+          <p:nvPr>
+            <p:ph type="sldNum" sz="quarter" idx="12"/>
+          </p:nvPr>
+        </p:nvSpPr>
+        <p:spPr/>
+        <p:txBody>
+          <a:bodyPr/>
+          <a:lstStyle/>
+          <a:p>
+            <a:fld id="{D57F1E4F-1CFF-5643-939E-217C01CDF565}" type="slidenum">
+              <a:rPr lang="en-US" smtClean="0"/>
+              <a:pPr/>
+              <a:t>‹#›</a:t>
+            </a:fld>
+            <a:endParaRPr lang="en-US" dirty="0"/>
+          </a:p>
+        </p:txBody>
+      </p:sp>
+    </p:spTree>
+    <p:extLst>
+      <p:ext uri="{BB962C8B-B14F-4D97-AF65-F5344CB8AC3E}">
+        <p14:creationId xmlns:p14="http://schemas.microsoft.com/office/powerpoint/2010/main" val="581547571"/>
+      </p:ext>
+    </p:extLst>
+  </p:cSld>
+  <p:clrMapOvr>
+    <a:masterClrMapping/>
+  </p:clrMapOvr>
+  <p:hf sldNum="0" hdr="0" ftr="0" dt="0"/>
+</p:sldLayout>
+</file>
+
+<file path=ppt/slideLayouts/slideLayout52.xml><?xml version="1.0" encoding="utf-8"?>
+<p:sldLayout xmlns:a="http://schemas.openxmlformats.org/drawingml/2006/main" xmlns:r="http://schemas.openxmlformats.org/officeDocument/2006/relationships" xmlns:p="http://schemas.openxmlformats.org/presentationml/2006/main" type="blank" preserve="1">
+  <p:cSld name="Üres">
+    <p:spTree>
+      <p:nvGrpSpPr>
+        <p:cNvPr id="1" name=""/>
+        <p:cNvGrpSpPr/>
+        <p:nvPr/>
+      </p:nvGrpSpPr>
+      <p:grpSpPr>
+        <a:xfrm>
+          <a:off x="0" y="0"/>
+          <a:ext cx="0" cy="0"/>
+          <a:chOff x="0" y="0"/>
+          <a:chExt cx="0" cy="0"/>
+        </a:xfrm>
+      </p:grpSpPr>
+      <p:pic>
+        <p:nvPicPr>
+          <p:cNvPr id="5" name="Picture 4" descr="Celestia-R1---OverlayContentHD.png"/>
+          <p:cNvPicPr>
+            <a:picLocks noChangeAspect="1"/>
+          </p:cNvPicPr>
+          <p:nvPr/>
+        </p:nvPicPr>
+        <p:blipFill>
+          <a:blip r:embed="rId2">
+            <a:extLst>
+              <a:ext uri="{28A0092B-C50C-407E-A947-70E740481C1C}">
+                <a14:useLocalDpi xmlns:a14="http://schemas.microsoft.com/office/drawing/2010/main" val="0"/>
+              </a:ext>
+            </a:extLst>
+          </a:blip>
+          <a:stretch>
+            <a:fillRect/>
+          </a:stretch>
+        </p:blipFill>
+        <p:spPr>
+          <a:xfrm>
+            <a:off x="0" y="0"/>
+            <a:ext cx="12188825" cy="6856214"/>
+          </a:xfrm>
+          <a:prstGeom prst="rect">
+            <a:avLst/>
+          </a:prstGeom>
+        </p:spPr>
+      </p:pic>
+      <p:sp>
+        <p:nvSpPr>
+          <p:cNvPr id="2" name="Date Placeholder 1"/>
+          <p:cNvSpPr>
+            <a:spLocks noGrp="1"/>
+          </p:cNvSpPr>
+          <p:nvPr>
+            <p:ph type="dt" sz="half" idx="10"/>
+          </p:nvPr>
+        </p:nvSpPr>
+        <p:spPr/>
+        <p:txBody>
+          <a:bodyPr/>
+          <a:lstStyle/>
+          <a:p>
+            <a:fld id="{B61BEF0D-F0BB-DE4B-95CE-6DB70DBA9567}" type="datetimeFigureOut">
+              <a:rPr lang="en-US" smtClean="0"/>
+              <a:pPr/>
+              <a:t>1/15/2024</a:t>
+            </a:fld>
+            <a:endParaRPr lang="en-US" dirty="0"/>
+          </a:p>
+        </p:txBody>
+      </p:sp>
+      <p:sp>
+        <p:nvSpPr>
+          <p:cNvPr id="3" name="Footer Placeholder 2"/>
+          <p:cNvSpPr>
+            <a:spLocks noGrp="1"/>
+          </p:cNvSpPr>
+          <p:nvPr>
+            <p:ph type="ftr" sz="quarter" idx="11"/>
+          </p:nvPr>
+        </p:nvSpPr>
+        <p:spPr/>
+        <p:txBody>
+          <a:bodyPr/>
+          <a:lstStyle/>
+          <a:p>
+            <a:endParaRPr lang="en-US" dirty="0"/>
+          </a:p>
+        </p:txBody>
+      </p:sp>
+      <p:sp>
+        <p:nvSpPr>
+          <p:cNvPr id="4" name="Slide Number Placeholder 3"/>
+          <p:cNvSpPr>
+            <a:spLocks noGrp="1"/>
+          </p:cNvSpPr>
+          <p:nvPr>
+            <p:ph type="sldNum" sz="quarter" idx="12"/>
+          </p:nvPr>
+        </p:nvSpPr>
+        <p:spPr/>
+        <p:txBody>
+          <a:bodyPr/>
+          <a:lstStyle/>
+          <a:p>
+            <a:fld id="{D57F1E4F-1CFF-5643-939E-217C01CDF565}" type="slidenum">
+              <a:rPr lang="en-US" smtClean="0"/>
+              <a:pPr/>
+              <a:t>‹#›</a:t>
+            </a:fld>
+            <a:endParaRPr lang="en-US" dirty="0"/>
+          </a:p>
+        </p:txBody>
+      </p:sp>
+    </p:spTree>
+    <p:extLst>
+      <p:ext uri="{BB962C8B-B14F-4D97-AF65-F5344CB8AC3E}">
+        <p14:creationId xmlns:p14="http://schemas.microsoft.com/office/powerpoint/2010/main" val="70579262"/>
+      </p:ext>
+    </p:extLst>
+  </p:cSld>
+  <p:clrMapOvr>
+    <a:masterClrMapping/>
+  </p:clrMapOvr>
+  <p:hf sldNum="0" hdr="0" ftr="0" dt="0"/>
+</p:sldLayout>
+</file>
+
+<file path=ppt/slideLayouts/slideLayout53.xml><?xml version="1.0" encoding="utf-8"?>
+<p:sldLayout xmlns:a="http://schemas.openxmlformats.org/drawingml/2006/main" xmlns:r="http://schemas.openxmlformats.org/officeDocument/2006/relationships" xmlns:p="http://schemas.openxmlformats.org/presentationml/2006/main" type="objTx" preserve="1">
+  <p:cSld name="Tartalomrész képaláírással">
+    <p:spTree>
+      <p:nvGrpSpPr>
+        <p:cNvPr id="1" name=""/>
+        <p:cNvGrpSpPr/>
+        <p:nvPr/>
+      </p:nvGrpSpPr>
+      <p:grpSpPr>
+        <a:xfrm>
+          <a:off x="0" y="0"/>
+          <a:ext cx="0" cy="0"/>
+          <a:chOff x="0" y="0"/>
+          <a:chExt cx="0" cy="0"/>
+        </a:xfrm>
+      </p:grpSpPr>
+      <p:pic>
+        <p:nvPicPr>
+          <p:cNvPr id="8" name="Picture 7" descr="Celestia-R1---OverlayContentHD.png"/>
+          <p:cNvPicPr>
+            <a:picLocks noChangeAspect="1"/>
+          </p:cNvPicPr>
+          <p:nvPr/>
+        </p:nvPicPr>
+        <p:blipFill>
+          <a:blip r:embed="rId2">
+            <a:extLst>
+              <a:ext uri="{28A0092B-C50C-407E-A947-70E740481C1C}">
+                <a14:useLocalDpi xmlns:a14="http://schemas.microsoft.com/office/drawing/2010/main" val="0"/>
+              </a:ext>
+            </a:extLst>
+          </a:blip>
+          <a:stretch>
+            <a:fillRect/>
+          </a:stretch>
+        </p:blipFill>
+        <p:spPr>
+          <a:xfrm>
+            <a:off x="0" y="0"/>
+            <a:ext cx="12188825" cy="6856214"/>
+          </a:xfrm>
+          <a:prstGeom prst="rect">
+            <a:avLst/>
+          </a:prstGeom>
+        </p:spPr>
+      </p:pic>
+      <p:sp>
+        <p:nvSpPr>
+          <p:cNvPr id="2" name="Title 1"/>
+          <p:cNvSpPr>
+            <a:spLocks noGrp="1"/>
+          </p:cNvSpPr>
+          <p:nvPr>
+            <p:ph type="title"/>
+          </p:nvPr>
+        </p:nvSpPr>
+        <p:spPr>
+          <a:xfrm>
+            <a:off x="685800" y="2074333"/>
+            <a:ext cx="3680885" cy="1371600"/>
+          </a:xfrm>
+        </p:spPr>
+        <p:txBody>
+          <a:bodyPr anchor="b">
+            <a:normAutofit/>
+          </a:bodyPr>
+          <a:lstStyle>
+            <a:lvl1pPr algn="l">
+              <a:defRPr sz="2400" b="0"/>
+            </a:lvl1pPr>
+          </a:lstStyle>
+          <a:p>
+            <a:r>
+              <a:rPr lang="hu-HU"/>
+              <a:t>Mintacím szerkesztése</a:t>
+            </a:r>
+            <a:endParaRPr lang="en-US" dirty="0"/>
+          </a:p>
+        </p:txBody>
+      </p:sp>
+      <p:sp>
+        <p:nvSpPr>
+          <p:cNvPr id="3" name="Content Placeholder 2"/>
+          <p:cNvSpPr>
+            <a:spLocks noGrp="1"/>
+          </p:cNvSpPr>
+          <p:nvPr>
+            <p:ph idx="1"/>
+          </p:nvPr>
+        </p:nvSpPr>
+        <p:spPr>
+          <a:xfrm>
+            <a:off x="4648201" y="609601"/>
+            <a:ext cx="6169026" cy="5181600"/>
+          </a:xfrm>
+        </p:spPr>
+        <p:txBody>
+          <a:bodyPr anchor="ctr">
+            <a:normAutofit/>
+          </a:bodyPr>
+          <a:lstStyle/>
+          <a:p>
+            <a:pPr lvl="0"/>
+            <a:r>
+              <a:rPr lang="hu-HU"/>
+              <a:t>Mintaszöveg szerkesztése</a:t>
+            </a:r>
+          </a:p>
+          <a:p>
+            <a:pPr lvl="1"/>
+            <a:r>
+              <a:rPr lang="hu-HU"/>
+              <a:t>Második szint</a:t>
+            </a:r>
+          </a:p>
+          <a:p>
+            <a:pPr lvl="2"/>
+            <a:r>
+              <a:rPr lang="hu-HU"/>
+              <a:t>Harmadik szint</a:t>
+            </a:r>
+          </a:p>
+          <a:p>
+            <a:pPr lvl="3"/>
+            <a:r>
+              <a:rPr lang="hu-HU"/>
+              <a:t>Negyedik szint</a:t>
+            </a:r>
+          </a:p>
+          <a:p>
+            <a:pPr lvl="4"/>
+            <a:r>
+              <a:rPr lang="hu-HU"/>
+              <a:t>Ötödik szint</a:t>
+            </a:r>
+            <a:endParaRPr lang="en-US" dirty="0"/>
+          </a:p>
+        </p:txBody>
+      </p:sp>
+      <p:sp>
+        <p:nvSpPr>
+          <p:cNvPr id="4" name="Text Placeholder 3"/>
+          <p:cNvSpPr>
+            <a:spLocks noGrp="1"/>
+          </p:cNvSpPr>
+          <p:nvPr>
+            <p:ph type="body" sz="half" idx="2"/>
+          </p:nvPr>
+        </p:nvSpPr>
+        <p:spPr>
+          <a:xfrm>
+            <a:off x="685800" y="3445933"/>
+            <a:ext cx="3680885" cy="1828800"/>
+          </a:xfrm>
+        </p:spPr>
+        <p:txBody>
+          <a:bodyPr anchor="t">
+            <a:normAutofit/>
+          </a:bodyPr>
+          <a:lstStyle>
+            <a:lvl1pPr marL="0" indent="0">
+              <a:buNone/>
+              <a:defRPr sz="1600"/>
+            </a:lvl1pPr>
+            <a:lvl2pPr marL="457200" indent="0">
+              <a:buNone/>
+              <a:defRPr sz="1200"/>
+            </a:lvl2pPr>
+            <a:lvl3pPr marL="914400" indent="0">
+              <a:buNone/>
+              <a:defRPr sz="1000"/>
+            </a:lvl3pPr>
+            <a:lvl4pPr marL="1371600" indent="0">
+              <a:buNone/>
+              <a:defRPr sz="900"/>
+            </a:lvl4pPr>
+            <a:lvl5pPr marL="1828800" indent="0">
+              <a:buNone/>
+              <a:defRPr sz="900"/>
+            </a:lvl5pPr>
+            <a:lvl6pPr marL="2286000" indent="0">
+              <a:buNone/>
+              <a:defRPr sz="900"/>
+            </a:lvl6pPr>
+            <a:lvl7pPr marL="2743200" indent="0">
+              <a:buNone/>
+              <a:defRPr sz="900"/>
+            </a:lvl7pPr>
+            <a:lvl8pPr marL="3200400" indent="0">
+              <a:buNone/>
+              <a:defRPr sz="900"/>
+            </a:lvl8pPr>
+            <a:lvl9pPr marL="3657600" indent="0">
+              <a:buNone/>
+              <a:defRPr sz="900"/>
+            </a:lvl9pPr>
+          </a:lstStyle>
+          <a:p>
+            <a:pPr lvl="0"/>
+            <a:r>
+              <a:rPr lang="hu-HU"/>
+              <a:t>Mintaszöveg szerkesztése</a:t>
+            </a:r>
+          </a:p>
+        </p:txBody>
+      </p:sp>
+      <p:sp>
+        <p:nvSpPr>
+          <p:cNvPr id="5" name="Date Placeholder 4"/>
+          <p:cNvSpPr>
+            <a:spLocks noGrp="1"/>
+          </p:cNvSpPr>
+          <p:nvPr>
+            <p:ph type="dt" sz="half" idx="10"/>
+          </p:nvPr>
+        </p:nvSpPr>
+        <p:spPr/>
+        <p:txBody>
+          <a:bodyPr/>
+          <a:lstStyle/>
+          <a:p>
+            <a:fld id="{B61BEF0D-F0BB-DE4B-95CE-6DB70DBA9567}" type="datetimeFigureOut">
+              <a:rPr lang="en-US" smtClean="0"/>
+              <a:pPr/>
+              <a:t>1/15/2024</a:t>
+            </a:fld>
+            <a:endParaRPr lang="en-US" dirty="0"/>
+          </a:p>
+        </p:txBody>
+      </p:sp>
+      <p:sp>
+        <p:nvSpPr>
+          <p:cNvPr id="6" name="Footer Placeholder 5"/>
+          <p:cNvSpPr>
+            <a:spLocks noGrp="1"/>
+          </p:cNvSpPr>
+          <p:nvPr>
+            <p:ph type="ftr" sz="quarter" idx="11"/>
+          </p:nvPr>
+        </p:nvSpPr>
+        <p:spPr/>
+        <p:txBody>
+          <a:bodyPr/>
+          <a:lstStyle/>
+          <a:p>
+            <a:endParaRPr lang="en-US" dirty="0"/>
+          </a:p>
+        </p:txBody>
+      </p:sp>
+      <p:sp>
+        <p:nvSpPr>
+          <p:cNvPr id="7" name="Slide Number Placeholder 6"/>
+          <p:cNvSpPr>
+            <a:spLocks noGrp="1"/>
+          </p:cNvSpPr>
+          <p:nvPr>
+            <p:ph type="sldNum" sz="quarter" idx="12"/>
+          </p:nvPr>
+        </p:nvSpPr>
+        <p:spPr/>
+        <p:txBody>
+          <a:bodyPr/>
+          <a:lstStyle/>
+          <a:p>
+            <a:fld id="{D57F1E4F-1CFF-5643-939E-217C01CDF565}" type="slidenum">
+              <a:rPr lang="en-US" smtClean="0"/>
+              <a:pPr/>
+              <a:t>‹#›</a:t>
+            </a:fld>
+            <a:endParaRPr lang="en-US" dirty="0"/>
+          </a:p>
+        </p:txBody>
+      </p:sp>
+    </p:spTree>
+    <p:extLst>
+      <p:ext uri="{BB962C8B-B14F-4D97-AF65-F5344CB8AC3E}">
+        <p14:creationId xmlns:p14="http://schemas.microsoft.com/office/powerpoint/2010/main" val="235928237"/>
+      </p:ext>
+    </p:extLst>
+  </p:cSld>
+  <p:clrMapOvr>
+    <a:masterClrMapping/>
+  </p:clrMapOvr>
+  <p:hf sldNum="0" hdr="0" ftr="0" dt="0"/>
+</p:sldLayout>
+</file>
+
+<file path=ppt/slideLayouts/slideLayout54.xml><?xml version="1.0" encoding="utf-8"?>
+<p:sldLayout xmlns:a="http://schemas.openxmlformats.org/drawingml/2006/main" xmlns:r="http://schemas.openxmlformats.org/officeDocument/2006/relationships" xmlns:p="http://schemas.openxmlformats.org/presentationml/2006/main" type="picTx" preserve="1">
+  <p:cSld name="Kép képaláírással">
+    <p:spTree>
+      <p:nvGrpSpPr>
+        <p:cNvPr id="1" name=""/>
+        <p:cNvGrpSpPr/>
+        <p:nvPr/>
+      </p:nvGrpSpPr>
+      <p:grpSpPr>
+        <a:xfrm>
+          <a:off x="0" y="0"/>
+          <a:ext cx="0" cy="0"/>
+          <a:chOff x="0" y="0"/>
+          <a:chExt cx="0" cy="0"/>
+        </a:xfrm>
+      </p:grpSpPr>
+      <p:pic>
+        <p:nvPicPr>
+          <p:cNvPr id="8" name="Picture 7" descr="Celestia-R1---OverlayContentHD.png"/>
+          <p:cNvPicPr>
+            <a:picLocks noChangeAspect="1"/>
+          </p:cNvPicPr>
+          <p:nvPr/>
+        </p:nvPicPr>
+        <p:blipFill>
+          <a:blip r:embed="rId2">
+            <a:extLst>
+              <a:ext uri="{28A0092B-C50C-407E-A947-70E740481C1C}">
+                <a14:useLocalDpi xmlns:a14="http://schemas.microsoft.com/office/drawing/2010/main" val="0"/>
+              </a:ext>
+            </a:extLst>
+          </a:blip>
+          <a:stretch>
+            <a:fillRect/>
+          </a:stretch>
+        </p:blipFill>
+        <p:spPr>
+          <a:xfrm>
+            <a:off x="0" y="0"/>
+            <a:ext cx="12188825" cy="6856214"/>
+          </a:xfrm>
+          <a:prstGeom prst="rect">
+            <a:avLst/>
+          </a:prstGeom>
+        </p:spPr>
+      </p:pic>
+      <p:sp>
+        <p:nvSpPr>
+          <p:cNvPr id="2" name="Title 1"/>
+          <p:cNvSpPr>
+            <a:spLocks noGrp="1"/>
+          </p:cNvSpPr>
+          <p:nvPr>
+            <p:ph type="title"/>
+          </p:nvPr>
+        </p:nvSpPr>
+        <p:spPr>
+          <a:xfrm>
+            <a:off x="685800" y="1600200"/>
+            <a:ext cx="6164653" cy="1371600"/>
+          </a:xfrm>
+        </p:spPr>
+        <p:txBody>
+          <a:bodyPr anchor="b">
+            <a:normAutofit/>
+          </a:bodyPr>
+          <a:lstStyle>
+            <a:lvl1pPr algn="l">
+              <a:defRPr sz="2800" b="0"/>
+            </a:lvl1pPr>
+          </a:lstStyle>
+          <a:p>
+            <a:r>
+              <a:rPr lang="hu-HU"/>
+              <a:t>Mintacím szerkesztése</a:t>
+            </a:r>
+            <a:endParaRPr lang="en-US" dirty="0"/>
+          </a:p>
+        </p:txBody>
+      </p:sp>
+      <p:sp>
+        <p:nvSpPr>
+          <p:cNvPr id="14" name="Picture Placeholder 2"/>
+          <p:cNvSpPr>
+            <a:spLocks noGrp="1" noChangeAspect="1"/>
+          </p:cNvSpPr>
+          <p:nvPr>
+            <p:ph type="pic" idx="1"/>
+          </p:nvPr>
+        </p:nvSpPr>
+        <p:spPr>
+          <a:xfrm>
+            <a:off x="7536253" y="914400"/>
+            <a:ext cx="3280974" cy="4572000"/>
+          </a:xfrm>
+          <a:prstGeom prst="roundRect">
+            <a:avLst>
+              <a:gd name="adj" fmla="val 4280"/>
+            </a:avLst>
+          </a:prstGeom>
+          <a:ln w="50800" cap="sq" cmpd="dbl">
+            <a:gradFill flip="none" rotWithShape="1">
+              <a:gsLst>
+                <a:gs pos="0">
+                  <a:srgbClr val="FFFFFF"/>
+                </a:gs>
+                <a:gs pos="100000">
+                  <a:schemeClr val="tx1">
+                    <a:alpha val="0"/>
+                  </a:schemeClr>
+                </a:gs>
+              </a:gsLst>
+              <a:path path="circle">
+                <a:fillToRect l="50000" t="50000" r="50000" b="50000"/>
+              </a:path>
+              <a:tileRect/>
+            </a:gradFill>
+            <a:miter lim="800000"/>
+          </a:ln>
+          <a:effectLst>
+            <a:outerShdw blurRad="254000" algn="tl" rotWithShape="0">
+              <a:srgbClr val="000000">
+                <a:alpha val="43000"/>
+              </a:srgbClr>
+            </a:outerShdw>
+          </a:effectLst>
+        </p:spPr>
+        <p:txBody>
+          <a:bodyPr anchor="t">
+            <a:normAutofit/>
+          </a:bodyPr>
+          <a:lstStyle>
+            <a:lvl1pPr marL="0" indent="0" algn="ctr">
+              <a:buNone/>
+              <a:defRPr sz="1600"/>
+            </a:lvl1pPr>
+            <a:lvl2pPr marL="457200" indent="0">
+              <a:buNone/>
+              <a:defRPr sz="1600"/>
+            </a:lvl2pPr>
+            <a:lvl3pPr marL="914400" indent="0">
+              <a:buNone/>
+              <a:defRPr sz="1600"/>
+            </a:lvl3pPr>
+            <a:lvl4pPr marL="1371600" indent="0">
+              <a:buNone/>
+              <a:defRPr sz="1600"/>
+            </a:lvl4pPr>
+            <a:lvl5pPr marL="1828800" indent="0">
+              <a:buNone/>
+              <a:defRPr sz="1600"/>
+            </a:lvl5pPr>
+            <a:lvl6pPr marL="2286000" indent="0">
+              <a:buNone/>
+              <a:defRPr sz="1600"/>
+            </a:lvl6pPr>
+            <a:lvl7pPr marL="2743200" indent="0">
+              <a:buNone/>
+              <a:defRPr sz="1600"/>
+            </a:lvl7pPr>
+            <a:lvl8pPr marL="3200400" indent="0">
+              <a:buNone/>
+              <a:defRPr sz="1600"/>
+            </a:lvl8pPr>
+            <a:lvl9pPr marL="3657600" indent="0">
+              <a:buNone/>
+              <a:defRPr sz="1600"/>
+            </a:lvl9pPr>
+          </a:lstStyle>
+          <a:p>
+            <a:r>
+              <a:rPr lang="hu-HU"/>
+              <a:t>Kép beszúrásához kattintson az ikonra</a:t>
+            </a:r>
+            <a:endParaRPr lang="en-US" dirty="0"/>
+          </a:p>
+        </p:txBody>
+      </p:sp>
+      <p:sp>
+        <p:nvSpPr>
+          <p:cNvPr id="4" name="Text Placeholder 3"/>
+          <p:cNvSpPr>
+            <a:spLocks noGrp="1"/>
+          </p:cNvSpPr>
+          <p:nvPr>
+            <p:ph type="body" sz="half" idx="2"/>
+          </p:nvPr>
+        </p:nvSpPr>
+        <p:spPr>
+          <a:xfrm>
+            <a:off x="685800" y="2971800"/>
+            <a:ext cx="6164653" cy="1828800"/>
+          </a:xfrm>
+        </p:spPr>
+        <p:txBody>
+          <a:bodyPr anchor="t">
+            <a:normAutofit/>
+          </a:bodyPr>
+          <a:lstStyle>
+            <a:lvl1pPr marL="0" indent="0">
+              <a:buNone/>
+              <a:defRPr sz="1800"/>
+            </a:lvl1pPr>
+            <a:lvl2pPr marL="457200" indent="0">
+              <a:buNone/>
+              <a:defRPr sz="1200"/>
+            </a:lvl2pPr>
+            <a:lvl3pPr marL="914400" indent="0">
+              <a:buNone/>
+              <a:defRPr sz="1000"/>
+            </a:lvl3pPr>
+            <a:lvl4pPr marL="1371600" indent="0">
+              <a:buNone/>
+              <a:defRPr sz="900"/>
+            </a:lvl4pPr>
+            <a:lvl5pPr marL="1828800" indent="0">
+              <a:buNone/>
+              <a:defRPr sz="900"/>
+            </a:lvl5pPr>
+            <a:lvl6pPr marL="2286000" indent="0">
+              <a:buNone/>
+              <a:defRPr sz="900"/>
+            </a:lvl6pPr>
+            <a:lvl7pPr marL="2743200" indent="0">
+              <a:buNone/>
+              <a:defRPr sz="900"/>
+            </a:lvl7pPr>
+            <a:lvl8pPr marL="3200400" indent="0">
+              <a:buNone/>
+              <a:defRPr sz="900"/>
+            </a:lvl8pPr>
+            <a:lvl9pPr marL="3657600" indent="0">
+              <a:buNone/>
+              <a:defRPr sz="900"/>
+            </a:lvl9pPr>
+          </a:lstStyle>
+          <a:p>
+            <a:pPr lvl="0"/>
+            <a:r>
+              <a:rPr lang="hu-HU"/>
+              <a:t>Mintaszöveg szerkesztése</a:t>
+            </a:r>
+          </a:p>
+        </p:txBody>
+      </p:sp>
+      <p:sp>
+        <p:nvSpPr>
+          <p:cNvPr id="5" name="Date Placeholder 4"/>
+          <p:cNvSpPr>
+            <a:spLocks noGrp="1"/>
+          </p:cNvSpPr>
+          <p:nvPr>
+            <p:ph type="dt" sz="half" idx="10"/>
+          </p:nvPr>
+        </p:nvSpPr>
+        <p:spPr/>
+        <p:txBody>
+          <a:bodyPr/>
+          <a:lstStyle/>
+          <a:p>
+            <a:fld id="{B61BEF0D-F0BB-DE4B-95CE-6DB70DBA9567}" type="datetimeFigureOut">
+              <a:rPr lang="en-US" smtClean="0"/>
+              <a:pPr/>
+              <a:t>1/15/2024</a:t>
+            </a:fld>
+            <a:endParaRPr lang="en-US" dirty="0"/>
+          </a:p>
+        </p:txBody>
+      </p:sp>
+      <p:sp>
+        <p:nvSpPr>
+          <p:cNvPr id="6" name="Footer Placeholder 5"/>
+          <p:cNvSpPr>
+            <a:spLocks noGrp="1"/>
+          </p:cNvSpPr>
+          <p:nvPr>
+            <p:ph type="ftr" sz="quarter" idx="11"/>
+          </p:nvPr>
+        </p:nvSpPr>
+        <p:spPr/>
+        <p:txBody>
+          <a:bodyPr/>
+          <a:lstStyle/>
+          <a:p>
+            <a:endParaRPr lang="en-US" dirty="0"/>
+          </a:p>
+        </p:txBody>
+      </p:sp>
+      <p:sp>
+        <p:nvSpPr>
+          <p:cNvPr id="7" name="Slide Number Placeholder 6"/>
+          <p:cNvSpPr>
+            <a:spLocks noGrp="1"/>
+          </p:cNvSpPr>
+          <p:nvPr>
+            <p:ph type="sldNum" sz="quarter" idx="12"/>
+          </p:nvPr>
+        </p:nvSpPr>
+        <p:spPr/>
+        <p:txBody>
+          <a:bodyPr/>
+          <a:lstStyle/>
+          <a:p>
+            <a:fld id="{D57F1E4F-1CFF-5643-939E-217C01CDF565}" type="slidenum">
+              <a:rPr lang="en-US" smtClean="0"/>
+              <a:pPr/>
+              <a:t>‹#›</a:t>
+            </a:fld>
+            <a:endParaRPr lang="en-US" dirty="0"/>
+          </a:p>
+        </p:txBody>
+      </p:sp>
+    </p:spTree>
+    <p:extLst>
+      <p:ext uri="{BB962C8B-B14F-4D97-AF65-F5344CB8AC3E}">
+        <p14:creationId xmlns:p14="http://schemas.microsoft.com/office/powerpoint/2010/main" val="4275641452"/>
+      </p:ext>
+    </p:extLst>
+  </p:cSld>
+  <p:clrMapOvr>
+    <a:masterClrMapping/>
+  </p:clrMapOvr>
+  <p:hf sldNum="0" hdr="0" ftr="0" dt="0"/>
+</p:sldLayout>
+</file>
+
+<file path=ppt/slideLayouts/slideLayout55.xml><?xml version="1.0" encoding="utf-8"?>
+<p:sldLayout xmlns:a="http://schemas.openxmlformats.org/drawingml/2006/main" xmlns:r="http://schemas.openxmlformats.org/officeDocument/2006/relationships" xmlns:p="http://schemas.openxmlformats.org/presentationml/2006/main" preserve="1">
+  <p:cSld name="Panorámakép képaláírással">
+    <p:spTree>
+      <p:nvGrpSpPr>
+        <p:cNvPr id="1" name=""/>
+        <p:cNvGrpSpPr/>
+        <p:nvPr/>
+      </p:nvGrpSpPr>
+      <p:grpSpPr>
+        <a:xfrm>
+          <a:off x="0" y="0"/>
+          <a:ext cx="0" cy="0"/>
+          <a:chOff x="0" y="0"/>
+          <a:chExt cx="0" cy="0"/>
+        </a:xfrm>
+      </p:grpSpPr>
+      <p:pic>
+        <p:nvPicPr>
+          <p:cNvPr id="8" name="Picture 7" descr="Celestia-R1---OverlayContentHD.png"/>
+          <p:cNvPicPr>
+            <a:picLocks noChangeAspect="1"/>
+          </p:cNvPicPr>
+          <p:nvPr/>
+        </p:nvPicPr>
+        <p:blipFill>
+          <a:blip r:embed="rId2">
+            <a:extLst>
+              <a:ext uri="{28A0092B-C50C-407E-A947-70E740481C1C}">
+                <a14:useLocalDpi xmlns:a14="http://schemas.microsoft.com/office/drawing/2010/main" val="0"/>
+              </a:ext>
+            </a:extLst>
+          </a:blip>
+          <a:stretch>
+            <a:fillRect/>
+          </a:stretch>
+        </p:blipFill>
+        <p:spPr>
+          <a:xfrm>
+            <a:off x="0" y="0"/>
+            <a:ext cx="12188825" cy="6856214"/>
+          </a:xfrm>
+          <a:prstGeom prst="rect">
+            <a:avLst/>
+          </a:prstGeom>
+        </p:spPr>
+      </p:pic>
+      <p:sp>
+        <p:nvSpPr>
+          <p:cNvPr id="2" name="Title 1"/>
+          <p:cNvSpPr>
+            <a:spLocks noGrp="1"/>
+          </p:cNvSpPr>
+          <p:nvPr>
+            <p:ph type="title"/>
+          </p:nvPr>
+        </p:nvSpPr>
+        <p:spPr>
+          <a:xfrm>
+            <a:off x="685800" y="4732865"/>
+            <a:ext cx="10131427" cy="566738"/>
+          </a:xfrm>
+        </p:spPr>
+        <p:txBody>
+          <a:bodyPr anchor="b">
+            <a:normAutofit/>
+          </a:bodyPr>
+          <a:lstStyle>
+            <a:lvl1pPr algn="l">
+              <a:defRPr sz="2400" b="0"/>
+            </a:lvl1pPr>
+          </a:lstStyle>
+          <a:p>
+            <a:r>
+              <a:rPr lang="hu-HU"/>
+              <a:t>Mintacím szerkesztése</a:t>
+            </a:r>
+            <a:endParaRPr lang="en-US" dirty="0"/>
+          </a:p>
+        </p:txBody>
+      </p:sp>
+      <p:sp>
+        <p:nvSpPr>
+          <p:cNvPr id="3" name="Picture Placeholder 2"/>
+          <p:cNvSpPr>
+            <a:spLocks noGrp="1" noChangeAspect="1"/>
+          </p:cNvSpPr>
+          <p:nvPr>
+            <p:ph type="pic" idx="1"/>
+          </p:nvPr>
+        </p:nvSpPr>
+        <p:spPr>
+          <a:xfrm>
+            <a:off x="1371600" y="932112"/>
+            <a:ext cx="8759827" cy="3164976"/>
+          </a:xfrm>
+          <a:prstGeom prst="roundRect">
+            <a:avLst>
+              <a:gd name="adj" fmla="val 4380"/>
+            </a:avLst>
+          </a:prstGeom>
+          <a:ln w="50800" cap="sq" cmpd="dbl">
+            <a:gradFill flip="none" rotWithShape="1">
+              <a:gsLst>
+                <a:gs pos="0">
+                  <a:srgbClr val="FFFFFF"/>
+                </a:gs>
+                <a:gs pos="100000">
+                  <a:schemeClr val="tx1">
+                    <a:alpha val="0"/>
+                  </a:schemeClr>
+                </a:gs>
+              </a:gsLst>
+              <a:path path="circle">
+                <a:fillToRect l="50000" t="50000" r="50000" b="50000"/>
+              </a:path>
+              <a:tileRect/>
+            </a:gradFill>
+            <a:miter lim="800000"/>
+          </a:ln>
+          <a:effectLst>
+            <a:outerShdw blurRad="254000" algn="tl" rotWithShape="0">
+              <a:srgbClr val="000000">
+                <a:alpha val="43000"/>
+              </a:srgbClr>
+            </a:outerShdw>
+          </a:effectLst>
+        </p:spPr>
+        <p:txBody>
+          <a:bodyPr anchor="t">
+            <a:normAutofit/>
+          </a:bodyPr>
+          <a:lstStyle>
+            <a:lvl1pPr marL="0" indent="0" algn="ctr">
+              <a:buNone/>
+              <a:defRPr sz="1600"/>
+            </a:lvl1pPr>
+            <a:lvl2pPr marL="457200" indent="0">
+              <a:buNone/>
+              <a:defRPr sz="1600"/>
+            </a:lvl2pPr>
+            <a:lvl3pPr marL="914400" indent="0">
+              <a:buNone/>
+              <a:defRPr sz="1600"/>
+            </a:lvl3pPr>
+            <a:lvl4pPr marL="1371600" indent="0">
+              <a:buNone/>
+              <a:defRPr sz="1600"/>
+            </a:lvl4pPr>
+            <a:lvl5pPr marL="1828800" indent="0">
+              <a:buNone/>
+              <a:defRPr sz="1600"/>
+            </a:lvl5pPr>
+            <a:lvl6pPr marL="2286000" indent="0">
+              <a:buNone/>
+              <a:defRPr sz="1600"/>
+            </a:lvl6pPr>
+            <a:lvl7pPr marL="2743200" indent="0">
+              <a:buNone/>
+              <a:defRPr sz="1600"/>
+            </a:lvl7pPr>
+            <a:lvl8pPr marL="3200400" indent="0">
+              <a:buNone/>
+              <a:defRPr sz="1600"/>
+            </a:lvl8pPr>
+            <a:lvl9pPr marL="3657600" indent="0">
+              <a:buNone/>
+              <a:defRPr sz="1600"/>
+            </a:lvl9pPr>
+          </a:lstStyle>
+          <a:p>
+            <a:r>
+              <a:rPr lang="hu-HU"/>
+              <a:t>Kép beszúrásához kattintson az ikonra</a:t>
+            </a:r>
+            <a:endParaRPr lang="en-US" dirty="0"/>
+          </a:p>
+        </p:txBody>
+      </p:sp>
+      <p:sp>
+        <p:nvSpPr>
+          <p:cNvPr id="4" name="Text Placeholder 3"/>
+          <p:cNvSpPr>
+            <a:spLocks noGrp="1"/>
+          </p:cNvSpPr>
+          <p:nvPr>
+            <p:ph type="body" sz="half" idx="2"/>
+          </p:nvPr>
+        </p:nvSpPr>
+        <p:spPr>
+          <a:xfrm>
+            <a:off x="685800" y="5299603"/>
+            <a:ext cx="10131427" cy="493712"/>
+          </a:xfrm>
+        </p:spPr>
+        <p:txBody>
+          <a:bodyPr anchor="t">
+            <a:normAutofit/>
+          </a:bodyPr>
+          <a:lstStyle>
+            <a:lvl1pPr marL="0" indent="0">
+              <a:buNone/>
+              <a:defRPr sz="1400"/>
+            </a:lvl1pPr>
+            <a:lvl2pPr marL="457200" indent="0">
+              <a:buNone/>
+              <a:defRPr sz="1200"/>
+            </a:lvl2pPr>
+            <a:lvl3pPr marL="914400" indent="0">
+              <a:buNone/>
+              <a:defRPr sz="1000"/>
+            </a:lvl3pPr>
+            <a:lvl4pPr marL="1371600" indent="0">
+              <a:buNone/>
+              <a:defRPr sz="900"/>
+            </a:lvl4pPr>
+            <a:lvl5pPr marL="1828800" indent="0">
+              <a:buNone/>
+              <a:defRPr sz="900"/>
+            </a:lvl5pPr>
+            <a:lvl6pPr marL="2286000" indent="0">
+              <a:buNone/>
+              <a:defRPr sz="900"/>
+            </a:lvl6pPr>
+            <a:lvl7pPr marL="2743200" indent="0">
+              <a:buNone/>
+              <a:defRPr sz="900"/>
+            </a:lvl7pPr>
+            <a:lvl8pPr marL="3200400" indent="0">
+              <a:buNone/>
+              <a:defRPr sz="900"/>
+            </a:lvl8pPr>
+            <a:lvl9pPr marL="3657600" indent="0">
+              <a:buNone/>
+              <a:defRPr sz="900"/>
+            </a:lvl9pPr>
+          </a:lstStyle>
+          <a:p>
+            <a:pPr lvl="0"/>
+            <a:r>
+              <a:rPr lang="hu-HU"/>
+              <a:t>Mintaszöveg szerkesztése</a:t>
+            </a:r>
+          </a:p>
+        </p:txBody>
+      </p:sp>
+      <p:sp>
+        <p:nvSpPr>
+          <p:cNvPr id="5" name="Date Placeholder 4"/>
+          <p:cNvSpPr>
+            <a:spLocks noGrp="1"/>
+          </p:cNvSpPr>
+          <p:nvPr>
+            <p:ph type="dt" sz="half" idx="10"/>
+          </p:nvPr>
+        </p:nvSpPr>
+        <p:spPr/>
+        <p:txBody>
+          <a:bodyPr/>
+          <a:lstStyle/>
+          <a:p>
+            <a:fld id="{B61BEF0D-F0BB-DE4B-95CE-6DB70DBA9567}" type="datetimeFigureOut">
+              <a:rPr lang="en-US" smtClean="0"/>
+              <a:pPr/>
+              <a:t>1/15/2024</a:t>
+            </a:fld>
+            <a:endParaRPr lang="en-US" dirty="0"/>
+          </a:p>
+        </p:txBody>
+      </p:sp>
+      <p:sp>
+        <p:nvSpPr>
+          <p:cNvPr id="6" name="Footer Placeholder 5"/>
+          <p:cNvSpPr>
+            <a:spLocks noGrp="1"/>
+          </p:cNvSpPr>
+          <p:nvPr>
+            <p:ph type="ftr" sz="quarter" idx="11"/>
+          </p:nvPr>
+        </p:nvSpPr>
+        <p:spPr/>
+        <p:txBody>
+          <a:bodyPr/>
+          <a:lstStyle/>
+          <a:p>
+            <a:endParaRPr lang="en-US" dirty="0"/>
+          </a:p>
+        </p:txBody>
+      </p:sp>
+      <p:sp>
+        <p:nvSpPr>
+          <p:cNvPr id="7" name="Slide Number Placeholder 6"/>
+          <p:cNvSpPr>
+            <a:spLocks noGrp="1"/>
+          </p:cNvSpPr>
+          <p:nvPr>
+            <p:ph type="sldNum" sz="quarter" idx="12"/>
+          </p:nvPr>
+        </p:nvSpPr>
+        <p:spPr/>
+        <p:txBody>
+          <a:bodyPr/>
+          <a:lstStyle/>
+          <a:p>
+            <a:fld id="{D57F1E4F-1CFF-5643-939E-217C01CDF565}" type="slidenum">
+              <a:rPr lang="en-US" smtClean="0"/>
+              <a:pPr/>
+              <a:t>‹#›</a:t>
+            </a:fld>
+            <a:endParaRPr lang="en-US" dirty="0"/>
+          </a:p>
+        </p:txBody>
+      </p:sp>
+    </p:spTree>
+    <p:extLst>
+      <p:ext uri="{BB962C8B-B14F-4D97-AF65-F5344CB8AC3E}">
+        <p14:creationId xmlns:p14="http://schemas.microsoft.com/office/powerpoint/2010/main" val="2573435119"/>
+      </p:ext>
+    </p:extLst>
+  </p:cSld>
+  <p:clrMapOvr>
+    <a:masterClrMapping/>
+  </p:clrMapOvr>
+  <p:hf sldNum="0" hdr="0" ftr="0" dt="0"/>
+</p:sldLayout>
+</file>
+
+<file path=ppt/slideLayouts/slideLayout56.xml><?xml version="1.0" encoding="utf-8"?>
+<p:sldLayout xmlns:a="http://schemas.openxmlformats.org/drawingml/2006/main" xmlns:r="http://schemas.openxmlformats.org/officeDocument/2006/relationships" xmlns:p="http://schemas.openxmlformats.org/presentationml/2006/main" preserve="1">
+  <p:cSld name="Cím és képaláírás">
+    <p:spTree>
+      <p:nvGrpSpPr>
+        <p:cNvPr id="1" name=""/>
+        <p:cNvGrpSpPr/>
+        <p:nvPr/>
+      </p:nvGrpSpPr>
+      <p:grpSpPr>
+        <a:xfrm>
+          <a:off x="0" y="0"/>
+          <a:ext cx="0" cy="0"/>
+          <a:chOff x="0" y="0"/>
+          <a:chExt cx="0" cy="0"/>
+        </a:xfrm>
+      </p:grpSpPr>
+      <p:pic>
+        <p:nvPicPr>
+          <p:cNvPr id="7" name="Picture 6" descr="Celestia-R1---OverlayContentHD.png"/>
+          <p:cNvPicPr>
+            <a:picLocks noChangeAspect="1"/>
+          </p:cNvPicPr>
+          <p:nvPr/>
+        </p:nvPicPr>
+        <p:blipFill>
+          <a:blip r:embed="rId2">
+            <a:extLst>
+              <a:ext uri="{28A0092B-C50C-407E-A947-70E740481C1C}">
+                <a14:useLocalDpi xmlns:a14="http://schemas.microsoft.com/office/drawing/2010/main" val="0"/>
+              </a:ext>
+            </a:extLst>
+          </a:blip>
+          <a:stretch>
+            <a:fillRect/>
+          </a:stretch>
+        </p:blipFill>
+        <p:spPr>
+          <a:xfrm>
+            <a:off x="0" y="0"/>
+            <a:ext cx="12188825" cy="6856214"/>
+          </a:xfrm>
+          <a:prstGeom prst="rect">
+            <a:avLst/>
+          </a:prstGeom>
+        </p:spPr>
+      </p:pic>
+      <p:sp>
+        <p:nvSpPr>
+          <p:cNvPr id="2" name="Title 1"/>
+          <p:cNvSpPr>
+            <a:spLocks noGrp="1"/>
+          </p:cNvSpPr>
+          <p:nvPr>
+            <p:ph type="title"/>
+          </p:nvPr>
+        </p:nvSpPr>
+        <p:spPr>
+          <a:xfrm>
+            <a:off x="685801" y="609601"/>
+            <a:ext cx="10131427" cy="3124199"/>
+          </a:xfrm>
+        </p:spPr>
+        <p:txBody>
+          <a:bodyPr anchor="ctr">
+            <a:normAutofit/>
+          </a:bodyPr>
+          <a:lstStyle>
+            <a:lvl1pPr algn="l">
+              <a:defRPr sz="3200" b="0" cap="none"/>
+            </a:lvl1pPr>
+          </a:lstStyle>
+          <a:p>
+            <a:r>
+              <a:rPr lang="hu-HU"/>
+              <a:t>Mintacím szerkesztése</a:t>
+            </a:r>
+            <a:endParaRPr lang="en-US" dirty="0"/>
+          </a:p>
+        </p:txBody>
+      </p:sp>
+      <p:sp>
+        <p:nvSpPr>
+          <p:cNvPr id="3" name="Text Placeholder 2"/>
+          <p:cNvSpPr>
+            <a:spLocks noGrp="1"/>
+          </p:cNvSpPr>
+          <p:nvPr>
+            <p:ph type="body" idx="1"/>
+          </p:nvPr>
+        </p:nvSpPr>
+        <p:spPr>
+          <a:xfrm>
+            <a:off x="685800" y="4343400"/>
+            <a:ext cx="10131428" cy="1447800"/>
+          </a:xfrm>
+        </p:spPr>
+        <p:txBody>
+          <a:bodyPr anchor="ctr">
+            <a:normAutofit/>
+          </a:bodyPr>
+          <a:lstStyle>
+            <a:lvl1pPr marL="0" indent="0" algn="l">
+              <a:buNone/>
+              <a:defRPr sz="2000">
+                <a:solidFill>
+                  <a:schemeClr val="tx1"/>
+                </a:solidFill>
+              </a:defRPr>
+            </a:lvl1pPr>
+            <a:lvl2pPr marL="457200" indent="0">
+              <a:buNone/>
+              <a:defRPr sz="1800">
+                <a:solidFill>
+                  <a:schemeClr val="tx1">
+                    <a:tint val="75000"/>
+                  </a:schemeClr>
+                </a:solidFill>
+              </a:defRPr>
+            </a:lvl2pPr>
+            <a:lvl3pPr marL="914400" indent="0">
+              <a:buNone/>
+              <a:defRPr sz="1600">
+                <a:solidFill>
+                  <a:schemeClr val="tx1">
+                    <a:tint val="75000"/>
+                  </a:schemeClr>
+                </a:solidFill>
+              </a:defRPr>
+            </a:lvl3pPr>
+            <a:lvl4pPr marL="1371600" indent="0">
+              <a:buNone/>
+              <a:defRPr sz="1400">
+                <a:solidFill>
+                  <a:schemeClr val="tx1">
+                    <a:tint val="75000"/>
+                  </a:schemeClr>
+                </a:solidFill>
+              </a:defRPr>
+            </a:lvl4pPr>
+            <a:lvl5pPr marL="1828800" indent="0">
+              <a:buNone/>
+              <a:defRPr sz="1400">
+                <a:solidFill>
+                  <a:schemeClr val="tx1">
+                    <a:tint val="75000"/>
+                  </a:schemeClr>
+                </a:solidFill>
+              </a:defRPr>
+            </a:lvl5pPr>
+            <a:lvl6pPr marL="2286000" indent="0">
+              <a:buNone/>
+              <a:defRPr sz="1400">
+                <a:solidFill>
+                  <a:schemeClr val="tx1">
+                    <a:tint val="75000"/>
+                  </a:schemeClr>
+                </a:solidFill>
+              </a:defRPr>
+            </a:lvl6pPr>
+            <a:lvl7pPr marL="2743200" indent="0">
+              <a:buNone/>
+              <a:defRPr sz="1400">
+                <a:solidFill>
+                  <a:schemeClr val="tx1">
+                    <a:tint val="75000"/>
+                  </a:schemeClr>
+                </a:solidFill>
+              </a:defRPr>
+            </a:lvl7pPr>
+            <a:lvl8pPr marL="3200400" indent="0">
+              <a:buNone/>
+              <a:defRPr sz="1400">
+                <a:solidFill>
+                  <a:schemeClr val="tx1">
+                    <a:tint val="75000"/>
+                  </a:schemeClr>
+                </a:solidFill>
+              </a:defRPr>
+            </a:lvl8pPr>
+            <a:lvl9pPr marL="3657600" indent="0">
+              <a:buNone/>
+              <a:defRPr sz="1400">
+                <a:solidFill>
+                  <a:schemeClr val="tx1">
+                    <a:tint val="75000"/>
+                  </a:schemeClr>
+                </a:solidFill>
+              </a:defRPr>
+            </a:lvl9pPr>
+          </a:lstStyle>
+          <a:p>
+            <a:pPr lvl="0"/>
+            <a:r>
+              <a:rPr lang="hu-HU"/>
+              <a:t>Mintaszöveg szerkesztése</a:t>
+            </a:r>
+          </a:p>
+        </p:txBody>
+      </p:sp>
+      <p:sp>
+        <p:nvSpPr>
+          <p:cNvPr id="4" name="Date Placeholder 3"/>
+          <p:cNvSpPr>
+            <a:spLocks noGrp="1"/>
+          </p:cNvSpPr>
+          <p:nvPr>
+            <p:ph type="dt" sz="half" idx="10"/>
+          </p:nvPr>
+        </p:nvSpPr>
+        <p:spPr/>
+        <p:txBody>
+          <a:bodyPr/>
+          <a:lstStyle/>
+          <a:p>
+            <a:fld id="{B61BEF0D-F0BB-DE4B-95CE-6DB70DBA9567}" type="datetimeFigureOut">
+              <a:rPr lang="en-US" smtClean="0"/>
+              <a:pPr/>
+              <a:t>1/15/2024</a:t>
+            </a:fld>
+            <a:endParaRPr lang="en-US" dirty="0"/>
+          </a:p>
+        </p:txBody>
+      </p:sp>
+      <p:sp>
+        <p:nvSpPr>
+          <p:cNvPr id="5" name="Footer Placeholder 4"/>
+          <p:cNvSpPr>
+            <a:spLocks noGrp="1"/>
+          </p:cNvSpPr>
+          <p:nvPr>
+            <p:ph type="ftr" sz="quarter" idx="11"/>
+          </p:nvPr>
+        </p:nvSpPr>
+        <p:spPr/>
+        <p:txBody>
+          <a:bodyPr/>
+          <a:lstStyle/>
+          <a:p>
+            <a:endParaRPr lang="en-US" dirty="0"/>
+          </a:p>
+        </p:txBody>
+      </p:sp>
+      <p:sp>
+        <p:nvSpPr>
+          <p:cNvPr id="6" name="Slide Number Placeholder 5"/>
+          <p:cNvSpPr>
+            <a:spLocks noGrp="1"/>
+          </p:cNvSpPr>
+          <p:nvPr>
+            <p:ph type="sldNum" sz="quarter" idx="12"/>
+          </p:nvPr>
+        </p:nvSpPr>
+        <p:spPr/>
+        <p:txBody>
+          <a:bodyPr/>
+          <a:lstStyle/>
+          <a:p>
+            <a:fld id="{D57F1E4F-1CFF-5643-939E-217C01CDF565}" type="slidenum">
+              <a:rPr lang="en-US" smtClean="0"/>
+              <a:pPr/>
+              <a:t>‹#›</a:t>
+            </a:fld>
+            <a:endParaRPr lang="en-US" dirty="0"/>
+          </a:p>
+        </p:txBody>
+      </p:sp>
+    </p:spTree>
+    <p:extLst>
+      <p:ext uri="{BB962C8B-B14F-4D97-AF65-F5344CB8AC3E}">
+        <p14:creationId xmlns:p14="http://schemas.microsoft.com/office/powerpoint/2010/main" val="1597094378"/>
+      </p:ext>
+    </p:extLst>
+  </p:cSld>
+  <p:clrMapOvr>
+    <a:masterClrMapping/>
+  </p:clrMapOvr>
+  <p:hf sldNum="0" hdr="0" ftr="0" dt="0"/>
+</p:sldLayout>
+</file>
+
+<file path=ppt/slideLayouts/slideLayout57.xml><?xml version="1.0" encoding="utf-8"?>
+<p:sldLayout xmlns:a="http://schemas.openxmlformats.org/drawingml/2006/main" xmlns:r="http://schemas.openxmlformats.org/officeDocument/2006/relationships" xmlns:p="http://schemas.openxmlformats.org/presentationml/2006/main" preserve="1">
+  <p:cSld name="Idézet képaláírással">
+    <p:spTree>
+      <p:nvGrpSpPr>
+        <p:cNvPr id="1" name=""/>
+        <p:cNvGrpSpPr/>
+        <p:nvPr/>
+      </p:nvGrpSpPr>
+      <p:grpSpPr>
+        <a:xfrm>
+          <a:off x="0" y="0"/>
+          <a:ext cx="0" cy="0"/>
+          <a:chOff x="0" y="0"/>
+          <a:chExt cx="0" cy="0"/>
+        </a:xfrm>
+      </p:grpSpPr>
+      <p:pic>
+        <p:nvPicPr>
+          <p:cNvPr id="11" name="Picture 10" descr="Celestia-R1---OverlayContentHD.png"/>
+          <p:cNvPicPr>
+            <a:picLocks noChangeAspect="1"/>
+          </p:cNvPicPr>
+          <p:nvPr/>
+        </p:nvPicPr>
+        <p:blipFill>
+          <a:blip r:embed="rId2">
+            <a:extLst>
+              <a:ext uri="{28A0092B-C50C-407E-A947-70E740481C1C}">
+                <a14:useLocalDpi xmlns:a14="http://schemas.microsoft.com/office/drawing/2010/main" val="0"/>
+              </a:ext>
+            </a:extLst>
+          </a:blip>
+          <a:stretch>
+            <a:fillRect/>
+          </a:stretch>
+        </p:blipFill>
+        <p:spPr>
+          <a:xfrm>
+            <a:off x="0" y="0"/>
+            <a:ext cx="12188825" cy="6856214"/>
+          </a:xfrm>
+          <a:prstGeom prst="rect">
+            <a:avLst/>
+          </a:prstGeom>
+        </p:spPr>
+      </p:pic>
+      <p:sp>
+        <p:nvSpPr>
+          <p:cNvPr id="12" name="TextBox 11"/>
+          <p:cNvSpPr txBox="1"/>
+          <p:nvPr/>
+        </p:nvSpPr>
+        <p:spPr>
+          <a:xfrm>
+            <a:off x="10237867" y="2743200"/>
+            <a:ext cx="609600" cy="584776"/>
+          </a:xfrm>
+          <a:prstGeom prst="rect">
+            <a:avLst/>
+          </a:prstGeom>
+        </p:spPr>
+        <p:txBody>
+          <a:bodyPr vert="horz" lIns="91440" tIns="45720" rIns="91440" bIns="45720" rtlCol="0" anchor="ctr">
+            <a:noAutofit/>
+          </a:bodyPr>
+          <a:lstStyle>
+            <a:lvl1pPr>
+              <a:spcBef>
+                <a:spcPct val="0"/>
+              </a:spcBef>
+              <a:buNone/>
+              <a:defRPr sz="3200" b="0" cap="all">
+                <a:ln w="3175" cmpd="sng">
+                  <a:noFill/>
+                </a:ln>
+                <a:effectLst>
+                  <a:glow rad="38100">
+                    <a:schemeClr val="bg1">
+                      <a:lumMod val="65000"/>
+                      <a:lumOff val="35000"/>
+                      <a:alpha val="40000"/>
+                    </a:schemeClr>
+                  </a:glow>
+                  <a:outerShdw blurRad="28575" dist="38100" dir="14040000" algn="tl" rotWithShape="0">
+                    <a:srgbClr val="000000">
+                      <a:alpha val="25000"/>
+                    </a:srgbClr>
+                  </a:outerShdw>
+                </a:effectLst>
+              </a:defRPr>
+            </a:lvl1pPr>
+            <a:lvl2pPr>
+              <a:defRPr>
+                <a:solidFill>
+                  <a:schemeClr val="tx2"/>
+                </a:solidFill>
+              </a:defRPr>
+            </a:lvl2pPr>
+            <a:lvl3pPr>
+              <a:defRPr>
+                <a:solidFill>
+                  <a:schemeClr val="tx2"/>
+                </a:solidFill>
+              </a:defRPr>
+            </a:lvl3pPr>
+            <a:lvl4pPr>
+              <a:defRPr>
+                <a:solidFill>
+                  <a:schemeClr val="tx2"/>
+                </a:solidFill>
+              </a:defRPr>
+            </a:lvl4pPr>
+            <a:lvl5pPr>
+              <a:defRPr>
+                <a:solidFill>
+                  <a:schemeClr val="tx2"/>
+                </a:solidFill>
+              </a:defRPr>
+            </a:lvl5pPr>
+            <a:lvl6pPr>
+              <a:defRPr>
+                <a:solidFill>
+                  <a:schemeClr val="tx2"/>
+                </a:solidFill>
+              </a:defRPr>
+            </a:lvl6pPr>
+            <a:lvl7pPr>
+              <a:defRPr>
+                <a:solidFill>
+                  <a:schemeClr val="tx2"/>
+                </a:solidFill>
+              </a:defRPr>
+            </a:lvl7pPr>
+            <a:lvl8pPr>
+              <a:defRPr>
+                <a:solidFill>
+                  <a:schemeClr val="tx2"/>
+                </a:solidFill>
+              </a:defRPr>
+            </a:lvl8pPr>
+            <a:lvl9pPr>
+              <a:defRPr>
+                <a:solidFill>
+                  <a:schemeClr val="tx2"/>
+                </a:solidFill>
+              </a:defRPr>
+            </a:lvl9pPr>
+          </a:lstStyle>
+          <a:p>
+            <a:pPr lvl="0" algn="r"/>
+            <a:r>
+              <a:rPr lang="en-US" sz="8000" dirty="0">
+                <a:solidFill>
+                  <a:schemeClr val="tx1"/>
+                </a:solidFill>
+                <a:effectLst/>
+              </a:rPr>
+              <a:t>”</a:t>
+            </a:r>
+          </a:p>
+        </p:txBody>
+      </p:sp>
+      <p:sp>
+        <p:nvSpPr>
+          <p:cNvPr id="13" name="TextBox 12"/>
+          <p:cNvSpPr txBox="1"/>
+          <p:nvPr/>
+        </p:nvSpPr>
+        <p:spPr>
+          <a:xfrm>
+            <a:off x="488275" y="823337"/>
+            <a:ext cx="609600" cy="584776"/>
+          </a:xfrm>
+          <a:prstGeom prst="rect">
+            <a:avLst/>
+          </a:prstGeom>
+        </p:spPr>
+        <p:txBody>
+          <a:bodyPr vert="horz" lIns="91440" tIns="45720" rIns="91440" bIns="45720" rtlCol="0" anchor="ctr">
+            <a:noAutofit/>
+          </a:bodyPr>
+          <a:lstStyle>
+            <a:lvl1pPr>
+              <a:spcBef>
+                <a:spcPct val="0"/>
+              </a:spcBef>
+              <a:buNone/>
+              <a:defRPr sz="3200" b="0" cap="all">
+                <a:ln w="3175" cmpd="sng">
+                  <a:noFill/>
+                </a:ln>
+                <a:effectLst>
+                  <a:glow rad="38100">
+                    <a:schemeClr val="bg1">
+                      <a:lumMod val="65000"/>
+                      <a:lumOff val="35000"/>
+                      <a:alpha val="40000"/>
+                    </a:schemeClr>
+                  </a:glow>
+                  <a:outerShdw blurRad="28575" dist="38100" dir="14040000" algn="tl" rotWithShape="0">
+                    <a:srgbClr val="000000">
+                      <a:alpha val="25000"/>
+                    </a:srgbClr>
+                  </a:outerShdw>
+                </a:effectLst>
+              </a:defRPr>
+            </a:lvl1pPr>
+            <a:lvl2pPr>
+              <a:defRPr>
+                <a:solidFill>
+                  <a:schemeClr val="tx2"/>
+                </a:solidFill>
+              </a:defRPr>
+            </a:lvl2pPr>
+            <a:lvl3pPr>
+              <a:defRPr>
+                <a:solidFill>
+                  <a:schemeClr val="tx2"/>
+                </a:solidFill>
+              </a:defRPr>
+            </a:lvl3pPr>
+            <a:lvl4pPr>
+              <a:defRPr>
+                <a:solidFill>
+                  <a:schemeClr val="tx2"/>
+                </a:solidFill>
+              </a:defRPr>
+            </a:lvl4pPr>
+            <a:lvl5pPr>
+              <a:defRPr>
+                <a:solidFill>
+                  <a:schemeClr val="tx2"/>
+                </a:solidFill>
+              </a:defRPr>
+            </a:lvl5pPr>
+            <a:lvl6pPr>
+              <a:defRPr>
+                <a:solidFill>
+                  <a:schemeClr val="tx2"/>
+                </a:solidFill>
+              </a:defRPr>
+            </a:lvl6pPr>
+            <a:lvl7pPr>
+              <a:defRPr>
+                <a:solidFill>
+                  <a:schemeClr val="tx2"/>
+                </a:solidFill>
+              </a:defRPr>
+            </a:lvl7pPr>
+            <a:lvl8pPr>
+              <a:defRPr>
+                <a:solidFill>
+                  <a:schemeClr val="tx2"/>
+                </a:solidFill>
+              </a:defRPr>
+            </a:lvl8pPr>
+            <a:lvl9pPr>
+              <a:defRPr>
+                <a:solidFill>
+                  <a:schemeClr val="tx2"/>
+                </a:solidFill>
+              </a:defRPr>
+            </a:lvl9pPr>
+          </a:lstStyle>
+          <a:p>
+            <a:pPr lvl="0" algn="r"/>
+            <a:r>
+              <a:rPr lang="en-US" sz="8000" dirty="0">
+                <a:solidFill>
+                  <a:schemeClr val="tx1"/>
+                </a:solidFill>
+                <a:effectLst/>
+              </a:rPr>
+              <a:t>“</a:t>
+            </a:r>
+          </a:p>
+        </p:txBody>
+      </p:sp>
+      <p:sp>
+        <p:nvSpPr>
+          <p:cNvPr id="16" name="Title 1"/>
+          <p:cNvSpPr>
+            <a:spLocks noGrp="1"/>
+          </p:cNvSpPr>
+          <p:nvPr>
+            <p:ph type="title"/>
+          </p:nvPr>
+        </p:nvSpPr>
+        <p:spPr>
+          <a:xfrm>
+            <a:off x="992267" y="609601"/>
+            <a:ext cx="9550399" cy="2743199"/>
+          </a:xfrm>
+        </p:spPr>
+        <p:txBody>
+          <a:bodyPr anchor="ctr">
+            <a:normAutofit/>
+          </a:bodyPr>
+          <a:lstStyle>
+            <a:lvl1pPr algn="l">
+              <a:defRPr sz="3200" b="0" cap="none">
+                <a:solidFill>
+                  <a:schemeClr val="tx1"/>
+                </a:solidFill>
+              </a:defRPr>
+            </a:lvl1pPr>
+          </a:lstStyle>
+          <a:p>
+            <a:r>
+              <a:rPr lang="hu-HU"/>
+              <a:t>Mintacím szerkesztése</a:t>
+            </a:r>
+            <a:endParaRPr lang="en-US" dirty="0"/>
+          </a:p>
+        </p:txBody>
+      </p:sp>
+      <p:sp>
+        <p:nvSpPr>
+          <p:cNvPr id="10" name="Text Placeholder 9"/>
+          <p:cNvSpPr>
+            <a:spLocks noGrp="1"/>
+          </p:cNvSpPr>
+          <p:nvPr>
+            <p:ph type="body" sz="quarter" idx="13"/>
+          </p:nvPr>
+        </p:nvSpPr>
+        <p:spPr>
+          <a:xfrm>
+            <a:off x="1097875" y="3352800"/>
+            <a:ext cx="9339184" cy="381000"/>
+          </a:xfrm>
+        </p:spPr>
+        <p:txBody>
+          <a:bodyPr anchor="ctr"/>
+          <a:lstStyle>
+            <a:lvl1pPr marL="0" indent="0">
+              <a:buFontTx/>
+              <a:buNone/>
+              <a:defRPr/>
+            </a:lvl1pPr>
+            <a:lvl2pPr marL="457200" indent="0">
+              <a:buFontTx/>
+              <a:buNone/>
+              <a:defRPr/>
+            </a:lvl2pPr>
+            <a:lvl3pPr marL="914400" indent="0">
+              <a:buFontTx/>
+              <a:buNone/>
+              <a:defRPr/>
+            </a:lvl3pPr>
+            <a:lvl4pPr marL="1371600" indent="0">
+              <a:buFontTx/>
+              <a:buNone/>
+              <a:defRPr/>
+            </a:lvl4pPr>
+            <a:lvl5pPr marL="1828800" indent="0">
+              <a:buFontTx/>
+              <a:buNone/>
+              <a:defRPr/>
+            </a:lvl5pPr>
+          </a:lstStyle>
+          <a:p>
+            <a:pPr lvl="0"/>
+            <a:r>
+              <a:rPr lang="hu-HU"/>
+              <a:t>Mintaszöveg szerkesztése</a:t>
+            </a:r>
+          </a:p>
+        </p:txBody>
+      </p:sp>
+      <p:sp>
+        <p:nvSpPr>
+          <p:cNvPr id="3" name="Text Placeholder 2"/>
+          <p:cNvSpPr>
+            <a:spLocks noGrp="1"/>
+          </p:cNvSpPr>
+          <p:nvPr>
+            <p:ph type="body" idx="1"/>
+          </p:nvPr>
+        </p:nvSpPr>
+        <p:spPr>
+          <a:xfrm>
+            <a:off x="687465" y="4343400"/>
+            <a:ext cx="10152367" cy="1447800"/>
+          </a:xfrm>
+        </p:spPr>
+        <p:txBody>
+          <a:bodyPr anchor="ctr">
+            <a:normAutofit/>
+          </a:bodyPr>
+          <a:lstStyle>
+            <a:lvl1pPr marL="0" indent="0" algn="l">
+              <a:buNone/>
+              <a:defRPr sz="2000">
+                <a:solidFill>
+                  <a:schemeClr val="tx1"/>
+                </a:solidFill>
+              </a:defRPr>
+            </a:lvl1pPr>
+            <a:lvl2pPr marL="457200" indent="0">
+              <a:buNone/>
+              <a:defRPr sz="1800">
+                <a:solidFill>
+                  <a:schemeClr val="tx1">
+                    <a:tint val="75000"/>
+                  </a:schemeClr>
+                </a:solidFill>
+              </a:defRPr>
+            </a:lvl2pPr>
+            <a:lvl3pPr marL="914400" indent="0">
+              <a:buNone/>
+              <a:defRPr sz="1600">
+                <a:solidFill>
+                  <a:schemeClr val="tx1">
+                    <a:tint val="75000"/>
+                  </a:schemeClr>
+                </a:solidFill>
+              </a:defRPr>
+            </a:lvl3pPr>
+            <a:lvl4pPr marL="1371600" indent="0">
+              <a:buNone/>
+              <a:defRPr sz="1400">
+                <a:solidFill>
+                  <a:schemeClr val="tx1">
+                    <a:tint val="75000"/>
+                  </a:schemeClr>
+                </a:solidFill>
+              </a:defRPr>
+            </a:lvl4pPr>
+            <a:lvl5pPr marL="1828800" indent="0">
+              <a:buNone/>
+              <a:defRPr sz="1400">
+                <a:solidFill>
+                  <a:schemeClr val="tx1">
+                    <a:tint val="75000"/>
+                  </a:schemeClr>
+                </a:solidFill>
+              </a:defRPr>
+            </a:lvl5pPr>
+            <a:lvl6pPr marL="2286000" indent="0">
+              <a:buNone/>
+              <a:defRPr sz="1400">
+                <a:solidFill>
+                  <a:schemeClr val="tx1">
+                    <a:tint val="75000"/>
+                  </a:schemeClr>
+                </a:solidFill>
+              </a:defRPr>
+            </a:lvl6pPr>
+            <a:lvl7pPr marL="2743200" indent="0">
+              <a:buNone/>
+              <a:defRPr sz="1400">
+                <a:solidFill>
+                  <a:schemeClr val="tx1">
+                    <a:tint val="75000"/>
+                  </a:schemeClr>
+                </a:solidFill>
+              </a:defRPr>
+            </a:lvl7pPr>
+            <a:lvl8pPr marL="3200400" indent="0">
+              <a:buNone/>
+              <a:defRPr sz="1400">
+                <a:solidFill>
+                  <a:schemeClr val="tx1">
+                    <a:tint val="75000"/>
+                  </a:schemeClr>
+                </a:solidFill>
+              </a:defRPr>
+            </a:lvl8pPr>
+            <a:lvl9pPr marL="3657600" indent="0">
+              <a:buNone/>
+              <a:defRPr sz="1400">
+                <a:solidFill>
+                  <a:schemeClr val="tx1">
+                    <a:tint val="75000"/>
+                  </a:schemeClr>
+                </a:solidFill>
+              </a:defRPr>
+            </a:lvl9pPr>
+          </a:lstStyle>
+          <a:p>
+            <a:pPr lvl="0"/>
+            <a:r>
+              <a:rPr lang="hu-HU"/>
+              <a:t>Mintaszöveg szerkesztése</a:t>
+            </a:r>
+          </a:p>
+        </p:txBody>
+      </p:sp>
+      <p:sp>
+        <p:nvSpPr>
+          <p:cNvPr id="4" name="Date Placeholder 3"/>
+          <p:cNvSpPr>
+            <a:spLocks noGrp="1"/>
+          </p:cNvSpPr>
+          <p:nvPr>
+            <p:ph type="dt" sz="half" idx="10"/>
+          </p:nvPr>
+        </p:nvSpPr>
+        <p:spPr/>
+        <p:txBody>
+          <a:bodyPr/>
+          <a:lstStyle/>
+          <a:p>
+            <a:fld id="{B61BEF0D-F0BB-DE4B-95CE-6DB70DBA9567}" type="datetimeFigureOut">
+              <a:rPr lang="en-US" smtClean="0"/>
+              <a:pPr/>
+              <a:t>1/15/2024</a:t>
+            </a:fld>
+            <a:endParaRPr lang="en-US" dirty="0"/>
+          </a:p>
+        </p:txBody>
+      </p:sp>
+      <p:sp>
+        <p:nvSpPr>
+          <p:cNvPr id="5" name="Footer Placeholder 4"/>
+          <p:cNvSpPr>
+            <a:spLocks noGrp="1"/>
+          </p:cNvSpPr>
+          <p:nvPr>
+            <p:ph type="ftr" sz="quarter" idx="11"/>
+          </p:nvPr>
+        </p:nvSpPr>
+        <p:spPr/>
+        <p:txBody>
+          <a:bodyPr/>
+          <a:lstStyle/>
+          <a:p>
+            <a:endParaRPr lang="en-US" dirty="0"/>
+          </a:p>
+        </p:txBody>
+      </p:sp>
+      <p:sp>
+        <p:nvSpPr>
+          <p:cNvPr id="6" name="Slide Number Placeholder 5"/>
+          <p:cNvSpPr>
+            <a:spLocks noGrp="1"/>
+          </p:cNvSpPr>
+          <p:nvPr>
+            <p:ph type="sldNum" sz="quarter" idx="12"/>
+          </p:nvPr>
+        </p:nvSpPr>
+        <p:spPr/>
+        <p:txBody>
+          <a:bodyPr/>
+          <a:lstStyle/>
+          <a:p>
+            <a:fld id="{D57F1E4F-1CFF-5643-939E-217C01CDF565}" type="slidenum">
+              <a:rPr lang="en-US" smtClean="0"/>
+              <a:pPr/>
+              <a:t>‹#›</a:t>
+            </a:fld>
+            <a:endParaRPr lang="en-US" dirty="0"/>
+          </a:p>
+        </p:txBody>
+      </p:sp>
+    </p:spTree>
+    <p:extLst>
+      <p:ext uri="{BB962C8B-B14F-4D97-AF65-F5344CB8AC3E}">
+        <p14:creationId xmlns:p14="http://schemas.microsoft.com/office/powerpoint/2010/main" val="2378311970"/>
+      </p:ext>
+    </p:extLst>
+  </p:cSld>
+  <p:clrMapOvr>
+    <a:masterClrMapping/>
+  </p:clrMapOvr>
+  <p:hf sldNum="0" hdr="0" ftr="0" dt="0"/>
+</p:sldLayout>
+</file>
+
+<file path=ppt/slideLayouts/slideLayout58.xml><?xml version="1.0" encoding="utf-8"?>
+<p:sldLayout xmlns:a="http://schemas.openxmlformats.org/drawingml/2006/main" xmlns:r="http://schemas.openxmlformats.org/officeDocument/2006/relationships" xmlns:p="http://schemas.openxmlformats.org/presentationml/2006/main" preserve="1">
+  <p:cSld name="Névkártya">
+    <p:spTree>
+      <p:nvGrpSpPr>
+        <p:cNvPr id="1" name=""/>
+        <p:cNvGrpSpPr/>
+        <p:nvPr/>
+      </p:nvGrpSpPr>
+      <p:grpSpPr>
+        <a:xfrm>
+          <a:off x="0" y="0"/>
+          <a:ext cx="0" cy="0"/>
+          <a:chOff x="0" y="0"/>
+          <a:chExt cx="0" cy="0"/>
+        </a:xfrm>
+      </p:grpSpPr>
+      <p:pic>
+        <p:nvPicPr>
+          <p:cNvPr id="7" name="Picture 6" descr="Celestia-R1---OverlayContentHD.png"/>
+          <p:cNvPicPr>
+            <a:picLocks noChangeAspect="1"/>
+          </p:cNvPicPr>
+          <p:nvPr/>
+        </p:nvPicPr>
+        <p:blipFill>
+          <a:blip r:embed="rId2">
+            <a:extLst>
+              <a:ext uri="{28A0092B-C50C-407E-A947-70E740481C1C}">
+                <a14:useLocalDpi xmlns:a14="http://schemas.microsoft.com/office/drawing/2010/main" val="0"/>
+              </a:ext>
+            </a:extLst>
+          </a:blip>
+          <a:stretch>
+            <a:fillRect/>
+          </a:stretch>
+        </p:blipFill>
+        <p:spPr>
+          <a:xfrm>
+            <a:off x="0" y="0"/>
+            <a:ext cx="12188825" cy="6856214"/>
+          </a:xfrm>
+          <a:prstGeom prst="rect">
+            <a:avLst/>
+          </a:prstGeom>
+        </p:spPr>
+      </p:pic>
+      <p:sp>
+        <p:nvSpPr>
+          <p:cNvPr id="2" name="Title 1"/>
+          <p:cNvSpPr>
+            <a:spLocks noGrp="1"/>
+          </p:cNvSpPr>
+          <p:nvPr>
+            <p:ph type="title"/>
+          </p:nvPr>
+        </p:nvSpPr>
+        <p:spPr>
+          <a:xfrm>
+            <a:off x="685802" y="3308581"/>
+            <a:ext cx="10131425" cy="1468800"/>
+          </a:xfrm>
+        </p:spPr>
+        <p:txBody>
+          <a:bodyPr anchor="b">
+            <a:normAutofit/>
+          </a:bodyPr>
+          <a:lstStyle>
+            <a:lvl1pPr algn="l">
+              <a:defRPr sz="3200" b="0" cap="none"/>
+            </a:lvl1pPr>
+          </a:lstStyle>
+          <a:p>
+            <a:r>
+              <a:rPr lang="hu-HU"/>
+              <a:t>Mintacím szerkesztése</a:t>
+            </a:r>
+            <a:endParaRPr lang="en-US" dirty="0"/>
+          </a:p>
+        </p:txBody>
+      </p:sp>
+      <p:sp>
+        <p:nvSpPr>
+          <p:cNvPr id="3" name="Text Placeholder 2"/>
+          <p:cNvSpPr>
+            <a:spLocks noGrp="1"/>
+          </p:cNvSpPr>
+          <p:nvPr>
+            <p:ph type="body" idx="1"/>
+          </p:nvPr>
+        </p:nvSpPr>
+        <p:spPr>
+          <a:xfrm>
+            <a:off x="685801" y="4777381"/>
+            <a:ext cx="10131426" cy="860400"/>
+          </a:xfrm>
+        </p:spPr>
+        <p:txBody>
+          <a:bodyPr anchor="t">
+            <a:normAutofit/>
+          </a:bodyPr>
+          <a:lstStyle>
+            <a:lvl1pPr marL="0" indent="0" algn="l">
+              <a:buNone/>
+              <a:defRPr sz="2000">
+                <a:solidFill>
+                  <a:schemeClr val="tx1"/>
+                </a:solidFill>
+              </a:defRPr>
+            </a:lvl1pPr>
+            <a:lvl2pPr marL="457200" indent="0">
+              <a:buNone/>
+              <a:defRPr sz="1800">
+                <a:solidFill>
+                  <a:schemeClr val="tx1">
+                    <a:tint val="75000"/>
+                  </a:schemeClr>
+                </a:solidFill>
+              </a:defRPr>
+            </a:lvl2pPr>
+            <a:lvl3pPr marL="914400" indent="0">
+              <a:buNone/>
+              <a:defRPr sz="1600">
+                <a:solidFill>
+                  <a:schemeClr val="tx1">
+                    <a:tint val="75000"/>
+                  </a:schemeClr>
+                </a:solidFill>
+              </a:defRPr>
+            </a:lvl3pPr>
+            <a:lvl4pPr marL="1371600" indent="0">
+              <a:buNone/>
+              <a:defRPr sz="1400">
+                <a:solidFill>
+                  <a:schemeClr val="tx1">
+                    <a:tint val="75000"/>
+                  </a:schemeClr>
+                </a:solidFill>
+              </a:defRPr>
+            </a:lvl4pPr>
+            <a:lvl5pPr marL="1828800" indent="0">
+              <a:buNone/>
+              <a:defRPr sz="1400">
+                <a:solidFill>
+                  <a:schemeClr val="tx1">
+                    <a:tint val="75000"/>
+                  </a:schemeClr>
+                </a:solidFill>
+              </a:defRPr>
+            </a:lvl5pPr>
+            <a:lvl6pPr marL="2286000" indent="0">
+              <a:buNone/>
+              <a:defRPr sz="1400">
+                <a:solidFill>
+                  <a:schemeClr val="tx1">
+                    <a:tint val="75000"/>
+                  </a:schemeClr>
+                </a:solidFill>
+              </a:defRPr>
+            </a:lvl6pPr>
+            <a:lvl7pPr marL="2743200" indent="0">
+              <a:buNone/>
+              <a:defRPr sz="1400">
+                <a:solidFill>
+                  <a:schemeClr val="tx1">
+                    <a:tint val="75000"/>
+                  </a:schemeClr>
+                </a:solidFill>
+              </a:defRPr>
+            </a:lvl7pPr>
+            <a:lvl8pPr marL="3200400" indent="0">
+              <a:buNone/>
+              <a:defRPr sz="1400">
+                <a:solidFill>
+                  <a:schemeClr val="tx1">
+                    <a:tint val="75000"/>
+                  </a:schemeClr>
+                </a:solidFill>
+              </a:defRPr>
+            </a:lvl8pPr>
+            <a:lvl9pPr marL="3657600" indent="0">
+              <a:buNone/>
+              <a:defRPr sz="1400">
+                <a:solidFill>
+                  <a:schemeClr val="tx1">
+                    <a:tint val="75000"/>
+                  </a:schemeClr>
+                </a:solidFill>
+              </a:defRPr>
+            </a:lvl9pPr>
+          </a:lstStyle>
+          <a:p>
+            <a:pPr lvl="0"/>
+            <a:r>
+              <a:rPr lang="hu-HU"/>
+              <a:t>Mintaszöveg szerkesztése</a:t>
+            </a:r>
+          </a:p>
+        </p:txBody>
+      </p:sp>
+      <p:sp>
+        <p:nvSpPr>
+          <p:cNvPr id="4" name="Date Placeholder 3"/>
+          <p:cNvSpPr>
+            <a:spLocks noGrp="1"/>
+          </p:cNvSpPr>
+          <p:nvPr>
+            <p:ph type="dt" sz="half" idx="10"/>
+          </p:nvPr>
+        </p:nvSpPr>
+        <p:spPr/>
+        <p:txBody>
+          <a:bodyPr/>
+          <a:lstStyle/>
+          <a:p>
+            <a:fld id="{B61BEF0D-F0BB-DE4B-95CE-6DB70DBA9567}" type="datetimeFigureOut">
+              <a:rPr lang="en-US" smtClean="0"/>
+              <a:pPr/>
+              <a:t>1/15/2024</a:t>
+            </a:fld>
+            <a:endParaRPr lang="en-US" dirty="0"/>
+          </a:p>
+        </p:txBody>
+      </p:sp>
+      <p:sp>
+        <p:nvSpPr>
+          <p:cNvPr id="5" name="Footer Placeholder 4"/>
+          <p:cNvSpPr>
+            <a:spLocks noGrp="1"/>
+          </p:cNvSpPr>
+          <p:nvPr>
+            <p:ph type="ftr" sz="quarter" idx="11"/>
+          </p:nvPr>
+        </p:nvSpPr>
+        <p:spPr/>
+        <p:txBody>
+          <a:bodyPr/>
+          <a:lstStyle/>
+          <a:p>
+            <a:endParaRPr lang="en-US" dirty="0"/>
+          </a:p>
+        </p:txBody>
+      </p:sp>
+      <p:sp>
+        <p:nvSpPr>
+          <p:cNvPr id="6" name="Slide Number Placeholder 5"/>
+          <p:cNvSpPr>
+            <a:spLocks noGrp="1"/>
+          </p:cNvSpPr>
+          <p:nvPr>
+            <p:ph type="sldNum" sz="quarter" idx="12"/>
+          </p:nvPr>
+        </p:nvSpPr>
+        <p:spPr/>
+        <p:txBody>
+          <a:bodyPr/>
+          <a:lstStyle/>
+          <a:p>
+            <a:fld id="{D57F1E4F-1CFF-5643-939E-217C01CDF565}" type="slidenum">
+              <a:rPr lang="en-US" smtClean="0"/>
+              <a:pPr/>
+              <a:t>‹#›</a:t>
+            </a:fld>
+            <a:endParaRPr lang="en-US" dirty="0"/>
+          </a:p>
+        </p:txBody>
+      </p:sp>
+    </p:spTree>
+    <p:extLst>
+      <p:ext uri="{BB962C8B-B14F-4D97-AF65-F5344CB8AC3E}">
+        <p14:creationId xmlns:p14="http://schemas.microsoft.com/office/powerpoint/2010/main" val="2746330872"/>
+      </p:ext>
+    </p:extLst>
+  </p:cSld>
+  <p:clrMapOvr>
+    <a:masterClrMapping/>
+  </p:clrMapOvr>
+  <p:hf sldNum="0" hdr="0" ftr="0" dt="0"/>
+</p:sldLayout>
+</file>
+
+<file path=ppt/slideLayouts/slideLayout59.xml><?xml version="1.0" encoding="utf-8"?>
+<p:sldLayout xmlns:a="http://schemas.openxmlformats.org/drawingml/2006/main" xmlns:r="http://schemas.openxmlformats.org/officeDocument/2006/relationships" xmlns:p="http://schemas.openxmlformats.org/presentationml/2006/main" preserve="1">
+  <p:cSld name="Névkártya idézettel">
+    <p:spTree>
+      <p:nvGrpSpPr>
+        <p:cNvPr id="1" name=""/>
+        <p:cNvGrpSpPr/>
+        <p:nvPr/>
+      </p:nvGrpSpPr>
+      <p:grpSpPr>
+        <a:xfrm>
+          <a:off x="0" y="0"/>
+          <a:ext cx="0" cy="0"/>
+          <a:chOff x="0" y="0"/>
+          <a:chExt cx="0" cy="0"/>
+        </a:xfrm>
+      </p:grpSpPr>
+      <p:pic>
+        <p:nvPicPr>
+          <p:cNvPr id="11" name="Picture 10" descr="Celestia-R1---OverlayContentHD.png"/>
+          <p:cNvPicPr>
+            <a:picLocks noChangeAspect="1"/>
+          </p:cNvPicPr>
+          <p:nvPr/>
+        </p:nvPicPr>
+        <p:blipFill>
+          <a:blip r:embed="rId2">
+            <a:extLst>
+              <a:ext uri="{28A0092B-C50C-407E-A947-70E740481C1C}">
+                <a14:useLocalDpi xmlns:a14="http://schemas.microsoft.com/office/drawing/2010/main" val="0"/>
+              </a:ext>
+            </a:extLst>
+          </a:blip>
+          <a:stretch>
+            <a:fillRect/>
+          </a:stretch>
+        </p:blipFill>
+        <p:spPr>
+          <a:xfrm>
+            <a:off x="0" y="0"/>
+            <a:ext cx="12188825" cy="6856214"/>
+          </a:xfrm>
+          <a:prstGeom prst="rect">
+            <a:avLst/>
+          </a:prstGeom>
+        </p:spPr>
+      </p:pic>
+      <p:sp>
+        <p:nvSpPr>
+          <p:cNvPr id="13" name="TextBox 12"/>
+          <p:cNvSpPr txBox="1"/>
+          <p:nvPr/>
+        </p:nvSpPr>
+        <p:spPr>
+          <a:xfrm>
+            <a:off x="10237867" y="2743200"/>
+            <a:ext cx="609600" cy="584776"/>
+          </a:xfrm>
+          <a:prstGeom prst="rect">
+            <a:avLst/>
+          </a:prstGeom>
+        </p:spPr>
+        <p:txBody>
+          <a:bodyPr vert="horz" lIns="91440" tIns="45720" rIns="91440" bIns="45720" rtlCol="0" anchor="ctr">
+            <a:noAutofit/>
+          </a:bodyPr>
+          <a:lstStyle>
+            <a:lvl1pPr>
+              <a:spcBef>
+                <a:spcPct val="0"/>
+              </a:spcBef>
+              <a:buNone/>
+              <a:defRPr sz="3200" b="0" cap="all">
+                <a:ln w="3175" cmpd="sng">
+                  <a:noFill/>
+                </a:ln>
+                <a:effectLst>
+                  <a:glow rad="38100">
+                    <a:schemeClr val="bg1">
+                      <a:lumMod val="65000"/>
+                      <a:lumOff val="35000"/>
+                      <a:alpha val="40000"/>
+                    </a:schemeClr>
+                  </a:glow>
+                  <a:outerShdw blurRad="28575" dist="38100" dir="14040000" algn="tl" rotWithShape="0">
+                    <a:srgbClr val="000000">
+                      <a:alpha val="25000"/>
+                    </a:srgbClr>
+                  </a:outerShdw>
+                </a:effectLst>
+              </a:defRPr>
+            </a:lvl1pPr>
+            <a:lvl2pPr>
+              <a:defRPr>
+                <a:solidFill>
+                  <a:schemeClr val="tx2"/>
+                </a:solidFill>
+              </a:defRPr>
+            </a:lvl2pPr>
+            <a:lvl3pPr>
+              <a:defRPr>
+                <a:solidFill>
+                  <a:schemeClr val="tx2"/>
+                </a:solidFill>
+              </a:defRPr>
+            </a:lvl3pPr>
+            <a:lvl4pPr>
+              <a:defRPr>
+                <a:solidFill>
+                  <a:schemeClr val="tx2"/>
+                </a:solidFill>
+              </a:defRPr>
+            </a:lvl4pPr>
+            <a:lvl5pPr>
+              <a:defRPr>
+                <a:solidFill>
+                  <a:schemeClr val="tx2"/>
+                </a:solidFill>
+              </a:defRPr>
+            </a:lvl5pPr>
+            <a:lvl6pPr>
+              <a:defRPr>
+                <a:solidFill>
+                  <a:schemeClr val="tx2"/>
+                </a:solidFill>
+              </a:defRPr>
+            </a:lvl6pPr>
+            <a:lvl7pPr>
+              <a:defRPr>
+                <a:solidFill>
+                  <a:schemeClr val="tx2"/>
+                </a:solidFill>
+              </a:defRPr>
+            </a:lvl7pPr>
+            <a:lvl8pPr>
+              <a:defRPr>
+                <a:solidFill>
+                  <a:schemeClr val="tx2"/>
+                </a:solidFill>
+              </a:defRPr>
+            </a:lvl8pPr>
+            <a:lvl9pPr>
+              <a:defRPr>
+                <a:solidFill>
+                  <a:schemeClr val="tx2"/>
+                </a:solidFill>
+              </a:defRPr>
+            </a:lvl9pPr>
+          </a:lstStyle>
+          <a:p>
+            <a:pPr lvl="0" algn="r"/>
+            <a:r>
+              <a:rPr lang="en-US" sz="8000" dirty="0">
+                <a:solidFill>
+                  <a:schemeClr val="tx1"/>
+                </a:solidFill>
+                <a:effectLst/>
+              </a:rPr>
+              <a:t>”</a:t>
+            </a:r>
+          </a:p>
+        </p:txBody>
+      </p:sp>
+      <p:sp>
+        <p:nvSpPr>
+          <p:cNvPr id="14" name="TextBox 13"/>
+          <p:cNvSpPr txBox="1"/>
+          <p:nvPr/>
+        </p:nvSpPr>
+        <p:spPr>
+          <a:xfrm>
+            <a:off x="488275" y="823337"/>
+            <a:ext cx="609600" cy="584776"/>
+          </a:xfrm>
+          <a:prstGeom prst="rect">
+            <a:avLst/>
+          </a:prstGeom>
+        </p:spPr>
+        <p:txBody>
+          <a:bodyPr vert="horz" lIns="91440" tIns="45720" rIns="91440" bIns="45720" rtlCol="0" anchor="ctr">
+            <a:noAutofit/>
+          </a:bodyPr>
+          <a:lstStyle>
+            <a:lvl1pPr>
+              <a:spcBef>
+                <a:spcPct val="0"/>
+              </a:spcBef>
+              <a:buNone/>
+              <a:defRPr sz="3200" b="0" cap="all">
+                <a:ln w="3175" cmpd="sng">
+                  <a:noFill/>
+                </a:ln>
+                <a:effectLst>
+                  <a:glow rad="38100">
+                    <a:schemeClr val="bg1">
+                      <a:lumMod val="65000"/>
+                      <a:lumOff val="35000"/>
+                      <a:alpha val="40000"/>
+                    </a:schemeClr>
+                  </a:glow>
+                  <a:outerShdw blurRad="28575" dist="38100" dir="14040000" algn="tl" rotWithShape="0">
+                    <a:srgbClr val="000000">
+                      <a:alpha val="25000"/>
+                    </a:srgbClr>
+                  </a:outerShdw>
+                </a:effectLst>
+              </a:defRPr>
+            </a:lvl1pPr>
+            <a:lvl2pPr>
+              <a:defRPr>
+                <a:solidFill>
+                  <a:schemeClr val="tx2"/>
+                </a:solidFill>
+              </a:defRPr>
+            </a:lvl2pPr>
+            <a:lvl3pPr>
+              <a:defRPr>
+                <a:solidFill>
+                  <a:schemeClr val="tx2"/>
+                </a:solidFill>
+              </a:defRPr>
+            </a:lvl3pPr>
+            <a:lvl4pPr>
+              <a:defRPr>
+                <a:solidFill>
+                  <a:schemeClr val="tx2"/>
+                </a:solidFill>
+              </a:defRPr>
+            </a:lvl4pPr>
+            <a:lvl5pPr>
+              <a:defRPr>
+                <a:solidFill>
+                  <a:schemeClr val="tx2"/>
+                </a:solidFill>
+              </a:defRPr>
+            </a:lvl5pPr>
+            <a:lvl6pPr>
+              <a:defRPr>
+                <a:solidFill>
+                  <a:schemeClr val="tx2"/>
+                </a:solidFill>
+              </a:defRPr>
+            </a:lvl6pPr>
+            <a:lvl7pPr>
+              <a:defRPr>
+                <a:solidFill>
+                  <a:schemeClr val="tx2"/>
+                </a:solidFill>
+              </a:defRPr>
+            </a:lvl7pPr>
+            <a:lvl8pPr>
+              <a:defRPr>
+                <a:solidFill>
+                  <a:schemeClr val="tx2"/>
+                </a:solidFill>
+              </a:defRPr>
+            </a:lvl8pPr>
+            <a:lvl9pPr>
+              <a:defRPr>
+                <a:solidFill>
+                  <a:schemeClr val="tx2"/>
+                </a:solidFill>
+              </a:defRPr>
+            </a:lvl9pPr>
+          </a:lstStyle>
+          <a:p>
+            <a:pPr lvl="0" algn="r"/>
+            <a:r>
+              <a:rPr lang="en-US" sz="8000" dirty="0">
+                <a:solidFill>
+                  <a:schemeClr val="tx1"/>
+                </a:solidFill>
+                <a:effectLst/>
+              </a:rPr>
+              <a:t>“</a:t>
+            </a:r>
+          </a:p>
+        </p:txBody>
+      </p:sp>
+      <p:sp>
+        <p:nvSpPr>
+          <p:cNvPr id="16" name="Title 1"/>
+          <p:cNvSpPr>
+            <a:spLocks noGrp="1"/>
+          </p:cNvSpPr>
+          <p:nvPr>
+            <p:ph type="title"/>
+          </p:nvPr>
+        </p:nvSpPr>
+        <p:spPr>
+          <a:xfrm>
+            <a:off x="992267" y="609601"/>
+            <a:ext cx="9550399" cy="2743199"/>
+          </a:xfrm>
+        </p:spPr>
+        <p:txBody>
+          <a:bodyPr anchor="ctr">
+            <a:normAutofit/>
+          </a:bodyPr>
+          <a:lstStyle>
+            <a:lvl1pPr algn="l">
+              <a:defRPr sz="3200" b="0" cap="none">
+                <a:solidFill>
+                  <a:schemeClr val="tx1"/>
+                </a:solidFill>
+              </a:defRPr>
+            </a:lvl1pPr>
+          </a:lstStyle>
+          <a:p>
+            <a:r>
+              <a:rPr lang="hu-HU"/>
+              <a:t>Mintacím szerkesztése</a:t>
+            </a:r>
+            <a:endParaRPr lang="en-US" dirty="0"/>
+          </a:p>
+        </p:txBody>
+      </p:sp>
+      <p:sp>
+        <p:nvSpPr>
+          <p:cNvPr id="10" name="Text Placeholder 9"/>
+          <p:cNvSpPr>
+            <a:spLocks noGrp="1"/>
+          </p:cNvSpPr>
+          <p:nvPr>
+            <p:ph type="body" sz="quarter" idx="13"/>
+          </p:nvPr>
+        </p:nvSpPr>
+        <p:spPr>
+          <a:xfrm>
+            <a:off x="685800" y="3886200"/>
+            <a:ext cx="10135436" cy="889000"/>
+          </a:xfrm>
+        </p:spPr>
+        <p:txBody>
+          <a:bodyPr vert="horz" lIns="91440" tIns="45720" rIns="91440" bIns="45720" rtlCol="0" anchor="b">
+            <a:normAutofit/>
+          </a:bodyPr>
+          <a:lstStyle>
+            <a:lvl1pPr>
+              <a:buNone/>
+              <a:defRPr lang="en-US" sz="2400" b="0" cap="none" dirty="0">
+                <a:ln w="3175" cmpd="sng">
+                  <a:noFill/>
+                </a:ln>
+                <a:solidFill>
+                  <a:schemeClr val="tx1"/>
+                </a:solidFill>
+                <a:effectLst/>
+              </a:defRPr>
+            </a:lvl1pPr>
+          </a:lstStyle>
+          <a:p>
+            <a:pPr marL="0" lvl="0">
+              <a:spcBef>
+                <a:spcPct val="0"/>
+              </a:spcBef>
+              <a:buNone/>
+            </a:pPr>
+            <a:r>
+              <a:rPr lang="hu-HU"/>
+              <a:t>Mintaszöveg szerkesztése</a:t>
+            </a:r>
+          </a:p>
+        </p:txBody>
+      </p:sp>
+      <p:sp>
+        <p:nvSpPr>
+          <p:cNvPr id="3" name="Text Placeholder 2"/>
+          <p:cNvSpPr>
+            <a:spLocks noGrp="1"/>
+          </p:cNvSpPr>
+          <p:nvPr>
+            <p:ph type="body" idx="1"/>
+          </p:nvPr>
+        </p:nvSpPr>
+        <p:spPr>
+          <a:xfrm>
+            <a:off x="685799" y="4775200"/>
+            <a:ext cx="10135436" cy="1016000"/>
+          </a:xfrm>
+        </p:spPr>
+        <p:txBody>
+          <a:bodyPr anchor="t">
+            <a:normAutofit/>
+          </a:bodyPr>
+          <a:lstStyle>
+            <a:lvl1pPr marL="0" indent="0" algn="l">
+              <a:buNone/>
+              <a:defRPr sz="1800">
+                <a:solidFill>
+                  <a:schemeClr val="tx1"/>
+                </a:solidFill>
+              </a:defRPr>
+            </a:lvl1pPr>
+            <a:lvl2pPr marL="457200" indent="0">
+              <a:buNone/>
+              <a:defRPr sz="1800">
+                <a:solidFill>
+                  <a:schemeClr val="tx1">
+                    <a:tint val="75000"/>
+                  </a:schemeClr>
+                </a:solidFill>
+              </a:defRPr>
+            </a:lvl2pPr>
+            <a:lvl3pPr marL="914400" indent="0">
+              <a:buNone/>
+              <a:defRPr sz="1600">
+                <a:solidFill>
+                  <a:schemeClr val="tx1">
+                    <a:tint val="75000"/>
+                  </a:schemeClr>
+                </a:solidFill>
+              </a:defRPr>
+            </a:lvl3pPr>
+            <a:lvl4pPr marL="1371600" indent="0">
+              <a:buNone/>
+              <a:defRPr sz="1400">
+                <a:solidFill>
+                  <a:schemeClr val="tx1">
+                    <a:tint val="75000"/>
+                  </a:schemeClr>
+                </a:solidFill>
+              </a:defRPr>
+            </a:lvl4pPr>
+            <a:lvl5pPr marL="1828800" indent="0">
+              <a:buNone/>
+              <a:defRPr sz="1400">
+                <a:solidFill>
+                  <a:schemeClr val="tx1">
+                    <a:tint val="75000"/>
+                  </a:schemeClr>
+                </a:solidFill>
+              </a:defRPr>
+            </a:lvl5pPr>
+            <a:lvl6pPr marL="2286000" indent="0">
+              <a:buNone/>
+              <a:defRPr sz="1400">
+                <a:solidFill>
+                  <a:schemeClr val="tx1">
+                    <a:tint val="75000"/>
+                  </a:schemeClr>
+                </a:solidFill>
+              </a:defRPr>
+            </a:lvl6pPr>
+            <a:lvl7pPr marL="2743200" indent="0">
+              <a:buNone/>
+              <a:defRPr sz="1400">
+                <a:solidFill>
+                  <a:schemeClr val="tx1">
+                    <a:tint val="75000"/>
+                  </a:schemeClr>
+                </a:solidFill>
+              </a:defRPr>
+            </a:lvl7pPr>
+            <a:lvl8pPr marL="3200400" indent="0">
+              <a:buNone/>
+              <a:defRPr sz="1400">
+                <a:solidFill>
+                  <a:schemeClr val="tx1">
+                    <a:tint val="75000"/>
+                  </a:schemeClr>
+                </a:solidFill>
+              </a:defRPr>
+            </a:lvl8pPr>
+            <a:lvl9pPr marL="3657600" indent="0">
+              <a:buNone/>
+              <a:defRPr sz="1400">
+                <a:solidFill>
+                  <a:schemeClr val="tx1">
+                    <a:tint val="75000"/>
+                  </a:schemeClr>
+                </a:solidFill>
+              </a:defRPr>
+            </a:lvl9pPr>
+          </a:lstStyle>
+          <a:p>
+            <a:pPr lvl="0"/>
+            <a:r>
+              <a:rPr lang="hu-HU"/>
+              <a:t>Mintaszöveg szerkesztése</a:t>
+            </a:r>
+          </a:p>
+        </p:txBody>
+      </p:sp>
+      <p:sp>
+        <p:nvSpPr>
+          <p:cNvPr id="4" name="Date Placeholder 3"/>
+          <p:cNvSpPr>
+            <a:spLocks noGrp="1"/>
+          </p:cNvSpPr>
+          <p:nvPr>
+            <p:ph type="dt" sz="half" idx="10"/>
+          </p:nvPr>
+        </p:nvSpPr>
+        <p:spPr/>
+        <p:txBody>
+          <a:bodyPr/>
+          <a:lstStyle/>
+          <a:p>
+            <a:fld id="{B61BEF0D-F0BB-DE4B-95CE-6DB70DBA9567}" type="datetimeFigureOut">
+              <a:rPr lang="en-US" smtClean="0"/>
+              <a:pPr/>
+              <a:t>1/15/2024</a:t>
+            </a:fld>
+            <a:endParaRPr lang="en-US" dirty="0"/>
+          </a:p>
+        </p:txBody>
+      </p:sp>
+      <p:sp>
+        <p:nvSpPr>
+          <p:cNvPr id="5" name="Footer Placeholder 4"/>
+          <p:cNvSpPr>
+            <a:spLocks noGrp="1"/>
+          </p:cNvSpPr>
+          <p:nvPr>
+            <p:ph type="ftr" sz="quarter" idx="11"/>
+          </p:nvPr>
+        </p:nvSpPr>
+        <p:spPr/>
+        <p:txBody>
+          <a:bodyPr/>
+          <a:lstStyle/>
+          <a:p>
+            <a:endParaRPr lang="en-US" dirty="0"/>
+          </a:p>
+        </p:txBody>
+      </p:sp>
+      <p:sp>
+        <p:nvSpPr>
+          <p:cNvPr id="6" name="Slide Number Placeholder 5"/>
+          <p:cNvSpPr>
+            <a:spLocks noGrp="1"/>
+          </p:cNvSpPr>
+          <p:nvPr>
+            <p:ph type="sldNum" sz="quarter" idx="12"/>
+          </p:nvPr>
+        </p:nvSpPr>
+        <p:spPr/>
+        <p:txBody>
+          <a:bodyPr/>
+          <a:lstStyle/>
+          <a:p>
+            <a:fld id="{D57F1E4F-1CFF-5643-939E-217C01CDF565}" type="slidenum">
+              <a:rPr lang="en-US" smtClean="0"/>
+              <a:pPr/>
+              <a:t>‹#›</a:t>
+            </a:fld>
+            <a:endParaRPr lang="en-US" dirty="0"/>
+          </a:p>
+        </p:txBody>
+      </p:sp>
+    </p:spTree>
+    <p:extLst>
+      <p:ext uri="{BB962C8B-B14F-4D97-AF65-F5344CB8AC3E}">
+        <p14:creationId xmlns:p14="http://schemas.microsoft.com/office/powerpoint/2010/main" val="3901602812"/>
+      </p:ext>
+    </p:extLst>
+  </p:cSld>
+  <p:clrMapOvr>
+    <a:masterClrMapping/>
+  </p:clrMapOvr>
+  <p:hf sldNum="0" hdr="0" ftr="0" dt="0"/>
+</p:sldLayout>
+</file>
+
 <file path=ppt/slideLayouts/slideLayout6.xml><?xml version="1.0" encoding="utf-8"?>
 <p:sldLayout xmlns:a="http://schemas.openxmlformats.org/drawingml/2006/main" xmlns:r="http://schemas.openxmlformats.org/officeDocument/2006/relationships" xmlns:p="http://schemas.openxmlformats.org/presentationml/2006/main" matchingName="THREE COLUMNS 1">
   <p:cSld name="THREE COLUMNS 1">
@@ -30595,6 +34940,757 @@
   <p:clrMapOvr>
     <a:masterClrMapping/>
   </p:clrMapOvr>
+</p:sldLayout>
+</file>
+
+<file path=ppt/slideLayouts/slideLayout60.xml><?xml version="1.0" encoding="utf-8"?>
+<p:sldLayout xmlns:a="http://schemas.openxmlformats.org/drawingml/2006/main" xmlns:r="http://schemas.openxmlformats.org/officeDocument/2006/relationships" xmlns:p="http://schemas.openxmlformats.org/presentationml/2006/main" preserve="1">
+  <p:cSld name="Igaz vagy hamis">
+    <p:spTree>
+      <p:nvGrpSpPr>
+        <p:cNvPr id="1" name=""/>
+        <p:cNvGrpSpPr/>
+        <p:nvPr/>
+      </p:nvGrpSpPr>
+      <p:grpSpPr>
+        <a:xfrm>
+          <a:off x="0" y="0"/>
+          <a:ext cx="0" cy="0"/>
+          <a:chOff x="0" y="0"/>
+          <a:chExt cx="0" cy="0"/>
+        </a:xfrm>
+      </p:grpSpPr>
+      <p:pic>
+        <p:nvPicPr>
+          <p:cNvPr id="8" name="Picture 7" descr="Celestia-R1---OverlayContentHD.png"/>
+          <p:cNvPicPr>
+            <a:picLocks noChangeAspect="1"/>
+          </p:cNvPicPr>
+          <p:nvPr/>
+        </p:nvPicPr>
+        <p:blipFill>
+          <a:blip r:embed="rId2">
+            <a:extLst>
+              <a:ext uri="{28A0092B-C50C-407E-A947-70E740481C1C}">
+                <a14:useLocalDpi xmlns:a14="http://schemas.microsoft.com/office/drawing/2010/main" val="0"/>
+              </a:ext>
+            </a:extLst>
+          </a:blip>
+          <a:stretch>
+            <a:fillRect/>
+          </a:stretch>
+        </p:blipFill>
+        <p:spPr>
+          <a:xfrm>
+            <a:off x="0" y="0"/>
+            <a:ext cx="12188825" cy="6856214"/>
+          </a:xfrm>
+          <a:prstGeom prst="rect">
+            <a:avLst/>
+          </a:prstGeom>
+        </p:spPr>
+      </p:pic>
+      <p:sp>
+        <p:nvSpPr>
+          <p:cNvPr id="2" name="Title 1"/>
+          <p:cNvSpPr>
+            <a:spLocks noGrp="1"/>
+          </p:cNvSpPr>
+          <p:nvPr>
+            <p:ph type="title"/>
+          </p:nvPr>
+        </p:nvSpPr>
+        <p:spPr>
+          <a:xfrm>
+            <a:off x="685801" y="609601"/>
+            <a:ext cx="10131427" cy="2743199"/>
+          </a:xfrm>
+        </p:spPr>
+        <p:txBody>
+          <a:bodyPr vert="horz" lIns="91440" tIns="45720" rIns="91440" bIns="45720" rtlCol="0" anchor="ctr">
+            <a:normAutofit/>
+          </a:bodyPr>
+          <a:lstStyle>
+            <a:lvl1pPr>
+              <a:defRPr lang="en-US" b="0" dirty="0"/>
+            </a:lvl1pPr>
+          </a:lstStyle>
+          <a:p>
+            <a:pPr marL="0" lvl="0"/>
+            <a:r>
+              <a:rPr lang="hu-HU"/>
+              <a:t>Mintacím szerkesztése</a:t>
+            </a:r>
+            <a:endParaRPr lang="en-US" dirty="0"/>
+          </a:p>
+        </p:txBody>
+      </p:sp>
+      <p:sp>
+        <p:nvSpPr>
+          <p:cNvPr id="10" name="Text Placeholder 9"/>
+          <p:cNvSpPr>
+            <a:spLocks noGrp="1"/>
+          </p:cNvSpPr>
+          <p:nvPr>
+            <p:ph type="body" sz="quarter" idx="13"/>
+          </p:nvPr>
+        </p:nvSpPr>
+        <p:spPr>
+          <a:xfrm>
+            <a:off x="685801" y="3505200"/>
+            <a:ext cx="10131428" cy="838200"/>
+          </a:xfrm>
+        </p:spPr>
+        <p:txBody>
+          <a:bodyPr vert="horz" lIns="91440" tIns="45720" rIns="91440" bIns="45720" rtlCol="0" anchor="b">
+            <a:normAutofit/>
+          </a:bodyPr>
+          <a:lstStyle>
+            <a:lvl1pPr>
+              <a:buNone/>
+              <a:defRPr lang="en-US" sz="2800" b="0" cap="none" dirty="0">
+                <a:ln w="3175" cmpd="sng">
+                  <a:noFill/>
+                </a:ln>
+                <a:solidFill>
+                  <a:schemeClr val="tx1"/>
+                </a:solidFill>
+                <a:effectLst/>
+              </a:defRPr>
+            </a:lvl1pPr>
+          </a:lstStyle>
+          <a:p>
+            <a:pPr marL="0" lvl="0">
+              <a:spcBef>
+                <a:spcPct val="0"/>
+              </a:spcBef>
+              <a:buNone/>
+            </a:pPr>
+            <a:r>
+              <a:rPr lang="hu-HU"/>
+              <a:t>Mintaszöveg szerkesztése</a:t>
+            </a:r>
+          </a:p>
+        </p:txBody>
+      </p:sp>
+      <p:sp>
+        <p:nvSpPr>
+          <p:cNvPr id="3" name="Text Placeholder 2"/>
+          <p:cNvSpPr>
+            <a:spLocks noGrp="1"/>
+          </p:cNvSpPr>
+          <p:nvPr>
+            <p:ph type="body" idx="1"/>
+          </p:nvPr>
+        </p:nvSpPr>
+        <p:spPr>
+          <a:xfrm>
+            <a:off x="685800" y="4343400"/>
+            <a:ext cx="10131428" cy="1447800"/>
+          </a:xfrm>
+        </p:spPr>
+        <p:txBody>
+          <a:bodyPr anchor="t">
+            <a:normAutofit/>
+          </a:bodyPr>
+          <a:lstStyle>
+            <a:lvl1pPr marL="0" indent="0" algn="l">
+              <a:buNone/>
+              <a:defRPr sz="1800">
+                <a:solidFill>
+                  <a:schemeClr val="tx1"/>
+                </a:solidFill>
+              </a:defRPr>
+            </a:lvl1pPr>
+            <a:lvl2pPr marL="457200" indent="0">
+              <a:buNone/>
+              <a:defRPr sz="1800">
+                <a:solidFill>
+                  <a:schemeClr val="tx1">
+                    <a:tint val="75000"/>
+                  </a:schemeClr>
+                </a:solidFill>
+              </a:defRPr>
+            </a:lvl2pPr>
+            <a:lvl3pPr marL="914400" indent="0">
+              <a:buNone/>
+              <a:defRPr sz="1600">
+                <a:solidFill>
+                  <a:schemeClr val="tx1">
+                    <a:tint val="75000"/>
+                  </a:schemeClr>
+                </a:solidFill>
+              </a:defRPr>
+            </a:lvl3pPr>
+            <a:lvl4pPr marL="1371600" indent="0">
+              <a:buNone/>
+              <a:defRPr sz="1400">
+                <a:solidFill>
+                  <a:schemeClr val="tx1">
+                    <a:tint val="75000"/>
+                  </a:schemeClr>
+                </a:solidFill>
+              </a:defRPr>
+            </a:lvl4pPr>
+            <a:lvl5pPr marL="1828800" indent="0">
+              <a:buNone/>
+              <a:defRPr sz="1400">
+                <a:solidFill>
+                  <a:schemeClr val="tx1">
+                    <a:tint val="75000"/>
+                  </a:schemeClr>
+                </a:solidFill>
+              </a:defRPr>
+            </a:lvl5pPr>
+            <a:lvl6pPr marL="2286000" indent="0">
+              <a:buNone/>
+              <a:defRPr sz="1400">
+                <a:solidFill>
+                  <a:schemeClr val="tx1">
+                    <a:tint val="75000"/>
+                  </a:schemeClr>
+                </a:solidFill>
+              </a:defRPr>
+            </a:lvl6pPr>
+            <a:lvl7pPr marL="2743200" indent="0">
+              <a:buNone/>
+              <a:defRPr sz="1400">
+                <a:solidFill>
+                  <a:schemeClr val="tx1">
+                    <a:tint val="75000"/>
+                  </a:schemeClr>
+                </a:solidFill>
+              </a:defRPr>
+            </a:lvl7pPr>
+            <a:lvl8pPr marL="3200400" indent="0">
+              <a:buNone/>
+              <a:defRPr sz="1400">
+                <a:solidFill>
+                  <a:schemeClr val="tx1">
+                    <a:tint val="75000"/>
+                  </a:schemeClr>
+                </a:solidFill>
+              </a:defRPr>
+            </a:lvl8pPr>
+            <a:lvl9pPr marL="3657600" indent="0">
+              <a:buNone/>
+              <a:defRPr sz="1400">
+                <a:solidFill>
+                  <a:schemeClr val="tx1">
+                    <a:tint val="75000"/>
+                  </a:schemeClr>
+                </a:solidFill>
+              </a:defRPr>
+            </a:lvl9pPr>
+          </a:lstStyle>
+          <a:p>
+            <a:pPr lvl="0"/>
+            <a:r>
+              <a:rPr lang="hu-HU"/>
+              <a:t>Mintaszöveg szerkesztése</a:t>
+            </a:r>
+          </a:p>
+        </p:txBody>
+      </p:sp>
+      <p:sp>
+        <p:nvSpPr>
+          <p:cNvPr id="4" name="Date Placeholder 3"/>
+          <p:cNvSpPr>
+            <a:spLocks noGrp="1"/>
+          </p:cNvSpPr>
+          <p:nvPr>
+            <p:ph type="dt" sz="half" idx="10"/>
+          </p:nvPr>
+        </p:nvSpPr>
+        <p:spPr/>
+        <p:txBody>
+          <a:bodyPr/>
+          <a:lstStyle/>
+          <a:p>
+            <a:fld id="{B61BEF0D-F0BB-DE4B-95CE-6DB70DBA9567}" type="datetimeFigureOut">
+              <a:rPr lang="en-US" smtClean="0"/>
+              <a:pPr/>
+              <a:t>1/15/2024</a:t>
+            </a:fld>
+            <a:endParaRPr lang="en-US" dirty="0"/>
+          </a:p>
+        </p:txBody>
+      </p:sp>
+      <p:sp>
+        <p:nvSpPr>
+          <p:cNvPr id="5" name="Footer Placeholder 4"/>
+          <p:cNvSpPr>
+            <a:spLocks noGrp="1"/>
+          </p:cNvSpPr>
+          <p:nvPr>
+            <p:ph type="ftr" sz="quarter" idx="11"/>
+          </p:nvPr>
+        </p:nvSpPr>
+        <p:spPr/>
+        <p:txBody>
+          <a:bodyPr/>
+          <a:lstStyle/>
+          <a:p>
+            <a:endParaRPr lang="en-US" dirty="0"/>
+          </a:p>
+        </p:txBody>
+      </p:sp>
+      <p:sp>
+        <p:nvSpPr>
+          <p:cNvPr id="6" name="Slide Number Placeholder 5"/>
+          <p:cNvSpPr>
+            <a:spLocks noGrp="1"/>
+          </p:cNvSpPr>
+          <p:nvPr>
+            <p:ph type="sldNum" sz="quarter" idx="12"/>
+          </p:nvPr>
+        </p:nvSpPr>
+        <p:spPr/>
+        <p:txBody>
+          <a:bodyPr/>
+          <a:lstStyle/>
+          <a:p>
+            <a:fld id="{D57F1E4F-1CFF-5643-939E-217C01CDF565}" type="slidenum">
+              <a:rPr lang="en-US" smtClean="0"/>
+              <a:pPr/>
+              <a:t>‹#›</a:t>
+            </a:fld>
+            <a:endParaRPr lang="en-US" dirty="0"/>
+          </a:p>
+        </p:txBody>
+      </p:sp>
+    </p:spTree>
+    <p:extLst>
+      <p:ext uri="{BB962C8B-B14F-4D97-AF65-F5344CB8AC3E}">
+        <p14:creationId xmlns:p14="http://schemas.microsoft.com/office/powerpoint/2010/main" val="395844909"/>
+      </p:ext>
+    </p:extLst>
+  </p:cSld>
+  <p:clrMapOvr>
+    <a:masterClrMapping/>
+  </p:clrMapOvr>
+  <p:hf sldNum="0" hdr="0" ftr="0" dt="0"/>
+</p:sldLayout>
+</file>
+
+<file path=ppt/slideLayouts/slideLayout61.xml><?xml version="1.0" encoding="utf-8"?>
+<p:sldLayout xmlns:a="http://schemas.openxmlformats.org/drawingml/2006/main" xmlns:r="http://schemas.openxmlformats.org/officeDocument/2006/relationships" xmlns:p="http://schemas.openxmlformats.org/presentationml/2006/main" type="vertTx" preserve="1">
+  <p:cSld name="Cím és függőleges szöveg">
+    <p:spTree>
+      <p:nvGrpSpPr>
+        <p:cNvPr id="1" name=""/>
+        <p:cNvGrpSpPr/>
+        <p:nvPr/>
+      </p:nvGrpSpPr>
+      <p:grpSpPr>
+        <a:xfrm>
+          <a:off x="0" y="0"/>
+          <a:ext cx="0" cy="0"/>
+          <a:chOff x="0" y="0"/>
+          <a:chExt cx="0" cy="0"/>
+        </a:xfrm>
+      </p:grpSpPr>
+      <p:pic>
+        <p:nvPicPr>
+          <p:cNvPr id="7" name="Picture 6" descr="Celestia-R1---OverlayContentHD.png"/>
+          <p:cNvPicPr>
+            <a:picLocks noChangeAspect="1"/>
+          </p:cNvPicPr>
+          <p:nvPr/>
+        </p:nvPicPr>
+        <p:blipFill>
+          <a:blip r:embed="rId2">
+            <a:extLst>
+              <a:ext uri="{28A0092B-C50C-407E-A947-70E740481C1C}">
+                <a14:useLocalDpi xmlns:a14="http://schemas.microsoft.com/office/drawing/2010/main" val="0"/>
+              </a:ext>
+            </a:extLst>
+          </a:blip>
+          <a:stretch>
+            <a:fillRect/>
+          </a:stretch>
+        </p:blipFill>
+        <p:spPr>
+          <a:xfrm>
+            <a:off x="0" y="0"/>
+            <a:ext cx="12188825" cy="6856214"/>
+          </a:xfrm>
+          <a:prstGeom prst="rect">
+            <a:avLst/>
+          </a:prstGeom>
+        </p:spPr>
+      </p:pic>
+      <p:sp>
+        <p:nvSpPr>
+          <p:cNvPr id="8" name="Title 1"/>
+          <p:cNvSpPr>
+            <a:spLocks noGrp="1"/>
+          </p:cNvSpPr>
+          <p:nvPr>
+            <p:ph type="title"/>
+          </p:nvPr>
+        </p:nvSpPr>
+        <p:spPr>
+          <a:xfrm>
+            <a:off x="685801" y="609600"/>
+            <a:ext cx="10131425" cy="1456267"/>
+          </a:xfrm>
+        </p:spPr>
+        <p:txBody>
+          <a:bodyPr/>
+          <a:lstStyle/>
+          <a:p>
+            <a:r>
+              <a:rPr lang="hu-HU"/>
+              <a:t>Mintacím szerkesztése</a:t>
+            </a:r>
+            <a:endParaRPr lang="en-US" dirty="0"/>
+          </a:p>
+        </p:txBody>
+      </p:sp>
+      <p:sp>
+        <p:nvSpPr>
+          <p:cNvPr id="3" name="Vertical Text Placeholder 2"/>
+          <p:cNvSpPr>
+            <a:spLocks noGrp="1"/>
+          </p:cNvSpPr>
+          <p:nvPr>
+            <p:ph type="body" orient="vert" idx="1"/>
+          </p:nvPr>
+        </p:nvSpPr>
+        <p:spPr/>
+        <p:txBody>
+          <a:bodyPr vert="eaVert" anchor="t"/>
+          <a:lstStyle/>
+          <a:p>
+            <a:pPr lvl="0"/>
+            <a:r>
+              <a:rPr lang="hu-HU"/>
+              <a:t>Mintaszöveg szerkesztése</a:t>
+            </a:r>
+          </a:p>
+          <a:p>
+            <a:pPr lvl="1"/>
+            <a:r>
+              <a:rPr lang="hu-HU"/>
+              <a:t>Második szint</a:t>
+            </a:r>
+          </a:p>
+          <a:p>
+            <a:pPr lvl="2"/>
+            <a:r>
+              <a:rPr lang="hu-HU"/>
+              <a:t>Harmadik szint</a:t>
+            </a:r>
+          </a:p>
+          <a:p>
+            <a:pPr lvl="3"/>
+            <a:r>
+              <a:rPr lang="hu-HU"/>
+              <a:t>Negyedik szint</a:t>
+            </a:r>
+          </a:p>
+          <a:p>
+            <a:pPr lvl="4"/>
+            <a:r>
+              <a:rPr lang="hu-HU"/>
+              <a:t>Ötödik szint</a:t>
+            </a:r>
+            <a:endParaRPr lang="en-US" dirty="0"/>
+          </a:p>
+        </p:txBody>
+      </p:sp>
+      <p:sp>
+        <p:nvSpPr>
+          <p:cNvPr id="4" name="Date Placeholder 3"/>
+          <p:cNvSpPr>
+            <a:spLocks noGrp="1"/>
+          </p:cNvSpPr>
+          <p:nvPr>
+            <p:ph type="dt" sz="half" idx="10"/>
+          </p:nvPr>
+        </p:nvSpPr>
+        <p:spPr/>
+        <p:txBody>
+          <a:bodyPr/>
+          <a:lstStyle/>
+          <a:p>
+            <a:fld id="{B61BEF0D-F0BB-DE4B-95CE-6DB70DBA9567}" type="datetimeFigureOut">
+              <a:rPr lang="en-US" smtClean="0"/>
+              <a:pPr/>
+              <a:t>1/15/2024</a:t>
+            </a:fld>
+            <a:endParaRPr lang="en-US" dirty="0"/>
+          </a:p>
+        </p:txBody>
+      </p:sp>
+      <p:sp>
+        <p:nvSpPr>
+          <p:cNvPr id="5" name="Footer Placeholder 4"/>
+          <p:cNvSpPr>
+            <a:spLocks noGrp="1"/>
+          </p:cNvSpPr>
+          <p:nvPr>
+            <p:ph type="ftr" sz="quarter" idx="11"/>
+          </p:nvPr>
+        </p:nvSpPr>
+        <p:spPr/>
+        <p:txBody>
+          <a:bodyPr/>
+          <a:lstStyle/>
+          <a:p>
+            <a:endParaRPr lang="en-US" dirty="0"/>
+          </a:p>
+        </p:txBody>
+      </p:sp>
+      <p:sp>
+        <p:nvSpPr>
+          <p:cNvPr id="6" name="Slide Number Placeholder 5"/>
+          <p:cNvSpPr>
+            <a:spLocks noGrp="1"/>
+          </p:cNvSpPr>
+          <p:nvPr>
+            <p:ph type="sldNum" sz="quarter" idx="12"/>
+          </p:nvPr>
+        </p:nvSpPr>
+        <p:spPr/>
+        <p:txBody>
+          <a:bodyPr/>
+          <a:lstStyle/>
+          <a:p>
+            <a:fld id="{D57F1E4F-1CFF-5643-939E-217C01CDF565}" type="slidenum">
+              <a:rPr lang="en-US" smtClean="0"/>
+              <a:pPr/>
+              <a:t>‹#›</a:t>
+            </a:fld>
+            <a:endParaRPr lang="en-US" dirty="0"/>
+          </a:p>
+        </p:txBody>
+      </p:sp>
+    </p:spTree>
+    <p:extLst>
+      <p:ext uri="{BB962C8B-B14F-4D97-AF65-F5344CB8AC3E}">
+        <p14:creationId xmlns:p14="http://schemas.microsoft.com/office/powerpoint/2010/main" val="1951076808"/>
+      </p:ext>
+    </p:extLst>
+  </p:cSld>
+  <p:clrMapOvr>
+    <a:masterClrMapping/>
+  </p:clrMapOvr>
+  <p:hf sldNum="0" hdr="0" ftr="0" dt="0"/>
+</p:sldLayout>
+</file>
+
+<file path=ppt/slideLayouts/slideLayout62.xml><?xml version="1.0" encoding="utf-8"?>
+<p:sldLayout xmlns:a="http://schemas.openxmlformats.org/drawingml/2006/main" xmlns:r="http://schemas.openxmlformats.org/officeDocument/2006/relationships" xmlns:p="http://schemas.openxmlformats.org/presentationml/2006/main" type="vertTitleAndTx" preserve="1">
+  <p:cSld name="Függőleges cím és szöveg">
+    <p:spTree>
+      <p:nvGrpSpPr>
+        <p:cNvPr id="1" name=""/>
+        <p:cNvGrpSpPr/>
+        <p:nvPr/>
+      </p:nvGrpSpPr>
+      <p:grpSpPr>
+        <a:xfrm>
+          <a:off x="0" y="0"/>
+          <a:ext cx="0" cy="0"/>
+          <a:chOff x="0" y="0"/>
+          <a:chExt cx="0" cy="0"/>
+        </a:xfrm>
+      </p:grpSpPr>
+      <p:pic>
+        <p:nvPicPr>
+          <p:cNvPr id="7" name="Picture 6" descr="Celestia-R1---OverlayContentHD.png"/>
+          <p:cNvPicPr>
+            <a:picLocks noChangeAspect="1"/>
+          </p:cNvPicPr>
+          <p:nvPr/>
+        </p:nvPicPr>
+        <p:blipFill>
+          <a:blip r:embed="rId2">
+            <a:extLst>
+              <a:ext uri="{28A0092B-C50C-407E-A947-70E740481C1C}">
+                <a14:useLocalDpi xmlns:a14="http://schemas.microsoft.com/office/drawing/2010/main" val="0"/>
+              </a:ext>
+            </a:extLst>
+          </a:blip>
+          <a:stretch>
+            <a:fillRect/>
+          </a:stretch>
+        </p:blipFill>
+        <p:spPr>
+          <a:xfrm>
+            <a:off x="0" y="0"/>
+            <a:ext cx="12188825" cy="6856214"/>
+          </a:xfrm>
+          <a:prstGeom prst="rect">
+            <a:avLst/>
+          </a:prstGeom>
+        </p:spPr>
+      </p:pic>
+      <p:sp>
+        <p:nvSpPr>
+          <p:cNvPr id="2" name="Vertical Title 1"/>
+          <p:cNvSpPr>
+            <a:spLocks noGrp="1"/>
+          </p:cNvSpPr>
+          <p:nvPr>
+            <p:ph type="title" orient="vert"/>
+          </p:nvPr>
+        </p:nvSpPr>
+        <p:spPr>
+          <a:xfrm>
+            <a:off x="8658675" y="609599"/>
+            <a:ext cx="2158552" cy="5181601"/>
+          </a:xfrm>
+        </p:spPr>
+        <p:txBody>
+          <a:bodyPr vert="eaVert"/>
+          <a:lstStyle/>
+          <a:p>
+            <a:r>
+              <a:rPr lang="hu-HU"/>
+              <a:t>Mintacím szerkesztése</a:t>
+            </a:r>
+            <a:endParaRPr lang="en-US" dirty="0"/>
+          </a:p>
+        </p:txBody>
+      </p:sp>
+      <p:sp>
+        <p:nvSpPr>
+          <p:cNvPr id="3" name="Vertical Text Placeholder 2"/>
+          <p:cNvSpPr>
+            <a:spLocks noGrp="1"/>
+          </p:cNvSpPr>
+          <p:nvPr>
+            <p:ph type="body" orient="vert" idx="1"/>
+          </p:nvPr>
+        </p:nvSpPr>
+        <p:spPr>
+          <a:xfrm>
+            <a:off x="685800" y="609600"/>
+            <a:ext cx="7832116" cy="5181600"/>
+          </a:xfrm>
+        </p:spPr>
+        <p:txBody>
+          <a:bodyPr vert="eaVert" anchor="t"/>
+          <a:lstStyle/>
+          <a:p>
+            <a:pPr lvl="0"/>
+            <a:r>
+              <a:rPr lang="hu-HU"/>
+              <a:t>Mintaszöveg szerkesztése</a:t>
+            </a:r>
+          </a:p>
+          <a:p>
+            <a:pPr lvl="1"/>
+            <a:r>
+              <a:rPr lang="hu-HU"/>
+              <a:t>Második szint</a:t>
+            </a:r>
+          </a:p>
+          <a:p>
+            <a:pPr lvl="2"/>
+            <a:r>
+              <a:rPr lang="hu-HU"/>
+              <a:t>Harmadik szint</a:t>
+            </a:r>
+          </a:p>
+          <a:p>
+            <a:pPr lvl="3"/>
+            <a:r>
+              <a:rPr lang="hu-HU"/>
+              <a:t>Negyedik szint</a:t>
+            </a:r>
+          </a:p>
+          <a:p>
+            <a:pPr lvl="4"/>
+            <a:r>
+              <a:rPr lang="hu-HU"/>
+              <a:t>Ötödik szint</a:t>
+            </a:r>
+            <a:endParaRPr lang="en-US" dirty="0"/>
+          </a:p>
+        </p:txBody>
+      </p:sp>
+      <p:sp>
+        <p:nvSpPr>
+          <p:cNvPr id="4" name="Date Placeholder 3"/>
+          <p:cNvSpPr>
+            <a:spLocks noGrp="1"/>
+          </p:cNvSpPr>
+          <p:nvPr>
+            <p:ph type="dt" sz="half" idx="10"/>
+          </p:nvPr>
+        </p:nvSpPr>
+        <p:spPr/>
+        <p:txBody>
+          <a:bodyPr/>
+          <a:lstStyle/>
+          <a:p>
+            <a:fld id="{B61BEF0D-F0BB-DE4B-95CE-6DB70DBA9567}" type="datetimeFigureOut">
+              <a:rPr lang="en-US" smtClean="0"/>
+              <a:pPr/>
+              <a:t>1/15/2024</a:t>
+            </a:fld>
+            <a:endParaRPr lang="en-US" dirty="0"/>
+          </a:p>
+        </p:txBody>
+      </p:sp>
+      <p:sp>
+        <p:nvSpPr>
+          <p:cNvPr id="5" name="Footer Placeholder 4"/>
+          <p:cNvSpPr>
+            <a:spLocks noGrp="1"/>
+          </p:cNvSpPr>
+          <p:nvPr>
+            <p:ph type="ftr" sz="quarter" idx="11"/>
+          </p:nvPr>
+        </p:nvSpPr>
+        <p:spPr/>
+        <p:txBody>
+          <a:bodyPr/>
+          <a:lstStyle/>
+          <a:p>
+            <a:endParaRPr lang="en-US" dirty="0"/>
+          </a:p>
+        </p:txBody>
+      </p:sp>
+      <p:sp>
+        <p:nvSpPr>
+          <p:cNvPr id="6" name="Slide Number Placeholder 5"/>
+          <p:cNvSpPr>
+            <a:spLocks noGrp="1"/>
+          </p:cNvSpPr>
+          <p:nvPr>
+            <p:ph type="sldNum" sz="quarter" idx="12"/>
+          </p:nvPr>
+        </p:nvSpPr>
+        <p:spPr/>
+        <p:txBody>
+          <a:bodyPr/>
+          <a:lstStyle/>
+          <a:p>
+            <a:fld id="{D57F1E4F-1CFF-5643-939E-217C01CDF565}" type="slidenum">
+              <a:rPr lang="en-US" smtClean="0"/>
+              <a:pPr/>
+              <a:t>‹#›</a:t>
+            </a:fld>
+            <a:endParaRPr lang="en-US" dirty="0"/>
+          </a:p>
+        </p:txBody>
+      </p:sp>
+    </p:spTree>
+    <p:extLst>
+      <p:ext uri="{BB962C8B-B14F-4D97-AF65-F5344CB8AC3E}">
+        <p14:creationId xmlns:p14="http://schemas.microsoft.com/office/powerpoint/2010/main" val="3991511603"/>
+      </p:ext>
+    </p:extLst>
+  </p:cSld>
+  <p:clrMapOvr>
+    <a:masterClrMapping/>
+  </p:clrMapOvr>
+  <p:hf sldNum="0" hdr="0" ftr="0" dt="0"/>
 </p:sldLayout>
 </file>
 
@@ -40391,6 +45487,657 @@
 </p:sldMaster>
 </file>
 
+<file path=ppt/slideMasters/slideMaster7.xml><?xml version="1.0" encoding="utf-8"?>
+<p:sldMaster xmlns:a="http://schemas.openxmlformats.org/drawingml/2006/main" xmlns:r="http://schemas.openxmlformats.org/officeDocument/2006/relationships" xmlns:p="http://schemas.openxmlformats.org/presentationml/2006/main">
+  <p:cSld>
+    <p:bg>
+      <p:bgRef idx="1003">
+        <a:schemeClr val="bg2"/>
+      </p:bgRef>
+    </p:bg>
+    <p:spTree>
+      <p:nvGrpSpPr>
+        <p:cNvPr id="1" name=""/>
+        <p:cNvGrpSpPr/>
+        <p:nvPr/>
+      </p:nvGrpSpPr>
+      <p:grpSpPr>
+        <a:xfrm>
+          <a:off x="0" y="0"/>
+          <a:ext cx="0" cy="0"/>
+          <a:chOff x="0" y="0"/>
+          <a:chExt cx="0" cy="0"/>
+        </a:xfrm>
+      </p:grpSpPr>
+      <p:sp>
+        <p:nvSpPr>
+          <p:cNvPr id="2" name="Title Placeholder 1"/>
+          <p:cNvSpPr>
+            <a:spLocks noGrp="1"/>
+          </p:cNvSpPr>
+          <p:nvPr>
+            <p:ph type="title"/>
+          </p:nvPr>
+        </p:nvSpPr>
+        <p:spPr>
+          <a:xfrm>
+            <a:off x="685801" y="609600"/>
+            <a:ext cx="10131425" cy="1456267"/>
+          </a:xfrm>
+          <a:prstGeom prst="rect">
+            <a:avLst/>
+          </a:prstGeom>
+          <a:effectLst/>
+        </p:spPr>
+        <p:txBody>
+          <a:bodyPr vert="horz" lIns="91440" tIns="45720" rIns="91440" bIns="45720" rtlCol="0" anchor="ctr">
+            <a:normAutofit/>
+          </a:bodyPr>
+          <a:lstStyle/>
+          <a:p>
+            <a:r>
+              <a:rPr lang="hu-HU"/>
+              <a:t>Mintacím szerkesztése</a:t>
+            </a:r>
+            <a:endParaRPr lang="en-US" dirty="0"/>
+          </a:p>
+        </p:txBody>
+      </p:sp>
+      <p:sp>
+        <p:nvSpPr>
+          <p:cNvPr id="3" name="Text Placeholder 2"/>
+          <p:cNvSpPr>
+            <a:spLocks noGrp="1"/>
+          </p:cNvSpPr>
+          <p:nvPr>
+            <p:ph type="body" idx="1"/>
+          </p:nvPr>
+        </p:nvSpPr>
+        <p:spPr>
+          <a:xfrm>
+            <a:off x="685801" y="2142067"/>
+            <a:ext cx="10131425" cy="3649133"/>
+          </a:xfrm>
+          <a:prstGeom prst="rect">
+            <a:avLst/>
+          </a:prstGeom>
+        </p:spPr>
+        <p:txBody>
+          <a:bodyPr vert="horz" lIns="91440" tIns="45720" rIns="91440" bIns="45720" rtlCol="0" anchor="ctr">
+            <a:normAutofit/>
+          </a:bodyPr>
+          <a:lstStyle/>
+          <a:p>
+            <a:pPr lvl="0"/>
+            <a:r>
+              <a:rPr lang="hu-HU"/>
+              <a:t>Mintaszöveg szerkesztése</a:t>
+            </a:r>
+          </a:p>
+          <a:p>
+            <a:pPr lvl="1"/>
+            <a:r>
+              <a:rPr lang="hu-HU"/>
+              <a:t>Második szint</a:t>
+            </a:r>
+          </a:p>
+          <a:p>
+            <a:pPr lvl="2"/>
+            <a:r>
+              <a:rPr lang="hu-HU"/>
+              <a:t>Harmadik szint</a:t>
+            </a:r>
+          </a:p>
+          <a:p>
+            <a:pPr lvl="3"/>
+            <a:r>
+              <a:rPr lang="hu-HU"/>
+              <a:t>Negyedik szint</a:t>
+            </a:r>
+          </a:p>
+          <a:p>
+            <a:pPr lvl="4"/>
+            <a:r>
+              <a:rPr lang="hu-HU"/>
+              <a:t>Ötödik szint</a:t>
+            </a:r>
+            <a:endParaRPr lang="en-US" dirty="0"/>
+          </a:p>
+        </p:txBody>
+      </p:sp>
+      <p:sp>
+        <p:nvSpPr>
+          <p:cNvPr id="4" name="Date Placeholder 3"/>
+          <p:cNvSpPr>
+            <a:spLocks noGrp="1"/>
+          </p:cNvSpPr>
+          <p:nvPr>
+            <p:ph type="dt" sz="half" idx="2"/>
+          </p:nvPr>
+        </p:nvSpPr>
+        <p:spPr>
+          <a:xfrm>
+            <a:off x="8589660" y="5870575"/>
+            <a:ext cx="1600200" cy="377825"/>
+          </a:xfrm>
+          <a:prstGeom prst="rect">
+            <a:avLst/>
+          </a:prstGeom>
+        </p:spPr>
+        <p:txBody>
+          <a:bodyPr vert="horz" lIns="91440" tIns="45720" rIns="91440" bIns="45720" rtlCol="0" anchor="ctr"/>
+          <a:lstStyle>
+            <a:lvl1pPr algn="r">
+              <a:defRPr sz="1000" b="0" i="0">
+                <a:solidFill>
+                  <a:schemeClr val="tx1"/>
+                </a:solidFill>
+                <a:effectLst/>
+                <a:latin typeface="+mn-lt"/>
+              </a:defRPr>
+            </a:lvl1pPr>
+          </a:lstStyle>
+          <a:p>
+            <a:fld id="{B61BEF0D-F0BB-DE4B-95CE-6DB70DBA9567}" type="datetimeFigureOut">
+              <a:rPr lang="en-US" dirty="0"/>
+              <a:pPr/>
+              <a:t>1/15/2024</a:t>
+            </a:fld>
+            <a:endParaRPr lang="en-US" dirty="0"/>
+          </a:p>
+        </p:txBody>
+      </p:sp>
+      <p:sp>
+        <p:nvSpPr>
+          <p:cNvPr id="5" name="Footer Placeholder 4"/>
+          <p:cNvSpPr>
+            <a:spLocks noGrp="1"/>
+          </p:cNvSpPr>
+          <p:nvPr>
+            <p:ph type="ftr" sz="quarter" idx="3"/>
+          </p:nvPr>
+        </p:nvSpPr>
+        <p:spPr>
+          <a:xfrm>
+            <a:off x="685800" y="5870575"/>
+            <a:ext cx="7827659" cy="377825"/>
+          </a:xfrm>
+          <a:prstGeom prst="rect">
+            <a:avLst/>
+          </a:prstGeom>
+        </p:spPr>
+        <p:txBody>
+          <a:bodyPr vert="horz" lIns="91440" tIns="45720" rIns="91440" bIns="45720" rtlCol="0" anchor="ctr"/>
+          <a:lstStyle>
+            <a:lvl1pPr algn="l">
+              <a:defRPr sz="1000" b="0" i="0">
+                <a:solidFill>
+                  <a:schemeClr val="tx1"/>
+                </a:solidFill>
+                <a:effectLst/>
+                <a:latin typeface="+mn-lt"/>
+              </a:defRPr>
+            </a:lvl1pPr>
+          </a:lstStyle>
+          <a:p>
+            <a:endParaRPr lang="en-US" dirty="0"/>
+          </a:p>
+        </p:txBody>
+      </p:sp>
+      <p:sp>
+        <p:nvSpPr>
+          <p:cNvPr id="6" name="Slide Number Placeholder 5"/>
+          <p:cNvSpPr>
+            <a:spLocks noGrp="1"/>
+          </p:cNvSpPr>
+          <p:nvPr>
+            <p:ph type="sldNum" sz="quarter" idx="4"/>
+          </p:nvPr>
+        </p:nvSpPr>
+        <p:spPr>
+          <a:xfrm>
+            <a:off x="10266060" y="5870575"/>
+            <a:ext cx="551167" cy="377825"/>
+          </a:xfrm>
+          <a:prstGeom prst="rect">
+            <a:avLst/>
+          </a:prstGeom>
+        </p:spPr>
+        <p:txBody>
+          <a:bodyPr vert="horz" lIns="91440" tIns="45720" rIns="91440" bIns="45720" rtlCol="0" anchor="ctr"/>
+          <a:lstStyle>
+            <a:lvl1pPr algn="r">
+              <a:defRPr sz="1000" b="0" i="0">
+                <a:solidFill>
+                  <a:schemeClr val="tx1"/>
+                </a:solidFill>
+                <a:effectLst/>
+                <a:latin typeface="+mn-lt"/>
+              </a:defRPr>
+            </a:lvl1pPr>
+          </a:lstStyle>
+          <a:p>
+            <a:fld id="{D57F1E4F-1CFF-5643-939E-217C01CDF565}" type="slidenum">
+              <a:rPr lang="en-US" dirty="0"/>
+              <a:pPr/>
+              <a:t>‹#›</a:t>
+            </a:fld>
+            <a:endParaRPr lang="en-US" dirty="0"/>
+          </a:p>
+        </p:txBody>
+      </p:sp>
+    </p:spTree>
+    <p:extLst>
+      <p:ext uri="{BB962C8B-B14F-4D97-AF65-F5344CB8AC3E}">
+        <p14:creationId xmlns:p14="http://schemas.microsoft.com/office/powerpoint/2010/main" val="2948773753"/>
+      </p:ext>
+    </p:extLst>
+  </p:cSld>
+  <p:clrMap bg1="dk1" tx1="lt1" bg2="dk2" tx2="lt2" accent1="accent1" accent2="accent2" accent3="accent3" accent4="accent4" accent5="accent5" accent6="accent6" hlink="hlink" folHlink="folHlink"/>
+  <p:sldLayoutIdLst>
+    <p:sldLayoutId id="2147483749" r:id="rId1"/>
+    <p:sldLayoutId id="2147483750" r:id="rId2"/>
+    <p:sldLayoutId id="2147483751" r:id="rId3"/>
+    <p:sldLayoutId id="2147483752" r:id="rId4"/>
+    <p:sldLayoutId id="2147483753" r:id="rId5"/>
+    <p:sldLayoutId id="2147483754" r:id="rId6"/>
+    <p:sldLayoutId id="2147483755" r:id="rId7"/>
+    <p:sldLayoutId id="2147483756" r:id="rId8"/>
+    <p:sldLayoutId id="2147483757" r:id="rId9"/>
+    <p:sldLayoutId id="2147483758" r:id="rId10"/>
+    <p:sldLayoutId id="2147483759" r:id="rId11"/>
+    <p:sldLayoutId id="2147483760" r:id="rId12"/>
+    <p:sldLayoutId id="2147483761" r:id="rId13"/>
+    <p:sldLayoutId id="2147483762" r:id="rId14"/>
+    <p:sldLayoutId id="2147483763" r:id="rId15"/>
+    <p:sldLayoutId id="2147483764" r:id="rId16"/>
+    <p:sldLayoutId id="2147483765" r:id="rId17"/>
+  </p:sldLayoutIdLst>
+  <p:txStyles>
+    <p:titleStyle>
+      <a:lvl1pPr algn="l" defTabSz="457200" rtl="0" eaLnBrk="1" latinLnBrk="0" hangingPunct="1">
+        <a:spcBef>
+          <a:spcPct val="0"/>
+        </a:spcBef>
+        <a:buNone/>
+        <a:defRPr sz="3600" kern="1200" cap="all">
+          <a:ln w="3175" cmpd="sng">
+            <a:noFill/>
+          </a:ln>
+          <a:solidFill>
+            <a:schemeClr val="tx1"/>
+          </a:solidFill>
+          <a:effectLst/>
+          <a:latin typeface="+mj-lt"/>
+          <a:ea typeface="+mj-ea"/>
+          <a:cs typeface="+mj-cs"/>
+        </a:defRPr>
+      </a:lvl1pPr>
+      <a:lvl2pPr eaLnBrk="1" hangingPunct="1">
+        <a:defRPr>
+          <a:solidFill>
+            <a:schemeClr val="tx2"/>
+          </a:solidFill>
+        </a:defRPr>
+      </a:lvl2pPr>
+      <a:lvl3pPr eaLnBrk="1" hangingPunct="1">
+        <a:defRPr>
+          <a:solidFill>
+            <a:schemeClr val="tx2"/>
+          </a:solidFill>
+        </a:defRPr>
+      </a:lvl3pPr>
+      <a:lvl4pPr eaLnBrk="1" hangingPunct="1">
+        <a:defRPr>
+          <a:solidFill>
+            <a:schemeClr val="tx2"/>
+          </a:solidFill>
+        </a:defRPr>
+      </a:lvl4pPr>
+      <a:lvl5pPr eaLnBrk="1" hangingPunct="1">
+        <a:defRPr>
+          <a:solidFill>
+            <a:schemeClr val="tx2"/>
+          </a:solidFill>
+        </a:defRPr>
+      </a:lvl5pPr>
+      <a:lvl6pPr eaLnBrk="1" hangingPunct="1">
+        <a:defRPr>
+          <a:solidFill>
+            <a:schemeClr val="tx2"/>
+          </a:solidFill>
+        </a:defRPr>
+      </a:lvl6pPr>
+      <a:lvl7pPr eaLnBrk="1" hangingPunct="1">
+        <a:defRPr>
+          <a:solidFill>
+            <a:schemeClr val="tx2"/>
+          </a:solidFill>
+        </a:defRPr>
+      </a:lvl7pPr>
+      <a:lvl8pPr eaLnBrk="1" hangingPunct="1">
+        <a:defRPr>
+          <a:solidFill>
+            <a:schemeClr val="tx2"/>
+          </a:solidFill>
+        </a:defRPr>
+      </a:lvl8pPr>
+      <a:lvl9pPr eaLnBrk="1" hangingPunct="1">
+        <a:defRPr>
+          <a:solidFill>
+            <a:schemeClr val="tx2"/>
+          </a:solidFill>
+        </a:defRPr>
+      </a:lvl9pPr>
+    </p:titleStyle>
+    <p:bodyStyle>
+      <a:lvl1pPr marL="285750" indent="-285750" algn="l" defTabSz="457200" rtl="0" eaLnBrk="1" latinLnBrk="0" hangingPunct="1">
+        <a:spcBef>
+          <a:spcPts val="0"/>
+        </a:spcBef>
+        <a:spcAft>
+          <a:spcPts val="1000"/>
+        </a:spcAft>
+        <a:buClr>
+          <a:schemeClr val="tx1"/>
+        </a:buClr>
+        <a:buSzPct val="100000"/>
+        <a:buFont typeface="Arial"/>
+        <a:buChar char="•"/>
+        <a:defRPr sz="1800" kern="1200" cap="none">
+          <a:solidFill>
+            <a:schemeClr val="tx1"/>
+          </a:solidFill>
+          <a:effectLst/>
+          <a:latin typeface="+mn-lt"/>
+          <a:ea typeface="+mn-ea"/>
+          <a:cs typeface="+mn-cs"/>
+        </a:defRPr>
+      </a:lvl1pPr>
+      <a:lvl2pPr marL="742950" indent="-285750" algn="l" defTabSz="457200" rtl="0" eaLnBrk="1" latinLnBrk="0" hangingPunct="1">
+        <a:spcBef>
+          <a:spcPts val="0"/>
+        </a:spcBef>
+        <a:spcAft>
+          <a:spcPts val="1000"/>
+        </a:spcAft>
+        <a:buClr>
+          <a:schemeClr val="tx1"/>
+        </a:buClr>
+        <a:buSzPct val="100000"/>
+        <a:buFont typeface="Arial"/>
+        <a:buChar char="•"/>
+        <a:defRPr sz="1600" kern="1200" cap="none">
+          <a:solidFill>
+            <a:schemeClr val="tx1"/>
+          </a:solidFill>
+          <a:effectLst/>
+          <a:latin typeface="+mn-lt"/>
+          <a:ea typeface="+mn-ea"/>
+          <a:cs typeface="+mn-cs"/>
+        </a:defRPr>
+      </a:lvl2pPr>
+      <a:lvl3pPr marL="1200150" indent="-285750" algn="l" defTabSz="457200" rtl="0" eaLnBrk="1" latinLnBrk="0" hangingPunct="1">
+        <a:spcBef>
+          <a:spcPts val="0"/>
+        </a:spcBef>
+        <a:spcAft>
+          <a:spcPts val="1000"/>
+        </a:spcAft>
+        <a:buClr>
+          <a:schemeClr val="tx1"/>
+        </a:buClr>
+        <a:buSzPct val="100000"/>
+        <a:buFont typeface="Arial"/>
+        <a:buChar char="•"/>
+        <a:defRPr sz="1400" kern="1200" cap="none">
+          <a:solidFill>
+            <a:schemeClr val="tx1"/>
+          </a:solidFill>
+          <a:effectLst/>
+          <a:latin typeface="+mn-lt"/>
+          <a:ea typeface="+mn-ea"/>
+          <a:cs typeface="+mn-cs"/>
+        </a:defRPr>
+      </a:lvl3pPr>
+      <a:lvl4pPr marL="1543050" indent="-171450" algn="l" defTabSz="457200" rtl="0" eaLnBrk="1" latinLnBrk="0" hangingPunct="1">
+        <a:spcBef>
+          <a:spcPts val="0"/>
+        </a:spcBef>
+        <a:spcAft>
+          <a:spcPts val="1000"/>
+        </a:spcAft>
+        <a:buClr>
+          <a:schemeClr val="tx1"/>
+        </a:buClr>
+        <a:buSzPct val="100000"/>
+        <a:buFont typeface="Arial"/>
+        <a:buChar char="•"/>
+        <a:defRPr sz="1200" kern="1200" cap="none">
+          <a:solidFill>
+            <a:schemeClr val="tx1"/>
+          </a:solidFill>
+          <a:effectLst/>
+          <a:latin typeface="+mn-lt"/>
+          <a:ea typeface="+mn-ea"/>
+          <a:cs typeface="+mn-cs"/>
+        </a:defRPr>
+      </a:lvl4pPr>
+      <a:lvl5pPr marL="2000250" indent="-171450" algn="l" defTabSz="457200" rtl="0" eaLnBrk="1" latinLnBrk="0" hangingPunct="1">
+        <a:spcBef>
+          <a:spcPts val="0"/>
+        </a:spcBef>
+        <a:spcAft>
+          <a:spcPts val="1000"/>
+        </a:spcAft>
+        <a:buClr>
+          <a:schemeClr val="tx1"/>
+        </a:buClr>
+        <a:buSzPct val="100000"/>
+        <a:buFont typeface="Arial"/>
+        <a:buChar char="•"/>
+        <a:defRPr sz="1200" kern="1200" cap="none">
+          <a:solidFill>
+            <a:schemeClr val="tx1"/>
+          </a:solidFill>
+          <a:effectLst/>
+          <a:latin typeface="+mn-lt"/>
+          <a:ea typeface="+mn-ea"/>
+          <a:cs typeface="+mn-cs"/>
+        </a:defRPr>
+      </a:lvl5pPr>
+      <a:lvl6pPr marL="2514600" indent="-228600" algn="l" defTabSz="457200" rtl="0" eaLnBrk="1" latinLnBrk="0" hangingPunct="1">
+        <a:spcBef>
+          <a:spcPts val="0"/>
+        </a:spcBef>
+        <a:spcAft>
+          <a:spcPts val="1000"/>
+        </a:spcAft>
+        <a:buClr>
+          <a:schemeClr val="tx1"/>
+        </a:buClr>
+        <a:buSzPct val="100000"/>
+        <a:buFont typeface="Arial"/>
+        <a:buChar char="•"/>
+        <a:defRPr sz="1200" kern="1200" cap="none">
+          <a:solidFill>
+            <a:schemeClr val="tx1"/>
+          </a:solidFill>
+          <a:effectLst/>
+          <a:latin typeface="+mn-lt"/>
+          <a:ea typeface="+mn-ea"/>
+          <a:cs typeface="+mn-cs"/>
+        </a:defRPr>
+      </a:lvl6pPr>
+      <a:lvl7pPr marL="2971800" indent="-228600" algn="l" defTabSz="457200" rtl="0" eaLnBrk="1" latinLnBrk="0" hangingPunct="1">
+        <a:spcBef>
+          <a:spcPts val="0"/>
+        </a:spcBef>
+        <a:spcAft>
+          <a:spcPts val="1000"/>
+        </a:spcAft>
+        <a:buClr>
+          <a:schemeClr val="tx1"/>
+        </a:buClr>
+        <a:buSzPct val="100000"/>
+        <a:buFont typeface="Arial"/>
+        <a:buChar char="•"/>
+        <a:defRPr sz="1200" kern="1200" cap="none">
+          <a:solidFill>
+            <a:schemeClr val="tx1"/>
+          </a:solidFill>
+          <a:effectLst/>
+          <a:latin typeface="+mn-lt"/>
+          <a:ea typeface="+mn-ea"/>
+          <a:cs typeface="+mn-cs"/>
+        </a:defRPr>
+      </a:lvl7pPr>
+      <a:lvl8pPr marL="3429000" indent="-228600" algn="l" defTabSz="457200" rtl="0" eaLnBrk="1" latinLnBrk="0" hangingPunct="1">
+        <a:spcBef>
+          <a:spcPts val="0"/>
+        </a:spcBef>
+        <a:spcAft>
+          <a:spcPts val="1000"/>
+        </a:spcAft>
+        <a:buClr>
+          <a:schemeClr val="tx1"/>
+        </a:buClr>
+        <a:buSzPct val="100000"/>
+        <a:buFont typeface="Arial"/>
+        <a:buChar char="•"/>
+        <a:defRPr sz="1200" kern="1200" cap="none">
+          <a:solidFill>
+            <a:schemeClr val="tx1"/>
+          </a:solidFill>
+          <a:effectLst/>
+          <a:latin typeface="+mn-lt"/>
+          <a:ea typeface="+mn-ea"/>
+          <a:cs typeface="+mn-cs"/>
+        </a:defRPr>
+      </a:lvl8pPr>
+      <a:lvl9pPr marL="3886200" indent="-228600" algn="l" defTabSz="457200" rtl="0" eaLnBrk="1" latinLnBrk="0" hangingPunct="1">
+        <a:spcBef>
+          <a:spcPts val="0"/>
+        </a:spcBef>
+        <a:spcAft>
+          <a:spcPts val="1000"/>
+        </a:spcAft>
+        <a:buClr>
+          <a:schemeClr val="tx1"/>
+        </a:buClr>
+        <a:buSzPct val="100000"/>
+        <a:buFont typeface="Arial"/>
+        <a:buChar char="•"/>
+        <a:defRPr sz="1200" kern="1200" cap="none">
+          <a:solidFill>
+            <a:schemeClr val="tx1"/>
+          </a:solidFill>
+          <a:effectLst/>
+          <a:latin typeface="+mn-lt"/>
+          <a:ea typeface="+mn-ea"/>
+          <a:cs typeface="+mn-cs"/>
+        </a:defRPr>
+      </a:lvl9pPr>
+    </p:bodyStyle>
+    <p:otherStyle>
+      <a:defPPr>
+        <a:defRPr lang="en-US"/>
+      </a:defPPr>
+      <a:lvl1pPr marL="0" algn="l" defTabSz="457200" rtl="0" eaLnBrk="1" latinLnBrk="0" hangingPunct="1">
+        <a:defRPr sz="1800" kern="1200">
+          <a:solidFill>
+            <a:schemeClr val="tx1"/>
+          </a:solidFill>
+          <a:latin typeface="+mn-lt"/>
+          <a:ea typeface="+mn-ea"/>
+          <a:cs typeface="+mn-cs"/>
+        </a:defRPr>
+      </a:lvl1pPr>
+      <a:lvl2pPr marL="457200" algn="l" defTabSz="457200" rtl="0" eaLnBrk="1" latinLnBrk="0" hangingPunct="1">
+        <a:defRPr sz="1800" kern="1200">
+          <a:solidFill>
+            <a:schemeClr val="tx1"/>
+          </a:solidFill>
+          <a:latin typeface="+mn-lt"/>
+          <a:ea typeface="+mn-ea"/>
+          <a:cs typeface="+mn-cs"/>
+        </a:defRPr>
+      </a:lvl2pPr>
+      <a:lvl3pPr marL="914400" algn="l" defTabSz="457200" rtl="0" eaLnBrk="1" latinLnBrk="0" hangingPunct="1">
+        <a:defRPr sz="1800" kern="1200">
+          <a:solidFill>
+            <a:schemeClr val="tx1"/>
+          </a:solidFill>
+          <a:latin typeface="+mn-lt"/>
+          <a:ea typeface="+mn-ea"/>
+          <a:cs typeface="+mn-cs"/>
+        </a:defRPr>
+      </a:lvl3pPr>
+      <a:lvl4pPr marL="1371600" algn="l" defTabSz="457200" rtl="0" eaLnBrk="1" latinLnBrk="0" hangingPunct="1">
+        <a:defRPr sz="1800" kern="1200">
+          <a:solidFill>
+            <a:schemeClr val="tx1"/>
+          </a:solidFill>
+          <a:latin typeface="+mn-lt"/>
+          <a:ea typeface="+mn-ea"/>
+          <a:cs typeface="+mn-cs"/>
+        </a:defRPr>
+      </a:lvl4pPr>
+      <a:lvl5pPr marL="1828800" algn="l" defTabSz="457200" rtl="0" eaLnBrk="1" latinLnBrk="0" hangingPunct="1">
+        <a:defRPr sz="1800" kern="1200">
+          <a:solidFill>
+            <a:schemeClr val="tx1"/>
+          </a:solidFill>
+          <a:latin typeface="+mn-lt"/>
+          <a:ea typeface="+mn-ea"/>
+          <a:cs typeface="+mn-cs"/>
+        </a:defRPr>
+      </a:lvl5pPr>
+      <a:lvl6pPr marL="2286000" algn="l" defTabSz="457200" rtl="0" eaLnBrk="1" latinLnBrk="0" hangingPunct="1">
+        <a:defRPr sz="1800" kern="1200">
+          <a:solidFill>
+            <a:schemeClr val="tx1"/>
+          </a:solidFill>
+          <a:latin typeface="+mn-lt"/>
+          <a:ea typeface="+mn-ea"/>
+          <a:cs typeface="+mn-cs"/>
+        </a:defRPr>
+      </a:lvl6pPr>
+      <a:lvl7pPr marL="2743200" algn="l" defTabSz="457200" rtl="0" eaLnBrk="1" latinLnBrk="0" hangingPunct="1">
+        <a:defRPr sz="1800" kern="1200">
+          <a:solidFill>
+            <a:schemeClr val="tx1"/>
+          </a:solidFill>
+          <a:latin typeface="+mn-lt"/>
+          <a:ea typeface="+mn-ea"/>
+          <a:cs typeface="+mn-cs"/>
+        </a:defRPr>
+      </a:lvl7pPr>
+      <a:lvl8pPr marL="3200400" algn="l" defTabSz="457200" rtl="0" eaLnBrk="1" latinLnBrk="0" hangingPunct="1">
+        <a:defRPr sz="1800" kern="1200">
+          <a:solidFill>
+            <a:schemeClr val="tx1"/>
+          </a:solidFill>
+          <a:latin typeface="+mn-lt"/>
+          <a:ea typeface="+mn-ea"/>
+          <a:cs typeface="+mn-cs"/>
+        </a:defRPr>
+      </a:lvl8pPr>
+      <a:lvl9pPr marL="3657600" algn="l" defTabSz="457200" rtl="0" eaLnBrk="1" latinLnBrk="0" hangingPunct="1">
+        <a:defRPr sz="1800" kern="1200">
+          <a:solidFill>
+            <a:schemeClr val="tx1"/>
+          </a:solidFill>
+          <a:latin typeface="+mn-lt"/>
+          <a:ea typeface="+mn-ea"/>
+          <a:cs typeface="+mn-cs"/>
+        </a:defRPr>
+      </a:lvl9pPr>
+    </p:otherStyle>
+  </p:txStyles>
+</p:sldMaster>
+</file>
+
 <file path=ppt/slides/slide1.xml><?xml version="1.0" encoding="utf-8"?>
 <p:sld xmlns:a="http://schemas.openxmlformats.org/drawingml/2006/main" xmlns:r="http://schemas.openxmlformats.org/officeDocument/2006/relationships" xmlns:p="http://schemas.openxmlformats.org/presentationml/2006/main">
   <p:cSld>
@@ -40431,7 +46178,9 @@
           </a:xfrm>
         </p:spPr>
         <p:txBody>
-          <a:bodyPr/>
+          <a:bodyPr>
+            <a:normAutofit fontScale="90000"/>
+          </a:bodyPr>
           <a:lstStyle/>
           <a:p>
             <a:pPr algn="ctr"/>
@@ -41842,7 +47591,9 @@
           </a:xfrm>
         </p:spPr>
         <p:txBody>
-          <a:bodyPr/>
+          <a:bodyPr>
+            <a:normAutofit fontScale="92500" lnSpcReduction="20000"/>
+          </a:bodyPr>
           <a:lstStyle/>
           <a:p>
             <a:r>
@@ -42825,7 +48576,12 @@
             <p:ph type="title"/>
           </p:nvPr>
         </p:nvSpPr>
-        <p:spPr/>
+        <p:spPr>
+          <a:xfrm>
+            <a:off x="685801" y="609600"/>
+            <a:ext cx="10131425" cy="1110143"/>
+          </a:xfrm>
+        </p:spPr>
         <p:txBody>
           <a:bodyPr/>
           <a:lstStyle/>
@@ -42859,8 +48615,8 @@
         </p:nvSpPr>
         <p:spPr>
           <a:xfrm>
-            <a:off x="1397800" y="2277400"/>
-            <a:ext cx="9396400" cy="3336000"/>
+            <a:off x="2703869" y="2109443"/>
+            <a:ext cx="6784262" cy="1905466"/>
           </a:xfrm>
         </p:spPr>
         <p:txBody>
@@ -44033,17 +49789,40 @@
           <a:lstStyle/>
           <a:p>
             <a:r>
+              <a:rPr lang="hu-HU" sz="8000" dirty="0" err="1">
+                <a:solidFill>
+                  <a:schemeClr val="accent5"/>
+                </a:solidFill>
+                <a:latin typeface="Söhne"/>
+                <a:hlinkClick r:id="rId2" action="ppaction://hlinkfile">
+                  <a:extLst>
+                    <a:ext uri="{A12FA001-AC4F-418D-AE19-62706E023703}">
+                      <ahyp:hlinkClr xmlns:ahyp="http://schemas.microsoft.com/office/drawing/2018/hyperlinkcolor" val="tx"/>
+                    </a:ext>
+                  </a:extLst>
+                </a:hlinkClick>
+              </a:rPr>
+              <a:t>Roshambo</a:t>
+            </a:r>
+            <a:r>
               <a:rPr lang="hu-HU" sz="8000" dirty="0">
                 <a:solidFill>
-                  <a:srgbClr val="94EA22"/>
-                </a:solidFill>
-                <a:hlinkClick r:id="rId2"/>
+                  <a:schemeClr val="accent5"/>
+                </a:solidFill>
+                <a:latin typeface="Söhne"/>
+                <a:hlinkClick r:id="rId2" action="ppaction://hlinkfile">
+                  <a:extLst>
+                    <a:ext uri="{A12FA001-AC4F-418D-AE19-62706E023703}">
+                      <ahyp:hlinkClr xmlns:ahyp="http://schemas.microsoft.com/office/drawing/2018/hyperlinkcolor" val="tx"/>
+                    </a:ext>
+                  </a:extLst>
+                </a:hlinkClick>
               </a:rPr>
-              <a:t>A weboldal linkje</a:t>
+              <a:t> II</a:t>
             </a:r>
             <a:endParaRPr lang="hu-HU" sz="8000" dirty="0">
               <a:solidFill>
-                <a:srgbClr val="94EA22"/>
+                <a:schemeClr val="accent5"/>
               </a:solidFill>
             </a:endParaRPr>
           </a:p>
@@ -45035,7 +50814,7 @@
         <p:spPr/>
         <p:txBody>
           <a:bodyPr>
-            <a:normAutofit/>
+            <a:normAutofit lnSpcReduction="10000"/>
           </a:bodyPr>
           <a:lstStyle/>
           <a:p>
@@ -45108,6 +50887,60 @@
               <a:t> vezetése</a:t>
             </a:r>
           </a:p>
+          <a:p>
+            <a:r>
+              <a:rPr lang="hu-HU" sz="2000" dirty="0" err="1">
+                <a:solidFill>
+                  <a:schemeClr val="bg1"/>
+                </a:solidFill>
+              </a:rPr>
+              <a:t>Git</a:t>
+            </a:r>
+            <a:r>
+              <a:rPr lang="hu-HU" sz="2000" dirty="0">
+                <a:solidFill>
+                  <a:schemeClr val="bg1"/>
+                </a:solidFill>
+              </a:rPr>
+              <a:t> </a:t>
+            </a:r>
+            <a:r>
+              <a:rPr lang="hu-HU" sz="2000" dirty="0" err="1">
+                <a:solidFill>
+                  <a:schemeClr val="bg1"/>
+                </a:solidFill>
+              </a:rPr>
+              <a:t>Repo</a:t>
+            </a:r>
+            <a:r>
+              <a:rPr lang="hu-HU" sz="2000" dirty="0">
+                <a:solidFill>
+                  <a:schemeClr val="bg1"/>
+                </a:solidFill>
+              </a:rPr>
+              <a:t> </a:t>
+            </a:r>
+            <a:r>
+              <a:rPr lang="en-US" sz="2000" dirty="0" err="1">
+                <a:solidFill>
+                  <a:schemeClr val="bg1"/>
+                </a:solidFill>
+              </a:rPr>
+              <a:t>kezelés</a:t>
+            </a:r>
+            <a:endParaRPr lang="hu-HU" sz="2000" dirty="0">
+              <a:solidFill>
+                <a:schemeClr val="bg1"/>
+              </a:solidFill>
+            </a:endParaRPr>
+          </a:p>
+          <a:p>
+            <a:endParaRPr lang="hu-HU" sz="2000" dirty="0">
+              <a:solidFill>
+                <a:schemeClr val="bg1"/>
+              </a:solidFill>
+            </a:endParaRPr>
+          </a:p>
         </p:txBody>
       </p:sp>
       <p:sp>
@@ -45129,7 +50962,7 @@
         <p:spPr/>
         <p:txBody>
           <a:bodyPr>
-            <a:normAutofit/>
+            <a:normAutofit lnSpcReduction="10000"/>
           </a:bodyPr>
           <a:lstStyle/>
           <a:p>
@@ -45184,45 +51017,6 @@
                   <a:schemeClr val="bg1"/>
                 </a:solidFill>
               </a:rPr>
-              <a:t>Git </a:t>
-            </a:r>
-            <a:r>
-              <a:rPr lang="hu-HU" sz="2000" dirty="0" err="1">
-                <a:solidFill>
-                  <a:schemeClr val="bg1"/>
-                </a:solidFill>
-              </a:rPr>
-              <a:t>Repo</a:t>
-            </a:r>
-            <a:r>
-              <a:rPr lang="hu-HU" sz="2000" dirty="0">
-                <a:solidFill>
-                  <a:schemeClr val="bg1"/>
-                </a:solidFill>
-              </a:rPr>
-              <a:t> </a:t>
-            </a:r>
-            <a:r>
-              <a:rPr lang="en-US" sz="2000" dirty="0" err="1">
-                <a:solidFill>
-                  <a:schemeClr val="bg1"/>
-                </a:solidFill>
-              </a:rPr>
-              <a:t>kezelés</a:t>
-            </a:r>
-            <a:endParaRPr lang="hu-HU" sz="2000" dirty="0">
-              <a:solidFill>
-                <a:schemeClr val="bg1"/>
-              </a:solidFill>
-            </a:endParaRPr>
-          </a:p>
-          <a:p>
-            <a:r>
-              <a:rPr lang="hu-HU" sz="2000" dirty="0">
-                <a:solidFill>
-                  <a:schemeClr val="bg1"/>
-                </a:solidFill>
-              </a:rPr>
               <a:t>A játék funkcióiért felel (JavaScript)</a:t>
             </a:r>
           </a:p>
@@ -45234,6 +51028,16 @@
                 </a:solidFill>
               </a:rPr>
               <a:t>Blog</a:t>
+            </a:r>
+          </a:p>
+          <a:p>
+            <a:r>
+              <a:rPr lang="hu-HU" sz="2000" dirty="0">
+                <a:solidFill>
+                  <a:schemeClr val="bg1"/>
+                </a:solidFill>
+              </a:rPr>
+              <a:t>Csapat vezetés</a:t>
             </a:r>
           </a:p>
         </p:txBody>
@@ -45424,6 +51228,55 @@
                                           </p:stCondLst>
                                         </p:cTn>
                                         <p:tgtEl>
+                                          <p:spTgt spid="7">
+                                            <p:txEl>
+                                              <p:pRg st="3" end="3"/>
+                                            </p:txEl>
+                                          </p:spTgt>
+                                        </p:tgtEl>
+                                        <p:attrNameLst>
+                                          <p:attrName>style.visibility</p:attrName>
+                                        </p:attrNameLst>
+                                      </p:cBhvr>
+                                      <p:to>
+                                        <p:strVal val="visible"/>
+                                      </p:to>
+                                    </p:set>
+                                  </p:childTnLst>
+                                </p:cTn>
+                              </p:par>
+                            </p:childTnLst>
+                          </p:cTn>
+                        </p:par>
+                      </p:childTnLst>
+                    </p:cTn>
+                  </p:par>
+                  <p:par>
+                    <p:cTn id="17" fill="hold">
+                      <p:stCondLst>
+                        <p:cond delay="indefinite"/>
+                      </p:stCondLst>
+                      <p:childTnLst>
+                        <p:par>
+                          <p:cTn id="18" fill="hold">
+                            <p:stCondLst>
+                              <p:cond delay="0"/>
+                            </p:stCondLst>
+                            <p:childTnLst>
+                              <p:par>
+                                <p:cTn id="19" presetID="1" presetClass="entr" presetSubtype="0" fill="hold" grpId="0" nodeType="clickEffect">
+                                  <p:stCondLst>
+                                    <p:cond delay="0"/>
+                                  </p:stCondLst>
+                                  <p:childTnLst>
+                                    <p:set>
+                                      <p:cBhvr>
+                                        <p:cTn id="20" dur="1" fill="hold">
+                                          <p:stCondLst>
+                                            <p:cond delay="0"/>
+                                          </p:stCondLst>
+                                        </p:cTn>
+                                        <p:tgtEl>
                                           <p:spTgt spid="8">
                                             <p:txEl>
                                               <p:pRg st="0" end="0"/>
@@ -45442,14 +51295,14 @@
                                 </p:cTn>
                               </p:par>
                               <p:par>
-                                <p:cTn id="17" presetID="1" presetClass="entr" presetSubtype="0" fill="hold" grpId="0" nodeType="withEffect">
+                                <p:cTn id="21" presetID="1" presetClass="entr" presetSubtype="0" fill="hold" grpId="0" nodeType="withEffect">
                                   <p:stCondLst>
                                     <p:cond delay="0"/>
                                   </p:stCondLst>
                                   <p:childTnLst>
                                     <p:set>
                                       <p:cBhvr>
-                                        <p:cTn id="18" dur="1" fill="hold">
+                                        <p:cTn id="22" dur="1" fill="hold">
                                           <p:stCondLst>
                                             <p:cond delay="0"/>
                                           </p:stCondLst>
@@ -45473,14 +51326,14 @@
                                 </p:cTn>
                               </p:par>
                               <p:par>
-                                <p:cTn id="19" presetID="1" presetClass="entr" presetSubtype="0" fill="hold" grpId="0" nodeType="withEffect">
+                                <p:cTn id="23" presetID="1" presetClass="entr" presetSubtype="0" fill="hold" grpId="0" nodeType="withEffect">
                                   <p:stCondLst>
                                     <p:cond delay="0"/>
                                   </p:stCondLst>
                                   <p:childTnLst>
                                     <p:set>
                                       <p:cBhvr>
-                                        <p:cTn id="20" dur="1" fill="hold">
+                                        <p:cTn id="24" dur="1" fill="hold">
                                           <p:stCondLst>
                                             <p:cond delay="0"/>
                                           </p:stCondLst>
@@ -45503,15 +51356,33 @@
                                   </p:childTnLst>
                                 </p:cTn>
                               </p:par>
+                            </p:childTnLst>
+                          </p:cTn>
+                        </p:par>
+                      </p:childTnLst>
+                    </p:cTn>
+                  </p:par>
+                  <p:par>
+                    <p:cTn id="25" fill="hold">
+                      <p:stCondLst>
+                        <p:cond delay="indefinite"/>
+                      </p:stCondLst>
+                      <p:childTnLst>
+                        <p:par>
+                          <p:cTn id="26" fill="hold">
+                            <p:stCondLst>
+                              <p:cond delay="0"/>
+                            </p:stCondLst>
+                            <p:childTnLst>
                               <p:par>
-                                <p:cTn id="21" presetID="1" presetClass="entr" presetSubtype="0" fill="hold" grpId="0" nodeType="withEffect">
+                                <p:cTn id="27" presetID="1" presetClass="entr" presetSubtype="0" fill="hold" grpId="0" nodeType="clickEffect">
                                   <p:stCondLst>
                                     <p:cond delay="0"/>
                                   </p:stCondLst>
                                   <p:childTnLst>
                                     <p:set>
                                       <p:cBhvr>
-                                        <p:cTn id="22" dur="1" fill="hold">
+                                        <p:cTn id="28" dur="1" fill="hold">
                                           <p:stCondLst>
                                             <p:cond delay="0"/>
                                           </p:stCondLst>
@@ -45639,7 +51510,7 @@
         <p:spPr/>
         <p:txBody>
           <a:bodyPr>
-            <a:normAutofit/>
+            <a:normAutofit lnSpcReduction="10000"/>
           </a:bodyPr>
           <a:lstStyle/>
           <a:p>
@@ -45730,7 +51601,7 @@
         <p:spPr/>
         <p:txBody>
           <a:bodyPr>
-            <a:normAutofit/>
+            <a:normAutofit lnSpcReduction="10000"/>
           </a:bodyPr>
           <a:lstStyle/>
           <a:p>
@@ -46268,7 +52139,9 @@
           </a:xfrm>
         </p:spPr>
         <p:txBody>
-          <a:bodyPr/>
+          <a:bodyPr>
+            <a:normAutofit fontScale="85000" lnSpcReduction="20000"/>
+          </a:bodyPr>
           <a:lstStyle/>
           <a:p>
             <a:pPr marL="158750" indent="0">
@@ -48421,4 +54294,253 @@
   <a:objectDefaults/>
   <a:extraClrSchemeLst/>
 </a:theme>
+</file>
+
+<file path=ppt/theme/theme7.xml><?xml version="1.0" encoding="utf-8"?>
+<a:theme xmlns:a="http://schemas.openxmlformats.org/drawingml/2006/main" name="Égi">
+  <a:themeElements>
+    <a:clrScheme name="Égi">
+      <a:dk1>
+        <a:sysClr val="windowText" lastClr="000000"/>
+      </a:dk1>
+      <a:lt1>
+        <a:sysClr val="window" lastClr="FFFFFF"/>
+      </a:lt1>
+      <a:dk2>
+        <a:srgbClr val="16476F"/>
+      </a:dk2>
+      <a:lt2>
+        <a:srgbClr val="EBEBEB"/>
+      </a:lt2>
+      <a:accent1>
+        <a:srgbClr val="E5B458"/>
+      </a:accent1>
+      <a:accent2>
+        <a:srgbClr val="F77754"/>
+      </a:accent2>
+      <a:accent3>
+        <a:srgbClr val="D8507E"/>
+      </a:accent3>
+      <a:accent4>
+        <a:srgbClr val="BC70EE"/>
+      </a:accent4>
+      <a:accent5>
+        <a:srgbClr val="3CA2E2"/>
+      </a:accent5>
+      <a:accent6>
+        <a:srgbClr val="91BF77"/>
+      </a:accent6>
+      <a:hlink>
+        <a:srgbClr val="71DDAB"/>
+      </a:hlink>
+      <a:folHlink>
+        <a:srgbClr val="A6E4C7"/>
+      </a:folHlink>
+    </a:clrScheme>
+    <a:fontScheme name="Égi">
+      <a:majorFont>
+        <a:latin typeface="Calibri Light" panose="020F0302020204030204"/>
+        <a:ea typeface=""/>
+        <a:cs typeface=""/>
+        <a:font script="Jpan" typeface="ＭＳ Ｐゴシック"/>
+        <a:font script="Hang" typeface="맑은 고딕"/>
+        <a:font script="Hans" typeface="宋体"/>
+        <a:font script="Hant" typeface="新細明體"/>
+        <a:font script="Arab" typeface="Times New Roman"/>
+        <a:font script="Hebr" typeface="Times New Roman"/>
+        <a:font script="Thai" typeface="Angsana New"/>
+        <a:font script="Ethi" typeface="Nyala"/>
+        <a:font script="Beng" typeface="Vrinda"/>
+        <a:font script="Gujr" typeface="Shruti"/>
+        <a:font script="Khmr" typeface="MoolBoran"/>
+        <a:font script="Knda" typeface="Tunga"/>
+        <a:font script="Guru" typeface="Raavi"/>
+        <a:font script="Cans" typeface="Euphemia"/>
+        <a:font script="Cher" typeface="Plantagenet Cherokee"/>
+        <a:font script="Yiii" typeface="Microsoft Yi Baiti"/>
+        <a:font script="Tibt" typeface="Microsoft Himalaya"/>
+        <a:font script="Thaa" typeface="MV Boli"/>
+        <a:font script="Deva" typeface="Mangal"/>
+        <a:font script="Telu" typeface="Gautami"/>
+        <a:font script="Taml" typeface="Latha"/>
+        <a:font script="Syrc" typeface="Estrangelo Edessa"/>
+        <a:font script="Orya" typeface="Kalinga"/>
+        <a:font script="Mlym" typeface="Kartika"/>
+        <a:font script="Laoo" typeface="DokChampa"/>
+        <a:font script="Sinh" typeface="Iskoola Pota"/>
+        <a:font script="Mong" typeface="Mongolian Baiti"/>
+        <a:font script="Viet" typeface="Times New Roman"/>
+        <a:font script="Uigh" typeface="Microsoft Uighur"/>
+        <a:font script="Geor" typeface="Sylfaen"/>
+      </a:majorFont>
+      <a:minorFont>
+        <a:latin typeface="Calibri" panose="020F0502020204030204"/>
+        <a:ea typeface=""/>
+        <a:cs typeface=""/>
+        <a:font script="Jpan" typeface="ＭＳ Ｐゴシック"/>
+        <a:font script="Hang" typeface="맑은 고딕"/>
+        <a:font script="Hans" typeface="宋体"/>
+        <a:font script="Hant" typeface="新細明體"/>
+        <a:font script="Arab" typeface="Arial"/>
+        <a:font script="Hebr" typeface="Arial"/>
+        <a:font script="Thai" typeface="Cordia New"/>
+        <a:font script="Ethi" typeface="Nyala"/>
+        <a:font script="Beng" typeface="Vrinda"/>
+        <a:font script="Gujr" typeface="Shruti"/>
+        <a:font script="Khmr" typeface="DaunPenh"/>
+        <a:font script="Knda" typeface="Tunga"/>
+        <a:font script="Guru" typeface="Raavi"/>
+        <a:font script="Cans" typeface="Euphemia"/>
+        <a:font script="Cher" typeface="Plantagenet Cherokee"/>
+        <a:font script="Yiii" typeface="Microsoft Yi Baiti"/>
+        <a:font script="Tibt" typeface="Microsoft Himalaya"/>
+        <a:font script="Thaa" typeface="MV Boli"/>
+        <a:font script="Deva" typeface="Mangal"/>
+        <a:font script="Telu" typeface="Gautami"/>
+        <a:font script="Taml" typeface="Latha"/>
+        <a:font script="Syrc" typeface="Estrangelo Edessa"/>
+        <a:font script="Orya" typeface="Kalinga"/>
+        <a:font script="Mlym" typeface="Kartika"/>
+        <a:font script="Laoo" typeface="DokChampa"/>
+        <a:font script="Sinh" typeface="Iskoola Pota"/>
+        <a:font script="Mong" typeface="Mongolian Baiti"/>
+        <a:font script="Viet" typeface="Arial"/>
+        <a:font script="Uigh" typeface="Microsoft Uighur"/>
+        <a:font script="Geor" typeface="Sylfaen"/>
+      </a:minorFont>
+    </a:fontScheme>
+    <a:fmtScheme name="Égi">
+      <a:fillStyleLst>
+        <a:solidFill>
+          <a:schemeClr val="phClr"/>
+        </a:solidFill>
+        <a:gradFill rotWithShape="1">
+          <a:gsLst>
+            <a:gs pos="0">
+              <a:schemeClr val="phClr">
+                <a:tint val="70000"/>
+                <a:lumMod val="110000"/>
+              </a:schemeClr>
+            </a:gs>
+            <a:gs pos="100000">
+              <a:schemeClr val="phClr">
+                <a:tint val="82000"/>
+                <a:alpha val="74000"/>
+              </a:schemeClr>
+            </a:gs>
+          </a:gsLst>
+          <a:lin ang="5400000" scaled="0"/>
+        </a:gradFill>
+        <a:gradFill rotWithShape="1">
+          <a:gsLst>
+            <a:gs pos="0">
+              <a:schemeClr val="phClr">
+                <a:tint val="98000"/>
+                <a:lumMod val="100000"/>
+              </a:schemeClr>
+            </a:gs>
+            <a:gs pos="100000">
+              <a:schemeClr val="phClr">
+                <a:shade val="88000"/>
+                <a:lumMod val="88000"/>
+              </a:schemeClr>
+            </a:gs>
+          </a:gsLst>
+          <a:lin ang="5400000" scaled="1"/>
+        </a:gradFill>
+      </a:fillStyleLst>
+      <a:lnStyleLst>
+        <a:ln w="9525" cap="rnd" cmpd="sng" algn="ctr">
+          <a:solidFill>
+            <a:schemeClr val="phClr"/>
+          </a:solidFill>
+          <a:prstDash val="solid"/>
+        </a:ln>
+        <a:ln w="19050" cap="rnd" cmpd="sng" algn="ctr">
+          <a:solidFill>
+            <a:schemeClr val="phClr"/>
+          </a:solidFill>
+          <a:prstDash val="solid"/>
+        </a:ln>
+        <a:ln w="25400" cap="rnd" cmpd="sng" algn="ctr">
+          <a:solidFill>
+            <a:schemeClr val="phClr"/>
+          </a:solidFill>
+          <a:prstDash val="solid"/>
+        </a:ln>
+      </a:lnStyleLst>
+      <a:effectStyleLst>
+        <a:effectStyle>
+          <a:effectLst/>
+        </a:effectStyle>
+        <a:effectStyle>
+          <a:effectLst>
+            <a:outerShdw blurRad="50800" dist="38100" dir="5400000" rotWithShape="0">
+              <a:srgbClr val="000000">
+                <a:alpha val="35000"/>
+              </a:srgbClr>
+            </a:outerShdw>
+          </a:effectLst>
+        </a:effectStyle>
+        <a:effectStyle>
+          <a:effectLst>
+            <a:outerShdw blurRad="63500" dist="38100" dir="5400000" rotWithShape="0">
+              <a:srgbClr val="000000">
+                <a:alpha val="65000"/>
+              </a:srgbClr>
+            </a:outerShdw>
+          </a:effectLst>
+          <a:scene3d>
+            <a:camera prst="orthographicFront">
+              <a:rot lat="0" lon="0" rev="0"/>
+            </a:camera>
+            <a:lightRig rig="threePt" dir="tl">
+              <a:rot lat="0" lon="0" rev="1200000"/>
+            </a:lightRig>
+          </a:scene3d>
+          <a:sp3d>
+            <a:bevelT w="38100" h="12700"/>
+          </a:sp3d>
+        </a:effectStyle>
+      </a:effectStyleLst>
+      <a:bgFillStyleLst>
+        <a:solidFill>
+          <a:schemeClr val="phClr"/>
+        </a:solidFill>
+        <a:gradFill rotWithShape="1">
+          <a:gsLst>
+            <a:gs pos="0">
+              <a:schemeClr val="phClr">
+                <a:tint val="90000"/>
+                <a:shade val="96000"/>
+                <a:hueMod val="100000"/>
+                <a:satMod val="180000"/>
+                <a:lumMod val="110000"/>
+              </a:schemeClr>
+            </a:gs>
+            <a:gs pos="100000">
+              <a:schemeClr val="phClr">
+                <a:shade val="96000"/>
+                <a:satMod val="160000"/>
+                <a:lumMod val="100000"/>
+              </a:schemeClr>
+            </a:gs>
+          </a:gsLst>
+          <a:lin ang="4740000" scaled="1"/>
+        </a:gradFill>
+        <a:blipFill>
+          <a:blip xmlns:r="http://schemas.openxmlformats.org/officeDocument/2006/relationships" r:embed="rId1"/>
+          <a:stretch/>
+        </a:blipFill>
+      </a:bgFillStyleLst>
+    </a:fmtScheme>
+  </a:themeElements>
+  <a:objectDefaults/>
+  <a:extraClrSchemeLst/>
+  <a:extLst>
+    <a:ext uri="{05A4C25C-085E-4340-85A3-A5531E510DB2}">
+      <thm15:themeFamily xmlns:thm15="http://schemas.microsoft.com/office/thememl/2012/main" name="Celestial" id="{C4BB2A3D-0E93-4C5F-B0D2-9D3FCE089CC5}" vid="{B36E0D05-787B-4C61-8268-2D6C1FBEDA32}"/>
+    </a:ext>
+  </a:extLst>
+</a:theme>
 </file>
--- a/pages/weboldal/ppt/project_game.pptx
+++ b/pages/weboldal/ppt/project_game.pptx
@@ -5211,7 +5211,7 @@
           <a:p>
             <a:fld id="{9E255AD8-65B3-4006-AEB5-E49A2474B8DB}" type="datetimeFigureOut">
               <a:rPr lang="hu-HU" smtClean="0"/>
-              <a:t>2024.01.15.</a:t>
+              <a:t>2024. 01. 15.</a:t>
             </a:fld>
             <a:endParaRPr lang="hu-HU"/>
           </a:p>
@@ -5623,7 +5623,7 @@
           <a:p>
             <a:fld id="{9E255AD8-65B3-4006-AEB5-E49A2474B8DB}" type="datetimeFigureOut">
               <a:rPr lang="hu-HU" smtClean="0"/>
-              <a:t>2024.01.15.</a:t>
+              <a:t>2024. 01. 15.</a:t>
             </a:fld>
             <a:endParaRPr lang="hu-HU"/>
           </a:p>
@@ -10399,7 +10399,7 @@
           <a:p>
             <a:fld id="{9E255AD8-65B3-4006-AEB5-E49A2474B8DB}" type="datetimeFigureOut">
               <a:rPr lang="hu-HU" smtClean="0"/>
-              <a:t>2024.01.15.</a:t>
+              <a:t>2024. 01. 15.</a:t>
             </a:fld>
             <a:endParaRPr lang="hu-HU"/>
           </a:p>
@@ -10811,7 +10811,7 @@
           <a:p>
             <a:fld id="{9E255AD8-65B3-4006-AEB5-E49A2474B8DB}" type="datetimeFigureOut">
               <a:rPr lang="hu-HU" smtClean="0"/>
-              <a:t>2024.01.15.</a:t>
+              <a:t>2024. 01. 15.</a:t>
             </a:fld>
             <a:endParaRPr lang="hu-HU"/>
           </a:p>
@@ -11505,7 +11505,7 @@
           <a:p>
             <a:fld id="{9E255AD8-65B3-4006-AEB5-E49A2474B8DB}" type="datetimeFigureOut">
               <a:rPr lang="hu-HU" smtClean="0"/>
-              <a:t>2024.01.15.</a:t>
+              <a:t>2024. 01. 15.</a:t>
             </a:fld>
             <a:endParaRPr lang="hu-HU"/>
           </a:p>
@@ -11917,7 +11917,7 @@
           <a:p>
             <a:fld id="{9E255AD8-65B3-4006-AEB5-E49A2474B8DB}" type="datetimeFigureOut">
               <a:rPr lang="hu-HU" smtClean="0"/>
-              <a:t>2024.01.15.</a:t>
+              <a:t>2024. 01. 15.</a:t>
             </a:fld>
             <a:endParaRPr lang="hu-HU"/>
           </a:p>
@@ -28544,7 +28544,7 @@
           <a:p>
             <a:fld id="{9E255AD8-65B3-4006-AEB5-E49A2474B8DB}" type="datetimeFigureOut">
               <a:rPr lang="hu-HU" smtClean="0"/>
-              <a:t>2024.01.15.</a:t>
+              <a:t>2024. 01. 15.</a:t>
             </a:fld>
             <a:endParaRPr lang="hu-HU"/>
           </a:p>
@@ -28956,7 +28956,7 @@
           <a:p>
             <a:fld id="{9E255AD8-65B3-4006-AEB5-E49A2474B8DB}" type="datetimeFigureOut">
               <a:rPr lang="hu-HU" smtClean="0"/>
-              <a:t>2024.01.15.</a:t>
+              <a:t>2024. 01. 15.</a:t>
             </a:fld>
             <a:endParaRPr lang="hu-HU"/>
           </a:p>
@@ -29531,7 +29531,7 @@
           <a:p>
             <a:fld id="{9E255AD8-65B3-4006-AEB5-E49A2474B8DB}" type="datetimeFigureOut">
               <a:rPr lang="hu-HU" smtClean="0"/>
-              <a:t>2024.01.15.</a:t>
+              <a:t>2024. 01. 15.</a:t>
             </a:fld>
             <a:endParaRPr lang="hu-HU"/>
           </a:p>
@@ -30996,7 +30996,7 @@
           <a:p>
             <a:fld id="{9E255AD8-65B3-4006-AEB5-E49A2474B8DB}" type="datetimeFigureOut">
               <a:rPr lang="hu-HU" smtClean="0"/>
-              <a:t>2024.01.15.</a:t>
+              <a:t>2024. 01. 15.</a:t>
             </a:fld>
             <a:endParaRPr lang="hu-HU"/>
           </a:p>
@@ -51022,22 +51022,20 @@
           </a:p>
           <a:p>
             <a:r>
-              <a:rPr lang="hu-HU" sz="2000" dirty="0">
+              <a:rPr lang="hu-HU" sz="2000">
                 <a:solidFill>
                   <a:schemeClr val="bg1"/>
                 </a:solidFill>
               </a:rPr>
-              <a:t>Blog</a:t>
+              <a:t>Csapat </a:t>
             </a:r>
-          </a:p>
-          <a:p>
             <a:r>
               <a:rPr lang="hu-HU" sz="2000" dirty="0">
                 <a:solidFill>
                   <a:schemeClr val="bg1"/>
                 </a:solidFill>
               </a:rPr>
-              <a:t>Csapat vezetés</a:t>
+              <a:t>vezetés</a:t>
             </a:r>
           </a:p>
         </p:txBody>
@@ -51196,33 +51194,15 @@
                                   </p:childTnLst>
                                 </p:cTn>
                               </p:par>
-                            </p:childTnLst>
-                          </p:cTn>
-                        </p:par>
-                      </p:childTnLst>
-                    </p:cTn>
-                  </p:par>
-                  <p:par>
-                    <p:cTn id="13" fill="hold">
-                      <p:stCondLst>
-                        <p:cond delay="indefinite"/>
-                      </p:stCondLst>
-                      <p:childTnLst>
-                        <p:par>
-                          <p:cTn id="14" fill="hold">
-                            <p:stCondLst>
-                              <p:cond delay="0"/>
-                            </p:stCondLst>
-                            <p:childTnLst>
                               <p:par>
-                                <p:cTn id="15" presetID="1" presetClass="entr" presetSubtype="0" fill="hold" grpId="0" nodeType="clickEffect">
+                                <p:cTn id="13" presetID="1" presetClass="entr" presetSubtype="0" fill="hold" grpId="0" nodeType="withEffect">
                                   <p:stCondLst>
                                     <p:cond delay="0"/>
                                   </p:stCondLst>
                                   <p:childTnLst>
                                     <p:set>
                                       <p:cBhvr>
-                                        <p:cTn id="16" dur="1" fill="hold">
+                                        <p:cTn id="14" dur="1" fill="hold">
                                           <p:stCondLst>
                                             <p:cond delay="0"/>
                                           </p:stCondLst>
@@ -51252,19 +51232,50 @@
                     </p:cTn>
                   </p:par>
                   <p:par>
-                    <p:cTn id="17" fill="hold">
+                    <p:cTn id="15" fill="hold">
                       <p:stCondLst>
                         <p:cond delay="indefinite"/>
                       </p:stCondLst>
                       <p:childTnLst>
                         <p:par>
-                          <p:cTn id="18" fill="hold">
+                          <p:cTn id="16" fill="hold">
                             <p:stCondLst>
                               <p:cond delay="0"/>
                             </p:stCondLst>
                             <p:childTnLst>
                               <p:par>
-                                <p:cTn id="19" presetID="1" presetClass="entr" presetSubtype="0" fill="hold" grpId="0" nodeType="clickEffect">
+                                <p:cTn id="17" presetID="1" presetClass="entr" presetSubtype="0" fill="hold" grpId="0" nodeType="clickEffect">
+                                  <p:stCondLst>
+                                    <p:cond delay="0"/>
+                                  </p:stCondLst>
+                                  <p:childTnLst>
+                                    <p:set>
+                                      <p:cBhvr>
+                                        <p:cTn id="18" dur="1" fill="hold">
+                                          <p:stCondLst>
+                                            <p:cond delay="0"/>
+                                          </p:stCondLst>
+                                        </p:cTn>
+                                        <p:tgtEl>
+                                          <p:spTgt spid="8">
+                                            <p:txEl>
+                                              <p:pRg st="0" end="0"/>
+                                            </p:txEl>
+                                          </p:spTgt>
+                                        </p:tgtEl>
+                                        <p:attrNameLst>
+                                          <p:attrName>style.visibility</p:attrName>
+                                        </p:attrNameLst>
+                                      </p:cBhvr>
+                                      <p:to>
+                                        <p:strVal val="visible"/>
+                                      </p:to>
+                                    </p:set>
+                                  </p:childTnLst>
+                                </p:cTn>
+                              </p:par>
+                              <p:par>
+                                <p:cTn id="19" presetID="1" presetClass="entr" presetSubtype="0" fill="hold" grpId="0" nodeType="withEffect">
                                   <p:stCondLst>
                                     <p:cond delay="0"/>
                                   </p:stCondLst>
@@ -51277,7 +51288,7 @@
                                           </p:stCondLst>
                                         </p:cTn>
                                         <p:tgtEl>
-                                          <p:spTgt spid="8">
+                                          <p:spTgt spid="9">
                                             <p:txEl>
                                               <p:pRg st="0" end="0"/>
                                             </p:txEl>
@@ -51310,87 +51321,7 @@
                                         <p:tgtEl>
                                           <p:spTgt spid="9">
                                             <p:txEl>
-                                              <p:pRg st="0" end="0"/>
-                                            </p:txEl>
-                                          </p:spTgt>
-                                        </p:tgtEl>
-                                        <p:attrNameLst>
-                                          <p:attrName>style.visibility</p:attrName>
-                                        </p:attrNameLst>
-                                      </p:cBhvr>
-                                      <p:to>
-                                        <p:strVal val="visible"/>
-                                      </p:to>
-                                    </p:set>
-                                  </p:childTnLst>
-                                </p:cTn>
-                              </p:par>
-                              <p:par>
-                                <p:cTn id="23" presetID="1" presetClass="entr" presetSubtype="0" fill="hold" grpId="0" nodeType="withEffect">
-                                  <p:stCondLst>
-                                    <p:cond delay="0"/>
-                                  </p:stCondLst>
-                                  <p:childTnLst>
-                                    <p:set>
-                                      <p:cBhvr>
-                                        <p:cTn id="24" dur="1" fill="hold">
-                                          <p:stCondLst>
-                                            <p:cond delay="0"/>
-                                          </p:stCondLst>
-                                        </p:cTn>
-                                        <p:tgtEl>
-                                          <p:spTgt spid="9">
-                                            <p:txEl>
                                               <p:pRg st="1" end="1"/>
-                                            </p:txEl>
-                                          </p:spTgt>
-                                        </p:tgtEl>
-                                        <p:attrNameLst>
-                                          <p:attrName>style.visibility</p:attrName>
-                                        </p:attrNameLst>
-                                      </p:cBhvr>
-                                      <p:to>
-                                        <p:strVal val="visible"/>
-                                      </p:to>
-                                    </p:set>
-                                  </p:childTnLst>
-                                </p:cTn>
-                              </p:par>
-                            </p:childTnLst>
-                          </p:cTn>
-                        </p:par>
-                      </p:childTnLst>
-                    </p:cTn>
-                  </p:par>
-                  <p:par>
-                    <p:cTn id="25" fill="hold">
-                      <p:stCondLst>
-                        <p:cond delay="indefinite"/>
-                      </p:stCondLst>
-                      <p:childTnLst>
-                        <p:par>
-                          <p:cTn id="26" fill="hold">
-                            <p:stCondLst>
-                              <p:cond delay="0"/>
-                            </p:stCondLst>
-                            <p:childTnLst>
-                              <p:par>
-                                <p:cTn id="27" presetID="1" presetClass="entr" presetSubtype="0" fill="hold" grpId="0" nodeType="clickEffect">
-                                  <p:stCondLst>
-                                    <p:cond delay="0"/>
-                                  </p:stCondLst>
-                                  <p:childTnLst>
-                                    <p:set>
-                                      <p:cBhvr>
-                                        <p:cTn id="28" dur="1" fill="hold">
-                                          <p:stCondLst>
-                                            <p:cond delay="0"/>
-                                          </p:stCondLst>
-                                        </p:cTn>
-                                        <p:tgtEl>
-                                          <p:spTgt spid="9">
-                                            <p:txEl>
-                                              <p:pRg st="2" end="2"/>
                                             </p:txEl>
                                           </p:spTgt>
                                         </p:tgtEl>
@@ -51767,26 +51698,39 @@
                                   </p:childTnLst>
                                 </p:cTn>
                               </p:par>
-                            </p:childTnLst>
-                          </p:cTn>
-                        </p:par>
-                      </p:childTnLst>
-                    </p:cTn>
-                  </p:par>
-                  <p:par>
-                    <p:cTn id="9" fill="hold">
-                      <p:stCondLst>
-                        <p:cond delay="indefinite"/>
-                      </p:stCondLst>
-                      <p:childTnLst>
-                        <p:par>
-                          <p:cTn id="10" fill="hold">
-                            <p:stCondLst>
-                              <p:cond delay="0"/>
-                            </p:stCondLst>
-                            <p:childTnLst>
                               <p:par>
-                                <p:cTn id="11" presetID="1" presetClass="entr" presetSubtype="0" fill="hold" grpId="0" nodeType="clickEffect">
+                                <p:cTn id="9" presetID="1" presetClass="entr" presetSubtype="0" fill="hold" grpId="0" nodeType="withEffect">
+                                  <p:stCondLst>
+                                    <p:cond delay="0"/>
+                                  </p:stCondLst>
+                                  <p:childTnLst>
+                                    <p:set>
+                                      <p:cBhvr>
+                                        <p:cTn id="10" dur="1" fill="hold">
+                                          <p:stCondLst>
+                                            <p:cond delay="0"/>
+                                          </p:stCondLst>
+                                        </p:cTn>
+                                        <p:tgtEl>
+                                          <p:spTgt spid="4">
+                                            <p:txEl>
+                                              <p:pRg st="1" end="1"/>
+                                            </p:txEl>
+                                          </p:spTgt>
+                                        </p:tgtEl>
+                                        <p:attrNameLst>
+                                          <p:attrName>style.visibility</p:attrName>
+                                        </p:attrNameLst>
+                                      </p:cBhvr>
+                                      <p:to>
+                                        <p:strVal val="visible"/>
+                                      </p:to>
+                                    </p:set>
+                                  </p:childTnLst>
+                                </p:cTn>
+                              </p:par>
+                              <p:par>
+                                <p:cTn id="11" presetID="1" presetClass="entr" presetSubtype="0" fill="hold" grpId="0" nodeType="withEffect">
                                   <p:stCondLst>
                                     <p:cond delay="0"/>
                                   </p:stCondLst>
@@ -51801,7 +51745,7 @@
                                         <p:tgtEl>
                                           <p:spTgt spid="4">
                                             <p:txEl>
-                                              <p:pRg st="1" end="1"/>
+                                              <p:pRg st="2" end="2"/>
                                             </p:txEl>
                                           </p:spTgt>
                                         </p:tgtEl>
@@ -51848,9 +51792,9 @@
                                           </p:stCondLst>
                                         </p:cTn>
                                         <p:tgtEl>
-                                          <p:spTgt spid="4">
+                                          <p:spTgt spid="5">
                                             <p:txEl>
-                                              <p:pRg st="2" end="2"/>
+                                              <p:pRg st="0" end="0"/>
                                             </p:txEl>
                                           </p:spTgt>
                                         </p:tgtEl>
@@ -51865,26 +51809,39 @@
                                   </p:childTnLst>
                                 </p:cTn>
                               </p:par>
-                            </p:childTnLst>
-                          </p:cTn>
-                        </p:par>
-                      </p:childTnLst>
-                    </p:cTn>
-                  </p:par>
-                  <p:par>
-                    <p:cTn id="17" fill="hold">
-                      <p:stCondLst>
-                        <p:cond delay="indefinite"/>
-                      </p:stCondLst>
-                      <p:childTnLst>
-                        <p:par>
-                          <p:cTn id="18" fill="hold">
-                            <p:stCondLst>
-                              <p:cond delay="0"/>
-                            </p:stCondLst>
-                            <p:childTnLst>
                               <p:par>
-                                <p:cTn id="19" presetID="1" presetClass="entr" presetSubtype="0" fill="hold" grpId="0" nodeType="clickEffect">
+                                <p:cTn id="17" presetID="1" presetClass="entr" presetSubtype="0" fill="hold" grpId="0" nodeType="withEffect">
+                                  <p:stCondLst>
+                                    <p:cond delay="0"/>
+                                  </p:stCondLst>
+                                  <p:childTnLst>
+                                    <p:set>
+                                      <p:cBhvr>
+                                        <p:cTn id="18" dur="1" fill="hold">
+                                          <p:stCondLst>
+                                            <p:cond delay="0"/>
+                                          </p:stCondLst>
+                                        </p:cTn>
+                                        <p:tgtEl>
+                                          <p:spTgt spid="6">
+                                            <p:txEl>
+                                              <p:pRg st="0" end="0"/>
+                                            </p:txEl>
+                                          </p:spTgt>
+                                        </p:tgtEl>
+                                        <p:attrNameLst>
+                                          <p:attrName>style.visibility</p:attrName>
+                                        </p:attrNameLst>
+                                      </p:cBhvr>
+                                      <p:to>
+                                        <p:strVal val="visible"/>
+                                      </p:to>
+                                    </p:set>
+                                  </p:childTnLst>
+                                </p:cTn>
+                              </p:par>
+                              <p:par>
+                                <p:cTn id="19" presetID="1" presetClass="entr" presetSubtype="0" fill="hold" grpId="0" nodeType="withEffect">
                                   <p:stCondLst>
                                     <p:cond delay="0"/>
                                   </p:stCondLst>
@@ -51897,9 +51854,9 @@
                                           </p:stCondLst>
                                         </p:cTn>
                                         <p:tgtEl>
-                                          <p:spTgt spid="5">
+                                          <p:spTgt spid="6">
                                             <p:txEl>
-                                              <p:pRg st="0" end="0"/>
+                                              <p:pRg st="1" end="1"/>
                                             </p:txEl>
                                           </p:spTgt>
                                         </p:tgtEl>
@@ -51923,86 +51880,6 @@
                                     <p:set>
                                       <p:cBhvr>
                                         <p:cTn id="22" dur="1" fill="hold">
-                                          <p:stCondLst>
-                                            <p:cond delay="0"/>
-                                          </p:stCondLst>
-                                        </p:cTn>
-                                        <p:tgtEl>
-                                          <p:spTgt spid="6">
-                                            <p:txEl>
-                                              <p:pRg st="0" end="0"/>
-                                            </p:txEl>
-                                          </p:spTgt>
-                                        </p:tgtEl>
-                                        <p:attrNameLst>
-                                          <p:attrName>style.visibility</p:attrName>
-                                        </p:attrNameLst>
-                                      </p:cBhvr>
-                                      <p:to>
-                                        <p:strVal val="visible"/>
-                                      </p:to>
-                                    </p:set>
-                                  </p:childTnLst>
-                                </p:cTn>
-                              </p:par>
-                              <p:par>
-                                <p:cTn id="23" presetID="1" presetClass="entr" presetSubtype="0" fill="hold" grpId="0" nodeType="withEffect">
-                                  <p:stCondLst>
-                                    <p:cond delay="0"/>
-                                  </p:stCondLst>
-                                  <p:childTnLst>
-                                    <p:set>
-                                      <p:cBhvr>
-                                        <p:cTn id="24" dur="1" fill="hold">
-                                          <p:stCondLst>
-                                            <p:cond delay="0"/>
-                                          </p:stCondLst>
-                                        </p:cTn>
-                                        <p:tgtEl>
-                                          <p:spTgt spid="6">
-                                            <p:txEl>
-                                              <p:pRg st="1" end="1"/>
-                                            </p:txEl>
-                                          </p:spTgt>
-                                        </p:tgtEl>
-                                        <p:attrNameLst>
-                                          <p:attrName>style.visibility</p:attrName>
-                                        </p:attrNameLst>
-                                      </p:cBhvr>
-                                      <p:to>
-                                        <p:strVal val="visible"/>
-                                      </p:to>
-                                    </p:set>
-                                  </p:childTnLst>
-                                </p:cTn>
-                              </p:par>
-                            </p:childTnLst>
-                          </p:cTn>
-                        </p:par>
-                      </p:childTnLst>
-                    </p:cTn>
-                  </p:par>
-                  <p:par>
-                    <p:cTn id="25" fill="hold">
-                      <p:stCondLst>
-                        <p:cond delay="indefinite"/>
-                      </p:stCondLst>
-                      <p:childTnLst>
-                        <p:par>
-                          <p:cTn id="26" fill="hold">
-                            <p:stCondLst>
-                              <p:cond delay="0"/>
-                            </p:stCondLst>
-                            <p:childTnLst>
-                              <p:par>
-                                <p:cTn id="27" presetID="1" presetClass="entr" presetSubtype="0" fill="hold" grpId="0" nodeType="clickEffect">
-                                  <p:stCondLst>
-                                    <p:cond delay="0"/>
-                                  </p:stCondLst>
-                                  <p:childTnLst>
-                                    <p:set>
-                                      <p:cBhvr>
-                                        <p:cTn id="28" dur="1" fill="hold">
                                           <p:stCondLst>
                                             <p:cond delay="0"/>
                                           </p:stCondLst>
